--- a/Oslo(1).pptx
+++ b/Oslo(1).pptx
@@ -159,6 +159,10 @@
     </p:extLst>
   </p:cmAuthor>
 </p:cmAuthorLst>
+</file>
+
+<file path=ppt/revisionInfo.xml><?xml version="1.0" encoding="utf-8"?>
+<p1510:revInfo xmlns:a="http://schemas.openxmlformats.org/drawingml/2006/main" xmlns:r="http://schemas.openxmlformats.org/officeDocument/2006/relationships" xmlns:p1510="http://schemas.microsoft.com/office/powerpoint/2015/10/main"/>
 </file>
 
 <file path=ppt/charts/chart1.xml><?xml version="1.0" encoding="utf-8"?>
@@ -6724,24 +6728,16 @@
         <a:lstStyle/>
         <a:p>
           <a:r>
-            <a:rPr lang="pl-PL" dirty="0"/>
-            <a:t>Full-</a:t>
+            <a:rPr lang="pl-PL" dirty="0" err="1"/>
+            <a:t>Self-governed</a:t>
           </a:r>
           <a:r>
-            <a:rPr lang="pl-PL" dirty="0" err="1"/>
-            <a:t>blown</a:t>
+            <a:rPr lang="pl-PL" dirty="0"/>
+            <a:t> platform</a:t>
           </a:r>
           <a:r>
             <a:rPr lang="en-US" dirty="0"/>
-            <a:t> </a:t>
-          </a:r>
-          <a:r>
-            <a:rPr lang="pl-PL" dirty="0" err="1"/>
-            <a:t>eco</a:t>
-          </a:r>
-          <a:r>
-            <a:rPr lang="en-US" dirty="0"/>
-            <a:t>system for decentralized applications</a:t>
+            <a:t> for decentralized applications</a:t>
           </a:r>
           <a:r>
             <a:rPr lang="pl-PL" dirty="0"/>
@@ -9215,24 +9211,16 @@
             <a:buNone/>
           </a:pPr>
           <a:r>
-            <a:rPr lang="pl-PL" sz="2400" kern="1200" dirty="0"/>
-            <a:t>Full-</a:t>
+            <a:rPr lang="pl-PL" sz="2400" kern="1200" dirty="0" err="1"/>
+            <a:t>Self-governed</a:t>
           </a:r>
           <a:r>
-            <a:rPr lang="pl-PL" sz="2400" kern="1200" dirty="0" err="1"/>
-            <a:t>blown</a:t>
+            <a:rPr lang="pl-PL" sz="2400" kern="1200" dirty="0"/>
+            <a:t> platform</a:t>
           </a:r>
           <a:r>
             <a:rPr lang="en-US" sz="2400" kern="1200" dirty="0"/>
-            <a:t> </a:t>
-          </a:r>
-          <a:r>
-            <a:rPr lang="pl-PL" sz="2400" kern="1200" dirty="0" err="1"/>
-            <a:t>eco</a:t>
-          </a:r>
-          <a:r>
-            <a:rPr lang="en-US" sz="2400" kern="1200" dirty="0"/>
-            <a:t>system for decentralized applications</a:t>
+            <a:t> for decentralized applications</a:t>
           </a:r>
           <a:r>
             <a:rPr lang="pl-PL" sz="2400" kern="1200" dirty="0"/>
@@ -21353,7 +21341,7 @@
             </a:ln>
             <a:extLst>
               <a:ext uri="{91240B29-F687-4f45-9708-019B960494DF}">
-                <a14:hiddenLine xmlns:a14="http://schemas.microsoft.com/office/drawing/2010/main" xmlns="" w="9525">
+                <a14:hiddenLine xmlns="" xmlns:a14="http://schemas.microsoft.com/office/drawing/2010/main" w="9525">
                   <a:solidFill>
                     <a:srgbClr val="000000"/>
                   </a:solidFill>
@@ -21443,7 +21431,7 @@
             </a:ln>
             <a:extLst>
               <a:ext uri="{91240B29-F687-4f45-9708-019B960494DF}">
-                <a14:hiddenLine xmlns:a14="http://schemas.microsoft.com/office/drawing/2010/main" xmlns="" w="9525">
+                <a14:hiddenLine xmlns="" xmlns:a14="http://schemas.microsoft.com/office/drawing/2010/main" w="9525">
                   <a:solidFill>
                     <a:srgbClr val="000000"/>
                   </a:solidFill>
@@ -21533,7 +21521,7 @@
             </a:ln>
             <a:extLst>
               <a:ext uri="{91240B29-F687-4f45-9708-019B960494DF}">
-                <a14:hiddenLine xmlns:a14="http://schemas.microsoft.com/office/drawing/2010/main" xmlns="" w="9525">
+                <a14:hiddenLine xmlns="" xmlns:a14="http://schemas.microsoft.com/office/drawing/2010/main" w="9525">
                   <a:solidFill>
                     <a:srgbClr val="000000"/>
                   </a:solidFill>
@@ -21567,7 +21555,7 @@
             </a:ln>
             <a:extLst>
               <a:ext uri="{91240B29-F687-4f45-9708-019B960494DF}">
-                <a14:hiddenLine xmlns:a14="http://schemas.microsoft.com/office/drawing/2010/main" xmlns="" w="9525">
+                <a14:hiddenLine xmlns="" xmlns:a14="http://schemas.microsoft.com/office/drawing/2010/main" w="9525">
                   <a:solidFill>
                     <a:srgbClr val="000000"/>
                   </a:solidFill>
@@ -21657,7 +21645,7 @@
             </a:ln>
             <a:extLst>
               <a:ext uri="{91240B29-F687-4f45-9708-019B960494DF}">
-                <a14:hiddenLine xmlns:a14="http://schemas.microsoft.com/office/drawing/2010/main" xmlns="" w="9525">
+                <a14:hiddenLine xmlns="" xmlns:a14="http://schemas.microsoft.com/office/drawing/2010/main" w="9525">
                   <a:solidFill>
                     <a:srgbClr val="000000"/>
                   </a:solidFill>
@@ -21719,7 +21707,7 @@
             </a:ln>
             <a:extLst>
               <a:ext uri="{91240B29-F687-4f45-9708-019B960494DF}">
-                <a14:hiddenLine xmlns:a14="http://schemas.microsoft.com/office/drawing/2010/main" xmlns="" w="9525">
+                <a14:hiddenLine xmlns="" xmlns:a14="http://schemas.microsoft.com/office/drawing/2010/main" w="9525">
                   <a:solidFill>
                     <a:srgbClr val="000000"/>
                   </a:solidFill>
@@ -21781,7 +21769,7 @@
             </a:ln>
             <a:extLst>
               <a:ext uri="{91240B29-F687-4f45-9708-019B960494DF}">
-                <a14:hiddenLine xmlns:a14="http://schemas.microsoft.com/office/drawing/2010/main" xmlns="" w="9525">
+                <a14:hiddenLine xmlns="" xmlns:a14="http://schemas.microsoft.com/office/drawing/2010/main" w="9525">
                   <a:solidFill>
                     <a:srgbClr val="000000"/>
                   </a:solidFill>
@@ -21871,7 +21859,7 @@
             </a:ln>
             <a:extLst>
               <a:ext uri="{91240B29-F687-4f45-9708-019B960494DF}">
-                <a14:hiddenLine xmlns:a14="http://schemas.microsoft.com/office/drawing/2010/main" xmlns="" w="9525">
+                <a14:hiddenLine xmlns="" xmlns:a14="http://schemas.microsoft.com/office/drawing/2010/main" w="9525">
                   <a:solidFill>
                     <a:srgbClr val="000000"/>
                   </a:solidFill>
@@ -21933,7 +21921,7 @@
             </a:ln>
             <a:extLst>
               <a:ext uri="{91240B29-F687-4f45-9708-019B960494DF}">
-                <a14:hiddenLine xmlns:a14="http://schemas.microsoft.com/office/drawing/2010/main" xmlns="" w="9525">
+                <a14:hiddenLine xmlns="" xmlns:a14="http://schemas.microsoft.com/office/drawing/2010/main" w="9525">
                   <a:solidFill>
                     <a:srgbClr val="000000"/>
                   </a:solidFill>
@@ -21995,7 +21983,7 @@
             </a:ln>
             <a:extLst>
               <a:ext uri="{91240B29-F687-4f45-9708-019B960494DF}">
-                <a14:hiddenLine xmlns:a14="http://schemas.microsoft.com/office/drawing/2010/main" xmlns="" w="9525">
+                <a14:hiddenLine xmlns="" xmlns:a14="http://schemas.microsoft.com/office/drawing/2010/main" w="9525">
                   <a:solidFill>
                     <a:srgbClr val="000000"/>
                   </a:solidFill>
@@ -22085,7 +22073,7 @@
             </a:ln>
             <a:extLst>
               <a:ext uri="{91240B29-F687-4f45-9708-019B960494DF}">
-                <a14:hiddenLine xmlns:a14="http://schemas.microsoft.com/office/drawing/2010/main" xmlns="" w="9525">
+                <a14:hiddenLine xmlns="" xmlns:a14="http://schemas.microsoft.com/office/drawing/2010/main" w="9525">
                   <a:solidFill>
                     <a:srgbClr val="000000"/>
                   </a:solidFill>
@@ -22175,7 +22163,7 @@
             </a:ln>
             <a:extLst>
               <a:ext uri="{91240B29-F687-4f45-9708-019B960494DF}">
-                <a14:hiddenLine xmlns:a14="http://schemas.microsoft.com/office/drawing/2010/main" xmlns="" w="9525">
+                <a14:hiddenLine xmlns="" xmlns:a14="http://schemas.microsoft.com/office/drawing/2010/main" w="9525">
                   <a:solidFill>
                     <a:srgbClr val="000000"/>
                   </a:solidFill>
@@ -22237,7 +22225,7 @@
             </a:ln>
             <a:extLst>
               <a:ext uri="{91240B29-F687-4f45-9708-019B960494DF}">
-                <a14:hiddenLine xmlns:a14="http://schemas.microsoft.com/office/drawing/2010/main" xmlns="" w="9525">
+                <a14:hiddenLine xmlns="" xmlns:a14="http://schemas.microsoft.com/office/drawing/2010/main" w="9525">
                   <a:solidFill>
                     <a:srgbClr val="000000"/>
                   </a:solidFill>
@@ -22347,7 +22335,7 @@
             </a:ln>
             <a:extLst>
               <a:ext uri="{91240B29-F687-4f45-9708-019B960494DF}">
-                <a14:hiddenLine xmlns:a14="http://schemas.microsoft.com/office/drawing/2010/main" xmlns="" w="9525">
+                <a14:hiddenLine xmlns="" xmlns:a14="http://schemas.microsoft.com/office/drawing/2010/main" w="9525">
                   <a:solidFill>
                     <a:srgbClr val="000000"/>
                   </a:solidFill>
@@ -22409,7 +22397,7 @@
             </a:ln>
             <a:extLst>
               <a:ext uri="{91240B29-F687-4f45-9708-019B960494DF}">
-                <a14:hiddenLine xmlns:a14="http://schemas.microsoft.com/office/drawing/2010/main" xmlns="" w="9525">
+                <a14:hiddenLine xmlns="" xmlns:a14="http://schemas.microsoft.com/office/drawing/2010/main" w="9525">
                   <a:solidFill>
                     <a:srgbClr val="000000"/>
                   </a:solidFill>
@@ -22499,7 +22487,7 @@
             </a:ln>
             <a:extLst>
               <a:ext uri="{91240B29-F687-4f45-9708-019B960494DF}">
-                <a14:hiddenLine xmlns:a14="http://schemas.microsoft.com/office/drawing/2010/main" xmlns="" w="9525">
+                <a14:hiddenLine xmlns="" xmlns:a14="http://schemas.microsoft.com/office/drawing/2010/main" w="9525">
                   <a:solidFill>
                     <a:srgbClr val="000000"/>
                   </a:solidFill>
@@ -22589,7 +22577,7 @@
             </a:ln>
             <a:extLst>
               <a:ext uri="{91240B29-F687-4f45-9708-019B960494DF}">
-                <a14:hiddenLine xmlns:a14="http://schemas.microsoft.com/office/drawing/2010/main" xmlns="" w="9525">
+                <a14:hiddenLine xmlns="" xmlns:a14="http://schemas.microsoft.com/office/drawing/2010/main" w="9525">
                   <a:solidFill>
                     <a:srgbClr val="000000"/>
                   </a:solidFill>
@@ -22651,7 +22639,7 @@
             </a:ln>
             <a:extLst>
               <a:ext uri="{91240B29-F687-4f45-9708-019B960494DF}">
-                <a14:hiddenLine xmlns:a14="http://schemas.microsoft.com/office/drawing/2010/main" xmlns="" w="9525">
+                <a14:hiddenLine xmlns="" xmlns:a14="http://schemas.microsoft.com/office/drawing/2010/main" w="9525">
                   <a:solidFill>
                     <a:srgbClr val="000000"/>
                   </a:solidFill>
@@ -22741,7 +22729,7 @@
             </a:ln>
             <a:extLst>
               <a:ext uri="{91240B29-F687-4f45-9708-019B960494DF}">
-                <a14:hiddenLine xmlns:a14="http://schemas.microsoft.com/office/drawing/2010/main" xmlns="" w="9525">
+                <a14:hiddenLine xmlns="" xmlns:a14="http://schemas.microsoft.com/office/drawing/2010/main" w="9525">
                   <a:solidFill>
                     <a:srgbClr val="000000"/>
                   </a:solidFill>
@@ -22831,7 +22819,7 @@
             </a:ln>
             <a:extLst>
               <a:ext uri="{91240B29-F687-4f45-9708-019B960494DF}">
-                <a14:hiddenLine xmlns:a14="http://schemas.microsoft.com/office/drawing/2010/main" xmlns="" w="9525">
+                <a14:hiddenLine xmlns="" xmlns:a14="http://schemas.microsoft.com/office/drawing/2010/main" w="9525">
                   <a:solidFill>
                     <a:srgbClr val="000000"/>
                   </a:solidFill>
@@ -22887,7 +22875,7 @@
             </a:ln>
             <a:extLst>
               <a:ext uri="{91240B29-F687-4f45-9708-019B960494DF}">
-                <a14:hiddenLine xmlns:a14="http://schemas.microsoft.com/office/drawing/2010/main" xmlns="" w="9525">
+                <a14:hiddenLine xmlns="" xmlns:a14="http://schemas.microsoft.com/office/drawing/2010/main" w="9525">
                   <a:solidFill>
                     <a:srgbClr val="000000"/>
                   </a:solidFill>
@@ -22977,7 +22965,7 @@
             </a:ln>
             <a:extLst>
               <a:ext uri="{91240B29-F687-4f45-9708-019B960494DF}">
-                <a14:hiddenLine xmlns:a14="http://schemas.microsoft.com/office/drawing/2010/main" xmlns="" w="9525">
+                <a14:hiddenLine xmlns="" xmlns:a14="http://schemas.microsoft.com/office/drawing/2010/main" w="9525">
                   <a:solidFill>
                     <a:srgbClr val="000000"/>
                   </a:solidFill>
@@ -23033,7 +23021,7 @@
             </a:ln>
             <a:extLst>
               <a:ext uri="{91240B29-F687-4f45-9708-019B960494DF}">
-                <a14:hiddenLine xmlns:a14="http://schemas.microsoft.com/office/drawing/2010/main" xmlns="" w="9525">
+                <a14:hiddenLine xmlns="" xmlns:a14="http://schemas.microsoft.com/office/drawing/2010/main" w="9525">
                   <a:solidFill>
                     <a:srgbClr val="000000"/>
                   </a:solidFill>
@@ -23123,7 +23111,7 @@
             </a:ln>
             <a:extLst>
               <a:ext uri="{91240B29-F687-4f45-9708-019B960494DF}">
-                <a14:hiddenLine xmlns:a14="http://schemas.microsoft.com/office/drawing/2010/main" xmlns="" w="9525">
+                <a14:hiddenLine xmlns="" xmlns:a14="http://schemas.microsoft.com/office/drawing/2010/main" w="9525">
                   <a:solidFill>
                     <a:srgbClr val="000000"/>
                   </a:solidFill>
@@ -23191,7 +23179,7 @@
             </a:ln>
             <a:extLst>
               <a:ext uri="{91240B29-F687-4f45-9708-019B960494DF}">
-                <a14:hiddenLine xmlns:a14="http://schemas.microsoft.com/office/drawing/2010/main" xmlns="" w="9525">
+                <a14:hiddenLine xmlns="" xmlns:a14="http://schemas.microsoft.com/office/drawing/2010/main" w="9525">
                   <a:solidFill>
                     <a:srgbClr val="000000"/>
                   </a:solidFill>
@@ -23281,7 +23269,7 @@
             </a:ln>
             <a:extLst>
               <a:ext uri="{91240B29-F687-4f45-9708-019B960494DF}">
-                <a14:hiddenLine xmlns:a14="http://schemas.microsoft.com/office/drawing/2010/main" xmlns="" w="9525">
+                <a14:hiddenLine xmlns="" xmlns:a14="http://schemas.microsoft.com/office/drawing/2010/main" w="9525">
                   <a:solidFill>
                     <a:srgbClr val="000000"/>
                   </a:solidFill>
@@ -23349,7 +23337,7 @@
             </a:ln>
             <a:extLst>
               <a:ext uri="{91240B29-F687-4f45-9708-019B960494DF}">
-                <a14:hiddenLine xmlns:a14="http://schemas.microsoft.com/office/drawing/2010/main" xmlns="" w="9525">
+                <a14:hiddenLine xmlns="" xmlns:a14="http://schemas.microsoft.com/office/drawing/2010/main" w="9525">
                   <a:solidFill>
                     <a:srgbClr val="000000"/>
                   </a:solidFill>
@@ -23439,7 +23427,7 @@
             </a:ln>
             <a:extLst>
               <a:ext uri="{91240B29-F687-4f45-9708-019B960494DF}">
-                <a14:hiddenLine xmlns:a14="http://schemas.microsoft.com/office/drawing/2010/main" xmlns="" w="9525">
+                <a14:hiddenLine xmlns="" xmlns:a14="http://schemas.microsoft.com/office/drawing/2010/main" w="9525">
                   <a:solidFill>
                     <a:srgbClr val="000000"/>
                   </a:solidFill>
@@ -23473,7 +23461,7 @@
             </a:ln>
             <a:extLst>
               <a:ext uri="{91240B29-F687-4f45-9708-019B960494DF}">
-                <a14:hiddenLine xmlns:a14="http://schemas.microsoft.com/office/drawing/2010/main" xmlns="" w="9525">
+                <a14:hiddenLine xmlns="" xmlns:a14="http://schemas.microsoft.com/office/drawing/2010/main" w="9525">
                   <a:solidFill>
                     <a:srgbClr val="000000"/>
                   </a:solidFill>
@@ -23563,7 +23551,7 @@
             </a:ln>
             <a:extLst>
               <a:ext uri="{91240B29-F687-4f45-9708-019B960494DF}">
-                <a14:hiddenLine xmlns:a14="http://schemas.microsoft.com/office/drawing/2010/main" xmlns="" w="9525">
+                <a14:hiddenLine xmlns="" xmlns:a14="http://schemas.microsoft.com/office/drawing/2010/main" w="9525">
                   <a:solidFill>
                     <a:srgbClr val="000000"/>
                   </a:solidFill>
@@ -23625,7 +23613,7 @@
             </a:ln>
             <a:extLst>
               <a:ext uri="{91240B29-F687-4f45-9708-019B960494DF}">
-                <a14:hiddenLine xmlns:a14="http://schemas.microsoft.com/office/drawing/2010/main" xmlns="" w="9525">
+                <a14:hiddenLine xmlns="" xmlns:a14="http://schemas.microsoft.com/office/drawing/2010/main" w="9525">
                   <a:solidFill>
                     <a:srgbClr val="000000"/>
                   </a:solidFill>
@@ -23687,7 +23675,7 @@
             </a:ln>
             <a:extLst>
               <a:ext uri="{91240B29-F687-4f45-9708-019B960494DF}">
-                <a14:hiddenLine xmlns:a14="http://schemas.microsoft.com/office/drawing/2010/main" xmlns="" w="9525">
+                <a14:hiddenLine xmlns="" xmlns:a14="http://schemas.microsoft.com/office/drawing/2010/main" w="9525">
                   <a:solidFill>
                     <a:srgbClr val="000000"/>
                   </a:solidFill>
@@ -23777,7 +23765,7 @@
             </a:ln>
             <a:extLst>
               <a:ext uri="{91240B29-F687-4f45-9708-019B960494DF}">
-                <a14:hiddenLine xmlns:a14="http://schemas.microsoft.com/office/drawing/2010/main" xmlns="" w="9525">
+                <a14:hiddenLine xmlns="" xmlns:a14="http://schemas.microsoft.com/office/drawing/2010/main" w="9525">
                   <a:solidFill>
                     <a:srgbClr val="000000"/>
                   </a:solidFill>
@@ -23845,7 +23833,7 @@
             </a:ln>
             <a:extLst>
               <a:ext uri="{91240B29-F687-4f45-9708-019B960494DF}">
-                <a14:hiddenLine xmlns:a14="http://schemas.microsoft.com/office/drawing/2010/main" xmlns="" w="9525">
+                <a14:hiddenLine xmlns="" xmlns:a14="http://schemas.microsoft.com/office/drawing/2010/main" w="9525">
                   <a:solidFill>
                     <a:srgbClr val="000000"/>
                   </a:solidFill>
@@ -23907,7 +23895,7 @@
             </a:ln>
             <a:extLst>
               <a:ext uri="{91240B29-F687-4f45-9708-019B960494DF}">
-                <a14:hiddenLine xmlns:a14="http://schemas.microsoft.com/office/drawing/2010/main" xmlns="" w="9525">
+                <a14:hiddenLine xmlns="" xmlns:a14="http://schemas.microsoft.com/office/drawing/2010/main" w="9525">
                   <a:solidFill>
                     <a:srgbClr val="000000"/>
                   </a:solidFill>
@@ -23997,7 +23985,7 @@
             </a:ln>
             <a:extLst>
               <a:ext uri="{91240B29-F687-4f45-9708-019B960494DF}">
-                <a14:hiddenLine xmlns:a14="http://schemas.microsoft.com/office/drawing/2010/main" xmlns="" w="9525">
+                <a14:hiddenLine xmlns="" xmlns:a14="http://schemas.microsoft.com/office/drawing/2010/main" w="9525">
                   <a:solidFill>
                     <a:srgbClr val="000000"/>
                   </a:solidFill>
@@ -24059,7 +24047,7 @@
             </a:ln>
             <a:extLst>
               <a:ext uri="{91240B29-F687-4f45-9708-019B960494DF}">
-                <a14:hiddenLine xmlns:a14="http://schemas.microsoft.com/office/drawing/2010/main" xmlns="" w="9525">
+                <a14:hiddenLine xmlns="" xmlns:a14="http://schemas.microsoft.com/office/drawing/2010/main" w="9525">
                   <a:solidFill>
                     <a:srgbClr val="000000"/>
                   </a:solidFill>
@@ -24149,7 +24137,7 @@
             </a:ln>
             <a:extLst>
               <a:ext uri="{91240B29-F687-4f45-9708-019B960494DF}">
-                <a14:hiddenLine xmlns:a14="http://schemas.microsoft.com/office/drawing/2010/main" xmlns="" w="9525">
+                <a14:hiddenLine xmlns="" xmlns:a14="http://schemas.microsoft.com/office/drawing/2010/main" w="9525">
                   <a:solidFill>
                     <a:srgbClr val="000000"/>
                   </a:solidFill>
@@ -24211,7 +24199,7 @@
             </a:ln>
             <a:extLst>
               <a:ext uri="{91240B29-F687-4f45-9708-019B960494DF}">
-                <a14:hiddenLine xmlns:a14="http://schemas.microsoft.com/office/drawing/2010/main" xmlns="" w="9525">
+                <a14:hiddenLine xmlns="" xmlns:a14="http://schemas.microsoft.com/office/drawing/2010/main" w="9525">
                   <a:solidFill>
                     <a:srgbClr val="000000"/>
                   </a:solidFill>
@@ -24301,7 +24289,7 @@
             </a:ln>
             <a:extLst>
               <a:ext uri="{91240B29-F687-4f45-9708-019B960494DF}">
-                <a14:hiddenLine xmlns:a14="http://schemas.microsoft.com/office/drawing/2010/main" xmlns="" w="9525">
+                <a14:hiddenLine xmlns="" xmlns:a14="http://schemas.microsoft.com/office/drawing/2010/main" w="9525">
                   <a:solidFill>
                     <a:srgbClr val="000000"/>
                   </a:solidFill>
@@ -24335,7 +24323,7 @@
             </a:ln>
             <a:extLst>
               <a:ext uri="{91240B29-F687-4f45-9708-019B960494DF}">
-                <a14:hiddenLine xmlns:a14="http://schemas.microsoft.com/office/drawing/2010/main" xmlns="" w="9525">
+                <a14:hiddenLine xmlns="" xmlns:a14="http://schemas.microsoft.com/office/drawing/2010/main" w="9525">
                   <a:solidFill>
                     <a:srgbClr val="000000"/>
                   </a:solidFill>
@@ -24400,7 +24388,7 @@
             </a:ln>
             <a:extLst>
               <a:ext uri="{91240B29-F687-4f45-9708-019B960494DF}">
-                <a14:hiddenLine xmlns:a14="http://schemas.microsoft.com/office/drawing/2010/main" xmlns="" w="9525">
+                <a14:hiddenLine xmlns="" xmlns:a14="http://schemas.microsoft.com/office/drawing/2010/main" w="9525">
                   <a:solidFill>
                     <a:srgbClr val="000000"/>
                   </a:solidFill>
@@ -24490,7 +24478,7 @@
             </a:ln>
             <a:extLst>
               <a:ext uri="{91240B29-F687-4f45-9708-019B960494DF}">
-                <a14:hiddenLine xmlns:a14="http://schemas.microsoft.com/office/drawing/2010/main" xmlns="" w="9525">
+                <a14:hiddenLine xmlns="" xmlns:a14="http://schemas.microsoft.com/office/drawing/2010/main" w="9525">
                   <a:solidFill>
                     <a:srgbClr val="000000"/>
                   </a:solidFill>
@@ -24552,7 +24540,7 @@
             </a:ln>
             <a:extLst>
               <a:ext uri="{91240B29-F687-4f45-9708-019B960494DF}">
-                <a14:hiddenLine xmlns:a14="http://schemas.microsoft.com/office/drawing/2010/main" xmlns="" w="9525">
+                <a14:hiddenLine xmlns="" xmlns:a14="http://schemas.microsoft.com/office/drawing/2010/main" w="9525">
                   <a:solidFill>
                     <a:srgbClr val="000000"/>
                   </a:solidFill>
@@ -24642,7 +24630,7 @@
             </a:ln>
             <a:extLst>
               <a:ext uri="{91240B29-F687-4f45-9708-019B960494DF}">
-                <a14:hiddenLine xmlns:a14="http://schemas.microsoft.com/office/drawing/2010/main" xmlns="" w="9525">
+                <a14:hiddenLine xmlns="" xmlns:a14="http://schemas.microsoft.com/office/drawing/2010/main" w="9525">
                   <a:solidFill>
                     <a:srgbClr val="000000"/>
                   </a:solidFill>
@@ -24732,7 +24720,7 @@
             </a:ln>
             <a:extLst>
               <a:ext uri="{91240B29-F687-4f45-9708-019B960494DF}">
-                <a14:hiddenLine xmlns:a14="http://schemas.microsoft.com/office/drawing/2010/main" xmlns="" w="9525">
+                <a14:hiddenLine xmlns="" xmlns:a14="http://schemas.microsoft.com/office/drawing/2010/main" w="9525">
                   <a:solidFill>
                     <a:srgbClr val="000000"/>
                   </a:solidFill>
@@ -24797,7 +24785,7 @@
             </a:ln>
             <a:extLst>
               <a:ext uri="{91240B29-F687-4f45-9708-019B960494DF}">
-                <a14:hiddenLine xmlns:a14="http://schemas.microsoft.com/office/drawing/2010/main" xmlns="" w="9525">
+                <a14:hiddenLine xmlns="" xmlns:a14="http://schemas.microsoft.com/office/drawing/2010/main" w="9525">
                   <a:solidFill>
                     <a:srgbClr val="000000"/>
                   </a:solidFill>
@@ -24859,7 +24847,7 @@
             </a:ln>
             <a:extLst>
               <a:ext uri="{91240B29-F687-4f45-9708-019B960494DF}">
-                <a14:hiddenLine xmlns:a14="http://schemas.microsoft.com/office/drawing/2010/main" xmlns="" w="9525">
+                <a14:hiddenLine xmlns="" xmlns:a14="http://schemas.microsoft.com/office/drawing/2010/main" w="9525">
                   <a:solidFill>
                     <a:srgbClr val="000000"/>
                   </a:solidFill>
@@ -24949,7 +24937,7 @@
             </a:ln>
             <a:extLst>
               <a:ext uri="{91240B29-F687-4f45-9708-019B960494DF}">
-                <a14:hiddenLine xmlns:a14="http://schemas.microsoft.com/office/drawing/2010/main" xmlns="" w="9525">
+                <a14:hiddenLine xmlns="" xmlns:a14="http://schemas.microsoft.com/office/drawing/2010/main" w="9525">
                   <a:solidFill>
                     <a:srgbClr val="000000"/>
                   </a:solidFill>
@@ -25039,7 +25027,7 @@
             </a:ln>
             <a:extLst>
               <a:ext uri="{91240B29-F687-4f45-9708-019B960494DF}">
-                <a14:hiddenLine xmlns:a14="http://schemas.microsoft.com/office/drawing/2010/main" xmlns="" w="9525">
+                <a14:hiddenLine xmlns="" xmlns:a14="http://schemas.microsoft.com/office/drawing/2010/main" w="9525">
                   <a:solidFill>
                     <a:srgbClr val="000000"/>
                   </a:solidFill>
@@ -25101,7 +25089,7 @@
             </a:ln>
             <a:extLst>
               <a:ext uri="{91240B29-F687-4f45-9708-019B960494DF}">
-                <a14:hiddenLine xmlns:a14="http://schemas.microsoft.com/office/drawing/2010/main" xmlns="" w="9525">
+                <a14:hiddenLine xmlns="" xmlns:a14="http://schemas.microsoft.com/office/drawing/2010/main" w="9525">
                   <a:solidFill>
                     <a:srgbClr val="000000"/>
                   </a:solidFill>
@@ -25221,7 +25209,7 @@
             </a:ln>
             <a:extLst>
               <a:ext uri="{91240B29-F687-4f45-9708-019B960494DF}">
-                <a14:hiddenLine xmlns:a14="http://schemas.microsoft.com/office/drawing/2010/main" xmlns="" w="9525">
+                <a14:hiddenLine xmlns="" xmlns:a14="http://schemas.microsoft.com/office/drawing/2010/main" w="9525">
                   <a:solidFill>
                     <a:srgbClr val="000000"/>
                   </a:solidFill>
@@ -25289,7 +25277,7 @@
             </a:ln>
             <a:extLst>
               <a:ext uri="{91240B29-F687-4f45-9708-019B960494DF}">
-                <a14:hiddenLine xmlns:a14="http://schemas.microsoft.com/office/drawing/2010/main" xmlns="" w="9525">
+                <a14:hiddenLine xmlns="" xmlns:a14="http://schemas.microsoft.com/office/drawing/2010/main" w="9525">
                   <a:solidFill>
                     <a:srgbClr val="000000"/>
                   </a:solidFill>
@@ -25379,7 +25367,7 @@
             </a:ln>
             <a:extLst>
               <a:ext uri="{91240B29-F687-4f45-9708-019B960494DF}">
-                <a14:hiddenLine xmlns:a14="http://schemas.microsoft.com/office/drawing/2010/main" xmlns="" w="9525">
+                <a14:hiddenLine xmlns="" xmlns:a14="http://schemas.microsoft.com/office/drawing/2010/main" w="9525">
                   <a:solidFill>
                     <a:srgbClr val="000000"/>
                   </a:solidFill>
@@ -30314,7 +30302,7 @@
               </a:ln>
               <a:extLst>
                 <a:ext uri="{91240B29-F687-4f45-9708-019B960494DF}">
-                  <a14:hiddenLine xmlns:a14="http://schemas.microsoft.com/office/drawing/2010/main" xmlns="" w="9525">
+                  <a14:hiddenLine xmlns="" xmlns:a14="http://schemas.microsoft.com/office/drawing/2010/main" w="9525">
                     <a:solidFill>
                       <a:srgbClr val="000000"/>
                     </a:solidFill>
@@ -30404,7 +30392,7 @@
               </a:ln>
               <a:extLst>
                 <a:ext uri="{91240B29-F687-4f45-9708-019B960494DF}">
-                  <a14:hiddenLine xmlns:a14="http://schemas.microsoft.com/office/drawing/2010/main" xmlns="" w="9525">
+                  <a14:hiddenLine xmlns="" xmlns:a14="http://schemas.microsoft.com/office/drawing/2010/main" w="9525">
                     <a:solidFill>
                       <a:srgbClr val="000000"/>
                     </a:solidFill>
@@ -30494,7 +30482,7 @@
               </a:ln>
               <a:extLst>
                 <a:ext uri="{91240B29-F687-4f45-9708-019B960494DF}">
-                  <a14:hiddenLine xmlns:a14="http://schemas.microsoft.com/office/drawing/2010/main" xmlns="" w="9525">
+                  <a14:hiddenLine xmlns="" xmlns:a14="http://schemas.microsoft.com/office/drawing/2010/main" w="9525">
                     <a:solidFill>
                       <a:srgbClr val="000000"/>
                     </a:solidFill>
@@ -30556,7 +30544,7 @@
               </a:ln>
               <a:extLst>
                 <a:ext uri="{91240B29-F687-4f45-9708-019B960494DF}">
-                  <a14:hiddenLine xmlns:a14="http://schemas.microsoft.com/office/drawing/2010/main" xmlns="" w="9525">
+                  <a14:hiddenLine xmlns="" xmlns:a14="http://schemas.microsoft.com/office/drawing/2010/main" w="9525">
                     <a:solidFill>
                       <a:srgbClr val="000000"/>
                     </a:solidFill>
@@ -30646,7 +30634,7 @@
               </a:ln>
               <a:extLst>
                 <a:ext uri="{91240B29-F687-4f45-9708-019B960494DF}">
-                  <a14:hiddenLine xmlns:a14="http://schemas.microsoft.com/office/drawing/2010/main" xmlns="" w="9525">
+                  <a14:hiddenLine xmlns="" xmlns:a14="http://schemas.microsoft.com/office/drawing/2010/main" w="9525">
                     <a:solidFill>
                       <a:srgbClr val="000000"/>
                     </a:solidFill>
@@ -30708,7 +30696,7 @@
               </a:ln>
               <a:extLst>
                 <a:ext uri="{91240B29-F687-4f45-9708-019B960494DF}">
-                  <a14:hiddenLine xmlns:a14="http://schemas.microsoft.com/office/drawing/2010/main" xmlns="" w="9525">
+                  <a14:hiddenLine xmlns="" xmlns:a14="http://schemas.microsoft.com/office/drawing/2010/main" w="9525">
                     <a:solidFill>
                       <a:srgbClr val="000000"/>
                     </a:solidFill>
@@ -30770,7 +30758,7 @@
               </a:ln>
               <a:extLst>
                 <a:ext uri="{91240B29-F687-4f45-9708-019B960494DF}">
-                  <a14:hiddenLine xmlns:a14="http://schemas.microsoft.com/office/drawing/2010/main" xmlns="" w="9525">
+                  <a14:hiddenLine xmlns="" xmlns:a14="http://schemas.microsoft.com/office/drawing/2010/main" w="9525">
                     <a:solidFill>
                       <a:srgbClr val="000000"/>
                     </a:solidFill>
@@ -30860,7 +30848,7 @@
               </a:ln>
               <a:extLst>
                 <a:ext uri="{91240B29-F687-4f45-9708-019B960494DF}">
-                  <a14:hiddenLine xmlns:a14="http://schemas.microsoft.com/office/drawing/2010/main" xmlns="" w="9525">
+                  <a14:hiddenLine xmlns="" xmlns:a14="http://schemas.microsoft.com/office/drawing/2010/main" w="9525">
                     <a:solidFill>
                       <a:srgbClr val="000000"/>
                     </a:solidFill>
@@ -30950,7 +30938,7 @@
               </a:ln>
               <a:extLst>
                 <a:ext uri="{91240B29-F687-4f45-9708-019B960494DF}">
-                  <a14:hiddenLine xmlns:a14="http://schemas.microsoft.com/office/drawing/2010/main" xmlns="" w="9525">
+                  <a14:hiddenLine xmlns="" xmlns:a14="http://schemas.microsoft.com/office/drawing/2010/main" w="9525">
                     <a:solidFill>
                       <a:srgbClr val="000000"/>
                     </a:solidFill>
@@ -31012,7 +31000,7 @@
               </a:ln>
               <a:extLst>
                 <a:ext uri="{91240B29-F687-4f45-9708-019B960494DF}">
-                  <a14:hiddenLine xmlns:a14="http://schemas.microsoft.com/office/drawing/2010/main" xmlns="" w="9525">
+                  <a14:hiddenLine xmlns="" xmlns:a14="http://schemas.microsoft.com/office/drawing/2010/main" w="9525">
                     <a:solidFill>
                       <a:srgbClr val="000000"/>
                     </a:solidFill>
@@ -31122,7 +31110,7 @@
               </a:ln>
               <a:extLst>
                 <a:ext uri="{91240B29-F687-4f45-9708-019B960494DF}">
-                  <a14:hiddenLine xmlns:a14="http://schemas.microsoft.com/office/drawing/2010/main" xmlns="" w="9525">
+                  <a14:hiddenLine xmlns="" xmlns:a14="http://schemas.microsoft.com/office/drawing/2010/main" w="9525">
                     <a:solidFill>
                       <a:srgbClr val="000000"/>
                     </a:solidFill>
@@ -31206,7 +31194,7 @@
               </a:ln>
               <a:extLst>
                 <a:ext uri="{91240B29-F687-4f45-9708-019B960494DF}">
-                  <a14:hiddenLine xmlns:a14="http://schemas.microsoft.com/office/drawing/2010/main" xmlns="" w="9525">
+                  <a14:hiddenLine xmlns="" xmlns:a14="http://schemas.microsoft.com/office/drawing/2010/main" w="9525">
                     <a:solidFill>
                       <a:srgbClr val="000000"/>
                     </a:solidFill>
@@ -31268,7 +31256,7 @@
               </a:ln>
               <a:extLst>
                 <a:ext uri="{91240B29-F687-4f45-9708-019B960494DF}">
-                  <a14:hiddenLine xmlns:a14="http://schemas.microsoft.com/office/drawing/2010/main" xmlns="" w="9525">
+                  <a14:hiddenLine xmlns="" xmlns:a14="http://schemas.microsoft.com/office/drawing/2010/main" w="9525">
                     <a:solidFill>
                       <a:srgbClr val="000000"/>
                     </a:solidFill>
@@ -31330,7 +31318,7 @@
               </a:ln>
               <a:extLst>
                 <a:ext uri="{91240B29-F687-4f45-9708-019B960494DF}">
-                  <a14:hiddenLine xmlns:a14="http://schemas.microsoft.com/office/drawing/2010/main" xmlns="" w="9525">
+                  <a14:hiddenLine xmlns="" xmlns:a14="http://schemas.microsoft.com/office/drawing/2010/main" w="9525">
                     <a:solidFill>
                       <a:srgbClr val="000000"/>
                     </a:solidFill>
@@ -31420,7 +31408,7 @@
               </a:ln>
               <a:extLst>
                 <a:ext uri="{91240B29-F687-4f45-9708-019B960494DF}">
-                  <a14:hiddenLine xmlns:a14="http://schemas.microsoft.com/office/drawing/2010/main" xmlns="" w="9525">
+                  <a14:hiddenLine xmlns="" xmlns:a14="http://schemas.microsoft.com/office/drawing/2010/main" w="9525">
                     <a:solidFill>
                       <a:srgbClr val="000000"/>
                     </a:solidFill>
@@ -31454,7 +31442,7 @@
               </a:ln>
               <a:extLst>
                 <a:ext uri="{91240B29-F687-4f45-9708-019B960494DF}">
-                  <a14:hiddenLine xmlns:a14="http://schemas.microsoft.com/office/drawing/2010/main" xmlns="" w="9525">
+                  <a14:hiddenLine xmlns="" xmlns:a14="http://schemas.microsoft.com/office/drawing/2010/main" w="9525">
                     <a:solidFill>
                       <a:srgbClr val="000000"/>
                     </a:solidFill>
@@ -31519,7 +31507,7 @@
               </a:ln>
               <a:extLst>
                 <a:ext uri="{91240B29-F687-4f45-9708-019B960494DF}">
-                  <a14:hiddenLine xmlns:a14="http://schemas.microsoft.com/office/drawing/2010/main" xmlns="" w="9525">
+                  <a14:hiddenLine xmlns="" xmlns:a14="http://schemas.microsoft.com/office/drawing/2010/main" w="9525">
                     <a:solidFill>
                       <a:srgbClr val="000000"/>
                     </a:solidFill>
@@ -31609,7 +31597,7 @@
               </a:ln>
               <a:extLst>
                 <a:ext uri="{91240B29-F687-4f45-9708-019B960494DF}">
-                  <a14:hiddenLine xmlns:a14="http://schemas.microsoft.com/office/drawing/2010/main" xmlns="" w="9525">
+                  <a14:hiddenLine xmlns="" xmlns:a14="http://schemas.microsoft.com/office/drawing/2010/main" w="9525">
                     <a:solidFill>
                       <a:srgbClr val="000000"/>
                     </a:solidFill>
@@ -31671,7 +31659,7 @@
               </a:ln>
               <a:extLst>
                 <a:ext uri="{91240B29-F687-4f45-9708-019B960494DF}">
-                  <a14:hiddenLine xmlns:a14="http://schemas.microsoft.com/office/drawing/2010/main" xmlns="" w="9525">
+                  <a14:hiddenLine xmlns="" xmlns:a14="http://schemas.microsoft.com/office/drawing/2010/main" w="9525">
                     <a:solidFill>
                       <a:srgbClr val="000000"/>
                     </a:solidFill>
@@ -31761,7 +31749,7 @@
               </a:ln>
               <a:extLst>
                 <a:ext uri="{91240B29-F687-4f45-9708-019B960494DF}">
-                  <a14:hiddenLine xmlns:a14="http://schemas.microsoft.com/office/drawing/2010/main" xmlns="" w="9525">
+                  <a14:hiddenLine xmlns="" xmlns:a14="http://schemas.microsoft.com/office/drawing/2010/main" w="9525">
                     <a:solidFill>
                       <a:srgbClr val="000000"/>
                     </a:solidFill>
@@ -31826,7 +31814,7 @@
               </a:ln>
               <a:extLst>
                 <a:ext uri="{91240B29-F687-4f45-9708-019B960494DF}">
-                  <a14:hiddenLine xmlns:a14="http://schemas.microsoft.com/office/drawing/2010/main" xmlns="" w="9525">
+                  <a14:hiddenLine xmlns="" xmlns:a14="http://schemas.microsoft.com/office/drawing/2010/main" w="9525">
                     <a:solidFill>
                       <a:srgbClr val="000000"/>
                     </a:solidFill>
@@ -31888,7 +31876,7 @@
               </a:ln>
               <a:extLst>
                 <a:ext uri="{91240B29-F687-4f45-9708-019B960494DF}">
-                  <a14:hiddenLine xmlns:a14="http://schemas.microsoft.com/office/drawing/2010/main" xmlns="" w="9525">
+                  <a14:hiddenLine xmlns="" xmlns:a14="http://schemas.microsoft.com/office/drawing/2010/main" w="9525">
                     <a:solidFill>
                       <a:srgbClr val="000000"/>
                     </a:solidFill>
@@ -31978,7 +31966,7 @@
               </a:ln>
               <a:extLst>
                 <a:ext uri="{91240B29-F687-4f45-9708-019B960494DF}">
-                  <a14:hiddenLine xmlns:a14="http://schemas.microsoft.com/office/drawing/2010/main" xmlns="" w="9525">
+                  <a14:hiddenLine xmlns="" xmlns:a14="http://schemas.microsoft.com/office/drawing/2010/main" w="9525">
                     <a:solidFill>
                       <a:srgbClr val="000000"/>
                     </a:solidFill>
@@ -32068,7 +32056,7 @@
               </a:ln>
               <a:extLst>
                 <a:ext uri="{91240B29-F687-4f45-9708-019B960494DF}">
-                  <a14:hiddenLine xmlns:a14="http://schemas.microsoft.com/office/drawing/2010/main" xmlns="" w="9525">
+                  <a14:hiddenLine xmlns="" xmlns:a14="http://schemas.microsoft.com/office/drawing/2010/main" w="9525">
                     <a:solidFill>
                       <a:srgbClr val="000000"/>
                     </a:solidFill>
@@ -32133,7 +32121,7 @@
               </a:ln>
               <a:extLst>
                 <a:ext uri="{91240B29-F687-4f45-9708-019B960494DF}">
-                  <a14:hiddenLine xmlns:a14="http://schemas.microsoft.com/office/drawing/2010/main" xmlns="" w="9525">
+                  <a14:hiddenLine xmlns="" xmlns:a14="http://schemas.microsoft.com/office/drawing/2010/main" w="9525">
                     <a:solidFill>
                       <a:srgbClr val="000000"/>
                     </a:solidFill>
@@ -32253,7 +32241,7 @@
               </a:ln>
               <a:extLst>
                 <a:ext uri="{91240B29-F687-4f45-9708-019B960494DF}">
-                  <a14:hiddenLine xmlns:a14="http://schemas.microsoft.com/office/drawing/2010/main" xmlns="" w="9525">
+                  <a14:hiddenLine xmlns="" xmlns:a14="http://schemas.microsoft.com/office/drawing/2010/main" w="9525">
                     <a:solidFill>
                       <a:srgbClr val="000000"/>
                     </a:solidFill>
@@ -32351,7 +32339,7 @@
               </a:ln>
               <a:extLst>
                 <a:ext uri="{91240B29-F687-4f45-9708-019B960494DF}">
-                  <a14:hiddenLine xmlns:a14="http://schemas.microsoft.com/office/drawing/2010/main" xmlns="" w="9525">
+                  <a14:hiddenLine xmlns="" xmlns:a14="http://schemas.microsoft.com/office/drawing/2010/main" w="9525">
                     <a:solidFill>
                       <a:srgbClr val="000000"/>
                     </a:solidFill>
@@ -32466,7 +32454,7 @@
               </a:ln>
               <a:extLst>
                 <a:ext uri="{91240B29-F687-4f45-9708-019B960494DF}">
-                  <a14:hiddenLine xmlns:a14="http://schemas.microsoft.com/office/drawing/2010/main" xmlns="" w="9525">
+                  <a14:hiddenLine xmlns="" xmlns:a14="http://schemas.microsoft.com/office/drawing/2010/main" w="9525">
                     <a:solidFill>
                       <a:srgbClr val="000000"/>
                     </a:solidFill>
@@ -32556,7 +32544,7 @@
               </a:ln>
               <a:extLst>
                 <a:ext uri="{91240B29-F687-4f45-9708-019B960494DF}">
-                  <a14:hiddenLine xmlns:a14="http://schemas.microsoft.com/office/drawing/2010/main" xmlns="" w="9525">
+                  <a14:hiddenLine xmlns="" xmlns:a14="http://schemas.microsoft.com/office/drawing/2010/main" w="9525">
                     <a:solidFill>
                       <a:srgbClr val="000000"/>
                     </a:solidFill>
@@ -32621,7 +32609,7 @@
               </a:ln>
               <a:extLst>
                 <a:ext uri="{91240B29-F687-4f45-9708-019B960494DF}">
-                  <a14:hiddenLine xmlns:a14="http://schemas.microsoft.com/office/drawing/2010/main" xmlns="" w="9525">
+                  <a14:hiddenLine xmlns="" xmlns:a14="http://schemas.microsoft.com/office/drawing/2010/main" w="9525">
                     <a:solidFill>
                       <a:srgbClr val="000000"/>
                     </a:solidFill>
@@ -32711,7 +32699,7 @@
               </a:ln>
               <a:extLst>
                 <a:ext uri="{91240B29-F687-4f45-9708-019B960494DF}">
-                  <a14:hiddenLine xmlns:a14="http://schemas.microsoft.com/office/drawing/2010/main" xmlns="" w="9525">
+                  <a14:hiddenLine xmlns="" xmlns:a14="http://schemas.microsoft.com/office/drawing/2010/main" w="9525">
                     <a:solidFill>
                       <a:srgbClr val="000000"/>
                     </a:solidFill>
@@ -32779,7 +32767,7 @@
               </a:ln>
               <a:extLst>
                 <a:ext uri="{91240B29-F687-4f45-9708-019B960494DF}">
-                  <a14:hiddenLine xmlns:a14="http://schemas.microsoft.com/office/drawing/2010/main" xmlns="" w="9525">
+                  <a14:hiddenLine xmlns="" xmlns:a14="http://schemas.microsoft.com/office/drawing/2010/main" w="9525">
                     <a:solidFill>
                       <a:srgbClr val="000000"/>
                     </a:solidFill>
@@ -32869,7 +32857,7 @@
               </a:ln>
               <a:extLst>
                 <a:ext uri="{91240B29-F687-4f45-9708-019B960494DF}">
-                  <a14:hiddenLine xmlns:a14="http://schemas.microsoft.com/office/drawing/2010/main" xmlns="" w="9525">
+                  <a14:hiddenLine xmlns="" xmlns:a14="http://schemas.microsoft.com/office/drawing/2010/main" w="9525">
                     <a:solidFill>
                       <a:srgbClr val="000000"/>
                     </a:solidFill>
@@ -32937,7 +32925,7 @@
               </a:ln>
               <a:extLst>
                 <a:ext uri="{91240B29-F687-4f45-9708-019B960494DF}">
-                  <a14:hiddenLine xmlns:a14="http://schemas.microsoft.com/office/drawing/2010/main" xmlns="" w="9525">
+                  <a14:hiddenLine xmlns="" xmlns:a14="http://schemas.microsoft.com/office/drawing/2010/main" w="9525">
                     <a:solidFill>
                       <a:srgbClr val="000000"/>
                     </a:solidFill>
@@ -33027,7 +33015,7 @@
               </a:ln>
               <a:extLst>
                 <a:ext uri="{91240B29-F687-4f45-9708-019B960494DF}">
-                  <a14:hiddenLine xmlns:a14="http://schemas.microsoft.com/office/drawing/2010/main" xmlns="" w="9525">
+                  <a14:hiddenLine xmlns="" xmlns:a14="http://schemas.microsoft.com/office/drawing/2010/main" w="9525">
                     <a:solidFill>
                       <a:srgbClr val="000000"/>
                     </a:solidFill>
@@ -33061,7 +33049,7 @@
               </a:ln>
               <a:extLst>
                 <a:ext uri="{91240B29-F687-4f45-9708-019B960494DF}">
-                  <a14:hiddenLine xmlns:a14="http://schemas.microsoft.com/office/drawing/2010/main" xmlns="" w="9525">
+                  <a14:hiddenLine xmlns="" xmlns:a14="http://schemas.microsoft.com/office/drawing/2010/main" w="9525">
                     <a:solidFill>
                       <a:srgbClr val="000000"/>
                     </a:solidFill>
@@ -41808,7 +41796,7 @@
 </file>
 
 <file path=ppt/slides/slide26.xml><?xml version="1.0" encoding="utf-8"?>
-<p:sld xmlns:a="http://schemas.openxmlformats.org/drawingml/2006/main" xmlns:r="http://schemas.openxmlformats.org/officeDocument/2006/relationships" xmlns:p="http://schemas.openxmlformats.org/presentationml/2006/main">
+<p:sld xmlns:a="http://schemas.openxmlformats.org/drawingml/2006/main" xmlns:r="http://schemas.openxmlformats.org/officeDocument/2006/relationships" xmlns:p="http://schemas.openxmlformats.org/presentationml/2006/main" show="0">
   <p:cSld>
     <p:spTree>
       <p:nvGrpSpPr>
@@ -42033,13 +42021,13 @@
   <p:clrMapOvr>
     <a:masterClrMapping/>
   </p:clrMapOvr>
-  <mc:AlternateContent xmlns:mc="http://schemas.openxmlformats.org/markup-compatibility/2006" xmlns:p14="http://schemas.microsoft.com/office/powerpoint/2010/main">
-    <mc:Choice Requires="p14">
+  <mc:AlternateContent xmlns:mc="http://schemas.openxmlformats.org/markup-compatibility/2006">
+    <mc:Choice xmlns:p14="http://schemas.microsoft.com/office/powerpoint/2010/main" Requires="p14">
       <p:transition spd="slow" p14:dur="2500">
         <p:checker/>
       </p:transition>
     </mc:Choice>
-    <mc:Fallback xmlns="">
+    <mc:Fallback>
       <p:transition spd="slow">
         <p:checker/>
       </p:transition>
@@ -43721,7 +43709,7 @@
             <p:ph idx="1"/>
             <p:extLst>
               <p:ext uri="{D42A27DB-BD31-4B8C-83A1-F6EECF244321}">
-                <p14:modId xmlns:p14="http://schemas.microsoft.com/office/powerpoint/2010/main" val="2505820661"/>
+                <p14:modId xmlns:p14="http://schemas.microsoft.com/office/powerpoint/2010/main" val="1936719100"/>
               </p:ext>
             </p:extLst>
           </p:nvPr>

--- a/Oslo(1).pptx
+++ b/Oslo(1).pptx
@@ -6613,15 +6613,37 @@
         <a:p>
           <a:r>
             <a:rPr lang="pl-PL" dirty="0"/>
-            <a:t>P</a:t>
+            <a:t>S</a:t>
           </a:r>
           <a:r>
-            <a:rPr lang="en-US" dirty="0"/>
-            <a:t>ayment system</a:t>
+            <a:rPr lang="en-US" dirty="0" err="1"/>
+            <a:t>ystem</a:t>
           </a:r>
           <a:r>
             <a:rPr lang="pl-PL" dirty="0"/>
-            <a:t> (Bitcoin)</a:t>
+            <a:t> for</a:t>
+          </a:r>
+          <a:br>
+            <a:rPr lang="pl-PL" dirty="0"/>
+          </a:br>
+          <a:r>
+            <a:rPr lang="pl-PL" dirty="0" err="1"/>
+            <a:t>simple</a:t>
+          </a:r>
+          <a:r>
+            <a:rPr lang="pl-PL" dirty="0"/>
+            <a:t> </a:t>
+          </a:r>
+          <a:r>
+            <a:rPr lang="pl-PL" dirty="0" err="1"/>
+            <a:t>payments</a:t>
+          </a:r>
+          <a:br>
+            <a:rPr lang="pl-PL" dirty="0"/>
+          </a:br>
+          <a:r>
+            <a:rPr lang="pl-PL" dirty="0"/>
+            <a:t>(Bitcoin)</a:t>
           </a:r>
           <a:endParaRPr lang="en-US" dirty="0"/>
         </a:p>
@@ -6670,11 +6692,22 @@
         <a:p>
           <a:r>
             <a:rPr lang="pl-PL" dirty="0"/>
-            <a:t>S</a:t>
+            <a:t>System for </a:t>
+          </a:r>
+          <a:br>
+            <a:rPr lang="pl-PL" dirty="0"/>
+          </a:br>
+          <a:r>
+            <a:rPr lang="pl-PL" dirty="0"/>
+            <a:t>s</a:t>
           </a:r>
           <a:r>
             <a:rPr lang="en-US" dirty="0"/>
-            <a:t>mart-contract system</a:t>
+            <a:t>mart-contract</a:t>
+          </a:r>
+          <a:r>
+            <a:rPr lang="pl-PL" dirty="0"/>
+            <a:t>s</a:t>
           </a:r>
           <a:br>
             <a:rPr lang="pl-PL" dirty="0"/>
@@ -6728,16 +6761,12 @@
         <a:lstStyle/>
         <a:p>
           <a:r>
-            <a:rPr lang="pl-PL" dirty="0" err="1"/>
-            <a:t>Self-governed</a:t>
-          </a:r>
-          <a:r>
             <a:rPr lang="pl-PL" dirty="0"/>
-            <a:t> platform</a:t>
+            <a:t>System for </a:t>
           </a:r>
           <a:r>
             <a:rPr lang="en-US" dirty="0"/>
-            <a:t> for decentralized applications</a:t>
+            <a:t>decentralized apps</a:t>
           </a:r>
           <a:r>
             <a:rPr lang="pl-PL" dirty="0"/>
@@ -8889,12 +8918,12 @@
         </a:fontRef>
       </dsp:style>
       <dsp:txBody>
-        <a:bodyPr spcFirstLastPara="0" vert="horz" wrap="square" lIns="91440" tIns="91440" rIns="91440" bIns="91440" numCol="1" spcCol="1270" anchor="ctr" anchorCtr="0">
+        <a:bodyPr spcFirstLastPara="0" vert="horz" wrap="square" lIns="102870" tIns="102870" rIns="102870" bIns="102870" numCol="1" spcCol="1270" anchor="ctr" anchorCtr="0">
           <a:noAutofit/>
         </a:bodyPr>
         <a:lstStyle/>
         <a:p>
-          <a:pPr marL="0" lvl="0" indent="0" algn="ctr" defTabSz="1066800">
+          <a:pPr marL="0" lvl="0" indent="0" algn="ctr" defTabSz="1200150">
             <a:lnSpc>
               <a:spcPct val="90000"/>
             </a:lnSpc>
@@ -8907,18 +8936,40 @@
             <a:buNone/>
           </a:pPr>
           <a:r>
-            <a:rPr lang="pl-PL" sz="2400" kern="1200" dirty="0"/>
-            <a:t>P</a:t>
+            <a:rPr lang="pl-PL" sz="2700" kern="1200" dirty="0"/>
+            <a:t>S</a:t>
           </a:r>
           <a:r>
-            <a:rPr lang="en-US" sz="2400" kern="1200" dirty="0"/>
-            <a:t>ayment system</a:t>
+            <a:rPr lang="en-US" sz="2700" kern="1200" dirty="0" err="1"/>
+            <a:t>ystem</a:t>
           </a:r>
           <a:r>
-            <a:rPr lang="pl-PL" sz="2400" kern="1200" dirty="0"/>
-            <a:t> (Bitcoin)</a:t>
+            <a:rPr lang="pl-PL" sz="2700" kern="1200" dirty="0"/>
+            <a:t> for</a:t>
           </a:r>
-          <a:endParaRPr lang="en-US" sz="2400" kern="1200" dirty="0"/>
+          <a:br>
+            <a:rPr lang="pl-PL" sz="2700" kern="1200" dirty="0"/>
+          </a:br>
+          <a:r>
+            <a:rPr lang="pl-PL" sz="2700" kern="1200" dirty="0" err="1"/>
+            <a:t>simple</a:t>
+          </a:r>
+          <a:r>
+            <a:rPr lang="pl-PL" sz="2700" kern="1200" dirty="0"/>
+            <a:t> </a:t>
+          </a:r>
+          <a:r>
+            <a:rPr lang="pl-PL" sz="2700" kern="1200" dirty="0" err="1"/>
+            <a:t>payments</a:t>
+          </a:r>
+          <a:br>
+            <a:rPr lang="pl-PL" sz="2700" kern="1200" dirty="0"/>
+          </a:br>
+          <a:r>
+            <a:rPr lang="pl-PL" sz="2700" kern="1200" dirty="0"/>
+            <a:t>(Bitcoin)</a:t>
+          </a:r>
+          <a:endParaRPr lang="en-US" sz="2700" kern="1200" dirty="0"/>
         </a:p>
       </dsp:txBody>
       <dsp:txXfrm>
@@ -8970,7 +9021,7 @@
         </a:bodyPr>
         <a:lstStyle/>
         <a:p>
-          <a:pPr marL="0" lvl="0" indent="0" algn="ctr" defTabSz="844550">
+          <a:pPr marL="0" lvl="0" indent="0" algn="ctr" defTabSz="933450">
             <a:lnSpc>
               <a:spcPct val="90000"/>
             </a:lnSpc>
@@ -8982,7 +9033,7 @@
             </a:spcAft>
             <a:buNone/>
           </a:pPr>
-          <a:endParaRPr lang="en-US" sz="1900" kern="1200" dirty="0"/>
+          <a:endParaRPr lang="en-US" sz="2100" kern="1200" dirty="0"/>
         </a:p>
       </dsp:txBody>
       <dsp:txXfrm>
@@ -9040,12 +9091,12 @@
         </a:fontRef>
       </dsp:style>
       <dsp:txBody>
-        <a:bodyPr spcFirstLastPara="0" vert="horz" wrap="square" lIns="91440" tIns="91440" rIns="91440" bIns="91440" numCol="1" spcCol="1270" anchor="ctr" anchorCtr="0">
+        <a:bodyPr spcFirstLastPara="0" vert="horz" wrap="square" lIns="102870" tIns="102870" rIns="102870" bIns="102870" numCol="1" spcCol="1270" anchor="ctr" anchorCtr="0">
           <a:noAutofit/>
         </a:bodyPr>
         <a:lstStyle/>
         <a:p>
-          <a:pPr marL="0" lvl="0" indent="0" algn="ctr" defTabSz="1066800">
+          <a:pPr marL="0" lvl="0" indent="0" algn="ctr" defTabSz="1200150">
             <a:lnSpc>
               <a:spcPct val="90000"/>
             </a:lnSpc>
@@ -9058,21 +9109,32 @@
             <a:buNone/>
           </a:pPr>
           <a:r>
-            <a:rPr lang="pl-PL" sz="2400" kern="1200" dirty="0"/>
-            <a:t>S</a:t>
+            <a:rPr lang="pl-PL" sz="2700" kern="1200" dirty="0"/>
+            <a:t>System for </a:t>
+          </a:r>
+          <a:br>
+            <a:rPr lang="pl-PL" sz="2700" kern="1200" dirty="0"/>
+          </a:br>
+          <a:r>
+            <a:rPr lang="pl-PL" sz="2700" kern="1200" dirty="0"/>
+            <a:t>s</a:t>
           </a:r>
           <a:r>
-            <a:rPr lang="en-US" sz="2400" kern="1200" dirty="0"/>
-            <a:t>mart-contract system</a:t>
+            <a:rPr lang="en-US" sz="2700" kern="1200" dirty="0"/>
+            <a:t>mart-contract</a:t>
+          </a:r>
+          <a:r>
+            <a:rPr lang="pl-PL" sz="2700" kern="1200" dirty="0"/>
+            <a:t>s</a:t>
           </a:r>
           <a:br>
-            <a:rPr lang="pl-PL" sz="2400" kern="1200" dirty="0"/>
+            <a:rPr lang="pl-PL" sz="2700" kern="1200" dirty="0"/>
           </a:br>
           <a:r>
-            <a:rPr lang="pl-PL" sz="2400" kern="1200" dirty="0"/>
+            <a:rPr lang="pl-PL" sz="2700" kern="1200" dirty="0"/>
             <a:t>(Ethereum)</a:t>
           </a:r>
-          <a:endParaRPr lang="en-US" sz="2400" kern="1200" dirty="0"/>
+          <a:endParaRPr lang="en-US" sz="2700" kern="1200" dirty="0"/>
         </a:p>
       </dsp:txBody>
       <dsp:txXfrm>
@@ -9124,7 +9186,7 @@
         </a:bodyPr>
         <a:lstStyle/>
         <a:p>
-          <a:pPr marL="0" lvl="0" indent="0" algn="ctr" defTabSz="844550">
+          <a:pPr marL="0" lvl="0" indent="0" algn="ctr" defTabSz="933450">
             <a:lnSpc>
               <a:spcPct val="90000"/>
             </a:lnSpc>
@@ -9136,7 +9198,7 @@
             </a:spcAft>
             <a:buNone/>
           </a:pPr>
-          <a:endParaRPr lang="en-US" sz="1900" kern="1200" dirty="0"/>
+          <a:endParaRPr lang="en-US" sz="2100" kern="1200" dirty="0"/>
         </a:p>
       </dsp:txBody>
       <dsp:txXfrm>
@@ -9193,12 +9255,12 @@
         </a:fontRef>
       </dsp:style>
       <dsp:txBody>
-        <a:bodyPr spcFirstLastPara="0" vert="horz" wrap="square" lIns="91440" tIns="91440" rIns="91440" bIns="91440" numCol="1" spcCol="1270" anchor="ctr" anchorCtr="0">
+        <a:bodyPr spcFirstLastPara="0" vert="horz" wrap="square" lIns="102870" tIns="102870" rIns="102870" bIns="102870" numCol="1" spcCol="1270" anchor="ctr" anchorCtr="0">
           <a:noAutofit/>
         </a:bodyPr>
         <a:lstStyle/>
         <a:p>
-          <a:pPr marL="0" lvl="0" indent="0" algn="ctr" defTabSz="1066800">
+          <a:pPr marL="0" lvl="0" indent="0" algn="ctr" defTabSz="1200150">
             <a:lnSpc>
               <a:spcPct val="90000"/>
             </a:lnSpc>
@@ -9211,22 +9273,18 @@
             <a:buNone/>
           </a:pPr>
           <a:r>
-            <a:rPr lang="pl-PL" sz="2400" kern="1200" dirty="0" err="1"/>
-            <a:t>Self-governed</a:t>
+            <a:rPr lang="pl-PL" sz="2700" kern="1200" dirty="0"/>
+            <a:t>System for </a:t>
           </a:r>
           <a:r>
-            <a:rPr lang="pl-PL" sz="2400" kern="1200" dirty="0"/>
-            <a:t> platform</a:t>
+            <a:rPr lang="en-US" sz="2700" kern="1200" dirty="0"/>
+            <a:t>decentralized apps</a:t>
           </a:r>
           <a:r>
-            <a:rPr lang="en-US" sz="2400" kern="1200" dirty="0"/>
-            <a:t> for decentralized applications</a:t>
-          </a:r>
-          <a:r>
-            <a:rPr lang="pl-PL" sz="2400" kern="1200" dirty="0"/>
+            <a:rPr lang="pl-PL" sz="2700" kern="1200" dirty="0"/>
             <a:t> (EOS)</a:t>
           </a:r>
-          <a:endParaRPr lang="en-US" sz="2400" kern="1200" dirty="0"/>
+          <a:endParaRPr lang="en-US" sz="2700" kern="1200" dirty="0"/>
         </a:p>
       </dsp:txBody>
       <dsp:txXfrm>
@@ -19981,7 +20039,7 @@
           <a:p>
             <a:fld id="{6D9EE66E-0075-4EC7-AFEF-A844E5107398}" type="datetimeFigureOut">
               <a:rPr lang="en-US" smtClean="0"/>
-              <a:t>02-Jan-18</a:t>
+              <a:t>03-Jan-18</a:t>
             </a:fld>
             <a:endParaRPr lang="en-US" dirty="0"/>
           </a:p>
@@ -21341,7 +21399,7 @@
             </a:ln>
             <a:extLst>
               <a:ext uri="{91240B29-F687-4f45-9708-019B960494DF}">
-                <a14:hiddenLine xmlns="" xmlns:a14="http://schemas.microsoft.com/office/drawing/2010/main" w="9525">
+                <a14:hiddenLine xmlns:a14="http://schemas.microsoft.com/office/drawing/2010/main" xmlns="" w="9525">
                   <a:solidFill>
                     <a:srgbClr val="000000"/>
                   </a:solidFill>
@@ -21431,7 +21489,7 @@
             </a:ln>
             <a:extLst>
               <a:ext uri="{91240B29-F687-4f45-9708-019B960494DF}">
-                <a14:hiddenLine xmlns="" xmlns:a14="http://schemas.microsoft.com/office/drawing/2010/main" w="9525">
+                <a14:hiddenLine xmlns:a14="http://schemas.microsoft.com/office/drawing/2010/main" xmlns="" w="9525">
                   <a:solidFill>
                     <a:srgbClr val="000000"/>
                   </a:solidFill>
@@ -21521,7 +21579,7 @@
             </a:ln>
             <a:extLst>
               <a:ext uri="{91240B29-F687-4f45-9708-019B960494DF}">
-                <a14:hiddenLine xmlns="" xmlns:a14="http://schemas.microsoft.com/office/drawing/2010/main" w="9525">
+                <a14:hiddenLine xmlns:a14="http://schemas.microsoft.com/office/drawing/2010/main" xmlns="" w="9525">
                   <a:solidFill>
                     <a:srgbClr val="000000"/>
                   </a:solidFill>
@@ -21555,7 +21613,7 @@
             </a:ln>
             <a:extLst>
               <a:ext uri="{91240B29-F687-4f45-9708-019B960494DF}">
-                <a14:hiddenLine xmlns="" xmlns:a14="http://schemas.microsoft.com/office/drawing/2010/main" w="9525">
+                <a14:hiddenLine xmlns:a14="http://schemas.microsoft.com/office/drawing/2010/main" xmlns="" w="9525">
                   <a:solidFill>
                     <a:srgbClr val="000000"/>
                   </a:solidFill>
@@ -21645,7 +21703,7 @@
             </a:ln>
             <a:extLst>
               <a:ext uri="{91240B29-F687-4f45-9708-019B960494DF}">
-                <a14:hiddenLine xmlns="" xmlns:a14="http://schemas.microsoft.com/office/drawing/2010/main" w="9525">
+                <a14:hiddenLine xmlns:a14="http://schemas.microsoft.com/office/drawing/2010/main" xmlns="" w="9525">
                   <a:solidFill>
                     <a:srgbClr val="000000"/>
                   </a:solidFill>
@@ -21707,7 +21765,7 @@
             </a:ln>
             <a:extLst>
               <a:ext uri="{91240B29-F687-4f45-9708-019B960494DF}">
-                <a14:hiddenLine xmlns="" xmlns:a14="http://schemas.microsoft.com/office/drawing/2010/main" w="9525">
+                <a14:hiddenLine xmlns:a14="http://schemas.microsoft.com/office/drawing/2010/main" xmlns="" w="9525">
                   <a:solidFill>
                     <a:srgbClr val="000000"/>
                   </a:solidFill>
@@ -21769,7 +21827,7 @@
             </a:ln>
             <a:extLst>
               <a:ext uri="{91240B29-F687-4f45-9708-019B960494DF}">
-                <a14:hiddenLine xmlns="" xmlns:a14="http://schemas.microsoft.com/office/drawing/2010/main" w="9525">
+                <a14:hiddenLine xmlns:a14="http://schemas.microsoft.com/office/drawing/2010/main" xmlns="" w="9525">
                   <a:solidFill>
                     <a:srgbClr val="000000"/>
                   </a:solidFill>
@@ -21859,7 +21917,7 @@
             </a:ln>
             <a:extLst>
               <a:ext uri="{91240B29-F687-4f45-9708-019B960494DF}">
-                <a14:hiddenLine xmlns="" xmlns:a14="http://schemas.microsoft.com/office/drawing/2010/main" w="9525">
+                <a14:hiddenLine xmlns:a14="http://schemas.microsoft.com/office/drawing/2010/main" xmlns="" w="9525">
                   <a:solidFill>
                     <a:srgbClr val="000000"/>
                   </a:solidFill>
@@ -21921,7 +21979,7 @@
             </a:ln>
             <a:extLst>
               <a:ext uri="{91240B29-F687-4f45-9708-019B960494DF}">
-                <a14:hiddenLine xmlns="" xmlns:a14="http://schemas.microsoft.com/office/drawing/2010/main" w="9525">
+                <a14:hiddenLine xmlns:a14="http://schemas.microsoft.com/office/drawing/2010/main" xmlns="" w="9525">
                   <a:solidFill>
                     <a:srgbClr val="000000"/>
                   </a:solidFill>
@@ -21983,7 +22041,7 @@
             </a:ln>
             <a:extLst>
               <a:ext uri="{91240B29-F687-4f45-9708-019B960494DF}">
-                <a14:hiddenLine xmlns="" xmlns:a14="http://schemas.microsoft.com/office/drawing/2010/main" w="9525">
+                <a14:hiddenLine xmlns:a14="http://schemas.microsoft.com/office/drawing/2010/main" xmlns="" w="9525">
                   <a:solidFill>
                     <a:srgbClr val="000000"/>
                   </a:solidFill>
@@ -22073,7 +22131,7 @@
             </a:ln>
             <a:extLst>
               <a:ext uri="{91240B29-F687-4f45-9708-019B960494DF}">
-                <a14:hiddenLine xmlns="" xmlns:a14="http://schemas.microsoft.com/office/drawing/2010/main" w="9525">
+                <a14:hiddenLine xmlns:a14="http://schemas.microsoft.com/office/drawing/2010/main" xmlns="" w="9525">
                   <a:solidFill>
                     <a:srgbClr val="000000"/>
                   </a:solidFill>
@@ -22163,7 +22221,7 @@
             </a:ln>
             <a:extLst>
               <a:ext uri="{91240B29-F687-4f45-9708-019B960494DF}">
-                <a14:hiddenLine xmlns="" xmlns:a14="http://schemas.microsoft.com/office/drawing/2010/main" w="9525">
+                <a14:hiddenLine xmlns:a14="http://schemas.microsoft.com/office/drawing/2010/main" xmlns="" w="9525">
                   <a:solidFill>
                     <a:srgbClr val="000000"/>
                   </a:solidFill>
@@ -22225,7 +22283,7 @@
             </a:ln>
             <a:extLst>
               <a:ext uri="{91240B29-F687-4f45-9708-019B960494DF}">
-                <a14:hiddenLine xmlns="" xmlns:a14="http://schemas.microsoft.com/office/drawing/2010/main" w="9525">
+                <a14:hiddenLine xmlns:a14="http://schemas.microsoft.com/office/drawing/2010/main" xmlns="" w="9525">
                   <a:solidFill>
                     <a:srgbClr val="000000"/>
                   </a:solidFill>
@@ -22335,7 +22393,7 @@
             </a:ln>
             <a:extLst>
               <a:ext uri="{91240B29-F687-4f45-9708-019B960494DF}">
-                <a14:hiddenLine xmlns="" xmlns:a14="http://schemas.microsoft.com/office/drawing/2010/main" w="9525">
+                <a14:hiddenLine xmlns:a14="http://schemas.microsoft.com/office/drawing/2010/main" xmlns="" w="9525">
                   <a:solidFill>
                     <a:srgbClr val="000000"/>
                   </a:solidFill>
@@ -22397,7 +22455,7 @@
             </a:ln>
             <a:extLst>
               <a:ext uri="{91240B29-F687-4f45-9708-019B960494DF}">
-                <a14:hiddenLine xmlns="" xmlns:a14="http://schemas.microsoft.com/office/drawing/2010/main" w="9525">
+                <a14:hiddenLine xmlns:a14="http://schemas.microsoft.com/office/drawing/2010/main" xmlns="" w="9525">
                   <a:solidFill>
                     <a:srgbClr val="000000"/>
                   </a:solidFill>
@@ -22487,7 +22545,7 @@
             </a:ln>
             <a:extLst>
               <a:ext uri="{91240B29-F687-4f45-9708-019B960494DF}">
-                <a14:hiddenLine xmlns="" xmlns:a14="http://schemas.microsoft.com/office/drawing/2010/main" w="9525">
+                <a14:hiddenLine xmlns:a14="http://schemas.microsoft.com/office/drawing/2010/main" xmlns="" w="9525">
                   <a:solidFill>
                     <a:srgbClr val="000000"/>
                   </a:solidFill>
@@ -22577,7 +22635,7 @@
             </a:ln>
             <a:extLst>
               <a:ext uri="{91240B29-F687-4f45-9708-019B960494DF}">
-                <a14:hiddenLine xmlns="" xmlns:a14="http://schemas.microsoft.com/office/drawing/2010/main" w="9525">
+                <a14:hiddenLine xmlns:a14="http://schemas.microsoft.com/office/drawing/2010/main" xmlns="" w="9525">
                   <a:solidFill>
                     <a:srgbClr val="000000"/>
                   </a:solidFill>
@@ -22639,7 +22697,7 @@
             </a:ln>
             <a:extLst>
               <a:ext uri="{91240B29-F687-4f45-9708-019B960494DF}">
-                <a14:hiddenLine xmlns="" xmlns:a14="http://schemas.microsoft.com/office/drawing/2010/main" w="9525">
+                <a14:hiddenLine xmlns:a14="http://schemas.microsoft.com/office/drawing/2010/main" xmlns="" w="9525">
                   <a:solidFill>
                     <a:srgbClr val="000000"/>
                   </a:solidFill>
@@ -22729,7 +22787,7 @@
             </a:ln>
             <a:extLst>
               <a:ext uri="{91240B29-F687-4f45-9708-019B960494DF}">
-                <a14:hiddenLine xmlns="" xmlns:a14="http://schemas.microsoft.com/office/drawing/2010/main" w="9525">
+                <a14:hiddenLine xmlns:a14="http://schemas.microsoft.com/office/drawing/2010/main" xmlns="" w="9525">
                   <a:solidFill>
                     <a:srgbClr val="000000"/>
                   </a:solidFill>
@@ -22819,7 +22877,7 @@
             </a:ln>
             <a:extLst>
               <a:ext uri="{91240B29-F687-4f45-9708-019B960494DF}">
-                <a14:hiddenLine xmlns="" xmlns:a14="http://schemas.microsoft.com/office/drawing/2010/main" w="9525">
+                <a14:hiddenLine xmlns:a14="http://schemas.microsoft.com/office/drawing/2010/main" xmlns="" w="9525">
                   <a:solidFill>
                     <a:srgbClr val="000000"/>
                   </a:solidFill>
@@ -22875,7 +22933,7 @@
             </a:ln>
             <a:extLst>
               <a:ext uri="{91240B29-F687-4f45-9708-019B960494DF}">
-                <a14:hiddenLine xmlns="" xmlns:a14="http://schemas.microsoft.com/office/drawing/2010/main" w="9525">
+                <a14:hiddenLine xmlns:a14="http://schemas.microsoft.com/office/drawing/2010/main" xmlns="" w="9525">
                   <a:solidFill>
                     <a:srgbClr val="000000"/>
                   </a:solidFill>
@@ -22965,7 +23023,7 @@
             </a:ln>
             <a:extLst>
               <a:ext uri="{91240B29-F687-4f45-9708-019B960494DF}">
-                <a14:hiddenLine xmlns="" xmlns:a14="http://schemas.microsoft.com/office/drawing/2010/main" w="9525">
+                <a14:hiddenLine xmlns:a14="http://schemas.microsoft.com/office/drawing/2010/main" xmlns="" w="9525">
                   <a:solidFill>
                     <a:srgbClr val="000000"/>
                   </a:solidFill>
@@ -23021,7 +23079,7 @@
             </a:ln>
             <a:extLst>
               <a:ext uri="{91240B29-F687-4f45-9708-019B960494DF}">
-                <a14:hiddenLine xmlns="" xmlns:a14="http://schemas.microsoft.com/office/drawing/2010/main" w="9525">
+                <a14:hiddenLine xmlns:a14="http://schemas.microsoft.com/office/drawing/2010/main" xmlns="" w="9525">
                   <a:solidFill>
                     <a:srgbClr val="000000"/>
                   </a:solidFill>
@@ -23111,7 +23169,7 @@
             </a:ln>
             <a:extLst>
               <a:ext uri="{91240B29-F687-4f45-9708-019B960494DF}">
-                <a14:hiddenLine xmlns="" xmlns:a14="http://schemas.microsoft.com/office/drawing/2010/main" w="9525">
+                <a14:hiddenLine xmlns:a14="http://schemas.microsoft.com/office/drawing/2010/main" xmlns="" w="9525">
                   <a:solidFill>
                     <a:srgbClr val="000000"/>
                   </a:solidFill>
@@ -23179,7 +23237,7 @@
             </a:ln>
             <a:extLst>
               <a:ext uri="{91240B29-F687-4f45-9708-019B960494DF}">
-                <a14:hiddenLine xmlns="" xmlns:a14="http://schemas.microsoft.com/office/drawing/2010/main" w="9525">
+                <a14:hiddenLine xmlns:a14="http://schemas.microsoft.com/office/drawing/2010/main" xmlns="" w="9525">
                   <a:solidFill>
                     <a:srgbClr val="000000"/>
                   </a:solidFill>
@@ -23269,7 +23327,7 @@
             </a:ln>
             <a:extLst>
               <a:ext uri="{91240B29-F687-4f45-9708-019B960494DF}">
-                <a14:hiddenLine xmlns="" xmlns:a14="http://schemas.microsoft.com/office/drawing/2010/main" w="9525">
+                <a14:hiddenLine xmlns:a14="http://schemas.microsoft.com/office/drawing/2010/main" xmlns="" w="9525">
                   <a:solidFill>
                     <a:srgbClr val="000000"/>
                   </a:solidFill>
@@ -23337,7 +23395,7 @@
             </a:ln>
             <a:extLst>
               <a:ext uri="{91240B29-F687-4f45-9708-019B960494DF}">
-                <a14:hiddenLine xmlns="" xmlns:a14="http://schemas.microsoft.com/office/drawing/2010/main" w="9525">
+                <a14:hiddenLine xmlns:a14="http://schemas.microsoft.com/office/drawing/2010/main" xmlns="" w="9525">
                   <a:solidFill>
                     <a:srgbClr val="000000"/>
                   </a:solidFill>
@@ -23427,7 +23485,7 @@
             </a:ln>
             <a:extLst>
               <a:ext uri="{91240B29-F687-4f45-9708-019B960494DF}">
-                <a14:hiddenLine xmlns="" xmlns:a14="http://schemas.microsoft.com/office/drawing/2010/main" w="9525">
+                <a14:hiddenLine xmlns:a14="http://schemas.microsoft.com/office/drawing/2010/main" xmlns="" w="9525">
                   <a:solidFill>
                     <a:srgbClr val="000000"/>
                   </a:solidFill>
@@ -23461,7 +23519,7 @@
             </a:ln>
             <a:extLst>
               <a:ext uri="{91240B29-F687-4f45-9708-019B960494DF}">
-                <a14:hiddenLine xmlns="" xmlns:a14="http://schemas.microsoft.com/office/drawing/2010/main" w="9525">
+                <a14:hiddenLine xmlns:a14="http://schemas.microsoft.com/office/drawing/2010/main" xmlns="" w="9525">
                   <a:solidFill>
                     <a:srgbClr val="000000"/>
                   </a:solidFill>
@@ -23551,7 +23609,7 @@
             </a:ln>
             <a:extLst>
               <a:ext uri="{91240B29-F687-4f45-9708-019B960494DF}">
-                <a14:hiddenLine xmlns="" xmlns:a14="http://schemas.microsoft.com/office/drawing/2010/main" w="9525">
+                <a14:hiddenLine xmlns:a14="http://schemas.microsoft.com/office/drawing/2010/main" xmlns="" w="9525">
                   <a:solidFill>
                     <a:srgbClr val="000000"/>
                   </a:solidFill>
@@ -23613,7 +23671,7 @@
             </a:ln>
             <a:extLst>
               <a:ext uri="{91240B29-F687-4f45-9708-019B960494DF}">
-                <a14:hiddenLine xmlns="" xmlns:a14="http://schemas.microsoft.com/office/drawing/2010/main" w="9525">
+                <a14:hiddenLine xmlns:a14="http://schemas.microsoft.com/office/drawing/2010/main" xmlns="" w="9525">
                   <a:solidFill>
                     <a:srgbClr val="000000"/>
                   </a:solidFill>
@@ -23675,7 +23733,7 @@
             </a:ln>
             <a:extLst>
               <a:ext uri="{91240B29-F687-4f45-9708-019B960494DF}">
-                <a14:hiddenLine xmlns="" xmlns:a14="http://schemas.microsoft.com/office/drawing/2010/main" w="9525">
+                <a14:hiddenLine xmlns:a14="http://schemas.microsoft.com/office/drawing/2010/main" xmlns="" w="9525">
                   <a:solidFill>
                     <a:srgbClr val="000000"/>
                   </a:solidFill>
@@ -23765,7 +23823,7 @@
             </a:ln>
             <a:extLst>
               <a:ext uri="{91240B29-F687-4f45-9708-019B960494DF}">
-                <a14:hiddenLine xmlns="" xmlns:a14="http://schemas.microsoft.com/office/drawing/2010/main" w="9525">
+                <a14:hiddenLine xmlns:a14="http://schemas.microsoft.com/office/drawing/2010/main" xmlns="" w="9525">
                   <a:solidFill>
                     <a:srgbClr val="000000"/>
                   </a:solidFill>
@@ -23833,7 +23891,7 @@
             </a:ln>
             <a:extLst>
               <a:ext uri="{91240B29-F687-4f45-9708-019B960494DF}">
-                <a14:hiddenLine xmlns="" xmlns:a14="http://schemas.microsoft.com/office/drawing/2010/main" w="9525">
+                <a14:hiddenLine xmlns:a14="http://schemas.microsoft.com/office/drawing/2010/main" xmlns="" w="9525">
                   <a:solidFill>
                     <a:srgbClr val="000000"/>
                   </a:solidFill>
@@ -23895,7 +23953,7 @@
             </a:ln>
             <a:extLst>
               <a:ext uri="{91240B29-F687-4f45-9708-019B960494DF}">
-                <a14:hiddenLine xmlns="" xmlns:a14="http://schemas.microsoft.com/office/drawing/2010/main" w="9525">
+                <a14:hiddenLine xmlns:a14="http://schemas.microsoft.com/office/drawing/2010/main" xmlns="" w="9525">
                   <a:solidFill>
                     <a:srgbClr val="000000"/>
                   </a:solidFill>
@@ -23985,7 +24043,7 @@
             </a:ln>
             <a:extLst>
               <a:ext uri="{91240B29-F687-4f45-9708-019B960494DF}">
-                <a14:hiddenLine xmlns="" xmlns:a14="http://schemas.microsoft.com/office/drawing/2010/main" w="9525">
+                <a14:hiddenLine xmlns:a14="http://schemas.microsoft.com/office/drawing/2010/main" xmlns="" w="9525">
                   <a:solidFill>
                     <a:srgbClr val="000000"/>
                   </a:solidFill>
@@ -24047,7 +24105,7 @@
             </a:ln>
             <a:extLst>
               <a:ext uri="{91240B29-F687-4f45-9708-019B960494DF}">
-                <a14:hiddenLine xmlns="" xmlns:a14="http://schemas.microsoft.com/office/drawing/2010/main" w="9525">
+                <a14:hiddenLine xmlns:a14="http://schemas.microsoft.com/office/drawing/2010/main" xmlns="" w="9525">
                   <a:solidFill>
                     <a:srgbClr val="000000"/>
                   </a:solidFill>
@@ -24137,7 +24195,7 @@
             </a:ln>
             <a:extLst>
               <a:ext uri="{91240B29-F687-4f45-9708-019B960494DF}">
-                <a14:hiddenLine xmlns="" xmlns:a14="http://schemas.microsoft.com/office/drawing/2010/main" w="9525">
+                <a14:hiddenLine xmlns:a14="http://schemas.microsoft.com/office/drawing/2010/main" xmlns="" w="9525">
                   <a:solidFill>
                     <a:srgbClr val="000000"/>
                   </a:solidFill>
@@ -24199,7 +24257,7 @@
             </a:ln>
             <a:extLst>
               <a:ext uri="{91240B29-F687-4f45-9708-019B960494DF}">
-                <a14:hiddenLine xmlns="" xmlns:a14="http://schemas.microsoft.com/office/drawing/2010/main" w="9525">
+                <a14:hiddenLine xmlns:a14="http://schemas.microsoft.com/office/drawing/2010/main" xmlns="" w="9525">
                   <a:solidFill>
                     <a:srgbClr val="000000"/>
                   </a:solidFill>
@@ -24289,7 +24347,7 @@
             </a:ln>
             <a:extLst>
               <a:ext uri="{91240B29-F687-4f45-9708-019B960494DF}">
-                <a14:hiddenLine xmlns="" xmlns:a14="http://schemas.microsoft.com/office/drawing/2010/main" w="9525">
+                <a14:hiddenLine xmlns:a14="http://schemas.microsoft.com/office/drawing/2010/main" xmlns="" w="9525">
                   <a:solidFill>
                     <a:srgbClr val="000000"/>
                   </a:solidFill>
@@ -24323,7 +24381,7 @@
             </a:ln>
             <a:extLst>
               <a:ext uri="{91240B29-F687-4f45-9708-019B960494DF}">
-                <a14:hiddenLine xmlns="" xmlns:a14="http://schemas.microsoft.com/office/drawing/2010/main" w="9525">
+                <a14:hiddenLine xmlns:a14="http://schemas.microsoft.com/office/drawing/2010/main" xmlns="" w="9525">
                   <a:solidFill>
                     <a:srgbClr val="000000"/>
                   </a:solidFill>
@@ -24388,7 +24446,7 @@
             </a:ln>
             <a:extLst>
               <a:ext uri="{91240B29-F687-4f45-9708-019B960494DF}">
-                <a14:hiddenLine xmlns="" xmlns:a14="http://schemas.microsoft.com/office/drawing/2010/main" w="9525">
+                <a14:hiddenLine xmlns:a14="http://schemas.microsoft.com/office/drawing/2010/main" xmlns="" w="9525">
                   <a:solidFill>
                     <a:srgbClr val="000000"/>
                   </a:solidFill>
@@ -24478,7 +24536,7 @@
             </a:ln>
             <a:extLst>
               <a:ext uri="{91240B29-F687-4f45-9708-019B960494DF}">
-                <a14:hiddenLine xmlns="" xmlns:a14="http://schemas.microsoft.com/office/drawing/2010/main" w="9525">
+                <a14:hiddenLine xmlns:a14="http://schemas.microsoft.com/office/drawing/2010/main" xmlns="" w="9525">
                   <a:solidFill>
                     <a:srgbClr val="000000"/>
                   </a:solidFill>
@@ -24540,7 +24598,7 @@
             </a:ln>
             <a:extLst>
               <a:ext uri="{91240B29-F687-4f45-9708-019B960494DF}">
-                <a14:hiddenLine xmlns="" xmlns:a14="http://schemas.microsoft.com/office/drawing/2010/main" w="9525">
+                <a14:hiddenLine xmlns:a14="http://schemas.microsoft.com/office/drawing/2010/main" xmlns="" w="9525">
                   <a:solidFill>
                     <a:srgbClr val="000000"/>
                   </a:solidFill>
@@ -24630,7 +24688,7 @@
             </a:ln>
             <a:extLst>
               <a:ext uri="{91240B29-F687-4f45-9708-019B960494DF}">
-                <a14:hiddenLine xmlns="" xmlns:a14="http://schemas.microsoft.com/office/drawing/2010/main" w="9525">
+                <a14:hiddenLine xmlns:a14="http://schemas.microsoft.com/office/drawing/2010/main" xmlns="" w="9525">
                   <a:solidFill>
                     <a:srgbClr val="000000"/>
                   </a:solidFill>
@@ -24720,7 +24778,7 @@
             </a:ln>
             <a:extLst>
               <a:ext uri="{91240B29-F687-4f45-9708-019B960494DF}">
-                <a14:hiddenLine xmlns="" xmlns:a14="http://schemas.microsoft.com/office/drawing/2010/main" w="9525">
+                <a14:hiddenLine xmlns:a14="http://schemas.microsoft.com/office/drawing/2010/main" xmlns="" w="9525">
                   <a:solidFill>
                     <a:srgbClr val="000000"/>
                   </a:solidFill>
@@ -24785,7 +24843,7 @@
             </a:ln>
             <a:extLst>
               <a:ext uri="{91240B29-F687-4f45-9708-019B960494DF}">
-                <a14:hiddenLine xmlns="" xmlns:a14="http://schemas.microsoft.com/office/drawing/2010/main" w="9525">
+                <a14:hiddenLine xmlns:a14="http://schemas.microsoft.com/office/drawing/2010/main" xmlns="" w="9525">
                   <a:solidFill>
                     <a:srgbClr val="000000"/>
                   </a:solidFill>
@@ -24847,7 +24905,7 @@
             </a:ln>
             <a:extLst>
               <a:ext uri="{91240B29-F687-4f45-9708-019B960494DF}">
-                <a14:hiddenLine xmlns="" xmlns:a14="http://schemas.microsoft.com/office/drawing/2010/main" w="9525">
+                <a14:hiddenLine xmlns:a14="http://schemas.microsoft.com/office/drawing/2010/main" xmlns="" w="9525">
                   <a:solidFill>
                     <a:srgbClr val="000000"/>
                   </a:solidFill>
@@ -24937,7 +24995,7 @@
             </a:ln>
             <a:extLst>
               <a:ext uri="{91240B29-F687-4f45-9708-019B960494DF}">
-                <a14:hiddenLine xmlns="" xmlns:a14="http://schemas.microsoft.com/office/drawing/2010/main" w="9525">
+                <a14:hiddenLine xmlns:a14="http://schemas.microsoft.com/office/drawing/2010/main" xmlns="" w="9525">
                   <a:solidFill>
                     <a:srgbClr val="000000"/>
                   </a:solidFill>
@@ -25027,7 +25085,7 @@
             </a:ln>
             <a:extLst>
               <a:ext uri="{91240B29-F687-4f45-9708-019B960494DF}">
-                <a14:hiddenLine xmlns="" xmlns:a14="http://schemas.microsoft.com/office/drawing/2010/main" w="9525">
+                <a14:hiddenLine xmlns:a14="http://schemas.microsoft.com/office/drawing/2010/main" xmlns="" w="9525">
                   <a:solidFill>
                     <a:srgbClr val="000000"/>
                   </a:solidFill>
@@ -25089,7 +25147,7 @@
             </a:ln>
             <a:extLst>
               <a:ext uri="{91240B29-F687-4f45-9708-019B960494DF}">
-                <a14:hiddenLine xmlns="" xmlns:a14="http://schemas.microsoft.com/office/drawing/2010/main" w="9525">
+                <a14:hiddenLine xmlns:a14="http://schemas.microsoft.com/office/drawing/2010/main" xmlns="" w="9525">
                   <a:solidFill>
                     <a:srgbClr val="000000"/>
                   </a:solidFill>
@@ -25209,7 +25267,7 @@
             </a:ln>
             <a:extLst>
               <a:ext uri="{91240B29-F687-4f45-9708-019B960494DF}">
-                <a14:hiddenLine xmlns="" xmlns:a14="http://schemas.microsoft.com/office/drawing/2010/main" w="9525">
+                <a14:hiddenLine xmlns:a14="http://schemas.microsoft.com/office/drawing/2010/main" xmlns="" w="9525">
                   <a:solidFill>
                     <a:srgbClr val="000000"/>
                   </a:solidFill>
@@ -25277,7 +25335,7 @@
             </a:ln>
             <a:extLst>
               <a:ext uri="{91240B29-F687-4f45-9708-019B960494DF}">
-                <a14:hiddenLine xmlns="" xmlns:a14="http://schemas.microsoft.com/office/drawing/2010/main" w="9525">
+                <a14:hiddenLine xmlns:a14="http://schemas.microsoft.com/office/drawing/2010/main" xmlns="" w="9525">
                   <a:solidFill>
                     <a:srgbClr val="000000"/>
                   </a:solidFill>
@@ -25367,7 +25425,7 @@
             </a:ln>
             <a:extLst>
               <a:ext uri="{91240B29-F687-4f45-9708-019B960494DF}">
-                <a14:hiddenLine xmlns="" xmlns:a14="http://schemas.microsoft.com/office/drawing/2010/main" w="9525">
+                <a14:hiddenLine xmlns:a14="http://schemas.microsoft.com/office/drawing/2010/main" xmlns="" w="9525">
                   <a:solidFill>
                     <a:srgbClr val="000000"/>
                   </a:solidFill>
@@ -25507,7 +25565,7 @@
           <a:p>
             <a:fld id="{B76943AF-B946-47F7-8510-2C710F5C29B5}" type="datetimeFigureOut">
               <a:rPr lang="en-US" smtClean="0"/>
-              <a:t>02-Jan-18</a:t>
+              <a:t>03-Jan-18</a:t>
             </a:fld>
             <a:endParaRPr lang="en-US" dirty="0"/>
           </a:p>
@@ -25773,7 +25831,7 @@
           <a:p>
             <a:fld id="{B76943AF-B946-47F7-8510-2C710F5C29B5}" type="datetimeFigureOut">
               <a:rPr lang="en-US" smtClean="0"/>
-              <a:t>02-Jan-18</a:t>
+              <a:t>03-Jan-18</a:t>
             </a:fld>
             <a:endParaRPr lang="en-US" dirty="0"/>
           </a:p>
@@ -25969,7 +26027,7 @@
           <a:p>
             <a:fld id="{B76943AF-B946-47F7-8510-2C710F5C29B5}" type="datetimeFigureOut">
               <a:rPr lang="en-US" smtClean="0"/>
-              <a:t>02-Jan-18</a:t>
+              <a:t>03-Jan-18</a:t>
             </a:fld>
             <a:endParaRPr lang="en-US" dirty="0"/>
           </a:p>
@@ -26232,7 +26290,7 @@
           <a:p>
             <a:fld id="{B76943AF-B946-47F7-8510-2C710F5C29B5}" type="datetimeFigureOut">
               <a:rPr lang="en-US" smtClean="0"/>
-              <a:t>02-Jan-18</a:t>
+              <a:t>03-Jan-18</a:t>
             </a:fld>
             <a:endParaRPr lang="en-US" dirty="0"/>
           </a:p>
@@ -26711,7 +26769,7 @@
           <a:p>
             <a:fld id="{B76943AF-B946-47F7-8510-2C710F5C29B5}" type="datetimeFigureOut">
               <a:rPr lang="en-US" smtClean="0"/>
-              <a:t>02-Jan-18</a:t>
+              <a:t>03-Jan-18</a:t>
             </a:fld>
             <a:endParaRPr lang="en-US" dirty="0"/>
           </a:p>
@@ -27257,7 +27315,7 @@
           <a:p>
             <a:fld id="{B76943AF-B946-47F7-8510-2C710F5C29B5}" type="datetimeFigureOut">
               <a:rPr lang="en-US" smtClean="0"/>
-              <a:t>02-Jan-18</a:t>
+              <a:t>03-Jan-18</a:t>
             </a:fld>
             <a:endParaRPr lang="en-US" dirty="0"/>
           </a:p>
@@ -27974,7 +28032,7 @@
           <a:p>
             <a:fld id="{B76943AF-B946-47F7-8510-2C710F5C29B5}" type="datetimeFigureOut">
               <a:rPr lang="en-US" smtClean="0"/>
-              <a:t>02-Jan-18</a:t>
+              <a:t>03-Jan-18</a:t>
             </a:fld>
             <a:endParaRPr lang="en-US" dirty="0"/>
           </a:p>
@@ -28144,7 +28202,7 @@
           <a:p>
             <a:fld id="{B76943AF-B946-47F7-8510-2C710F5C29B5}" type="datetimeFigureOut">
               <a:rPr lang="en-US" smtClean="0"/>
-              <a:t>02-Jan-18</a:t>
+              <a:t>03-Jan-18</a:t>
             </a:fld>
             <a:endParaRPr lang="en-US" dirty="0"/>
           </a:p>
@@ -28324,7 +28382,7 @@
           <a:p>
             <a:fld id="{B76943AF-B946-47F7-8510-2C710F5C29B5}" type="datetimeFigureOut">
               <a:rPr lang="en-US" smtClean="0"/>
-              <a:t>02-Jan-18</a:t>
+              <a:t>03-Jan-18</a:t>
             </a:fld>
             <a:endParaRPr lang="en-US" dirty="0"/>
           </a:p>
@@ -28494,7 +28552,7 @@
           <a:p>
             <a:fld id="{B76943AF-B946-47F7-8510-2C710F5C29B5}" type="datetimeFigureOut">
               <a:rPr lang="en-US" smtClean="0"/>
-              <a:t>02-Jan-18</a:t>
+              <a:t>03-Jan-18</a:t>
             </a:fld>
             <a:endParaRPr lang="en-US" dirty="0"/>
           </a:p>
@@ -28789,7 +28847,7 @@
           <a:p>
             <a:fld id="{B76943AF-B946-47F7-8510-2C710F5C29B5}" type="datetimeFigureOut">
               <a:rPr lang="en-US" smtClean="0"/>
-              <a:t>02-Jan-18</a:t>
+              <a:t>03-Jan-18</a:t>
             </a:fld>
             <a:endParaRPr lang="en-US" dirty="0"/>
           </a:p>
@@ -29021,7 +29079,7 @@
           <a:p>
             <a:fld id="{B76943AF-B946-47F7-8510-2C710F5C29B5}" type="datetimeFigureOut">
               <a:rPr lang="en-US" smtClean="0"/>
-              <a:t>02-Jan-18</a:t>
+              <a:t>03-Jan-18</a:t>
             </a:fld>
             <a:endParaRPr lang="en-US" dirty="0"/>
           </a:p>
@@ -29402,7 +29460,7 @@
           <a:p>
             <a:fld id="{B76943AF-B946-47F7-8510-2C710F5C29B5}" type="datetimeFigureOut">
               <a:rPr lang="en-US" smtClean="0"/>
-              <a:t>02-Jan-18</a:t>
+              <a:t>03-Jan-18</a:t>
             </a:fld>
             <a:endParaRPr lang="en-US" dirty="0"/>
           </a:p>
@@ -29520,7 +29578,7 @@
           <a:p>
             <a:fld id="{B76943AF-B946-47F7-8510-2C710F5C29B5}" type="datetimeFigureOut">
               <a:rPr lang="en-US" smtClean="0"/>
-              <a:t>02-Jan-18</a:t>
+              <a:t>03-Jan-18</a:t>
             </a:fld>
             <a:endParaRPr lang="en-US" dirty="0"/>
           </a:p>
@@ -29615,7 +29673,7 @@
           <a:p>
             <a:fld id="{B76943AF-B946-47F7-8510-2C710F5C29B5}" type="datetimeFigureOut">
               <a:rPr lang="en-US" smtClean="0"/>
-              <a:t>02-Jan-18</a:t>
+              <a:t>03-Jan-18</a:t>
             </a:fld>
             <a:endParaRPr lang="en-US" dirty="0"/>
           </a:p>
@@ -29864,7 +29922,7 @@
           <a:p>
             <a:fld id="{B76943AF-B946-47F7-8510-2C710F5C29B5}" type="datetimeFigureOut">
               <a:rPr lang="en-US" smtClean="0"/>
-              <a:t>02-Jan-18</a:t>
+              <a:t>03-Jan-18</a:t>
             </a:fld>
             <a:endParaRPr lang="en-US" dirty="0"/>
           </a:p>
@@ -30143,7 +30201,7 @@
           <a:p>
             <a:fld id="{B76943AF-B946-47F7-8510-2C710F5C29B5}" type="datetimeFigureOut">
               <a:rPr lang="en-US" smtClean="0"/>
-              <a:t>02-Jan-18</a:t>
+              <a:t>03-Jan-18</a:t>
             </a:fld>
             <a:endParaRPr lang="en-US" dirty="0"/>
           </a:p>
@@ -30302,7 +30360,7 @@
               </a:ln>
               <a:extLst>
                 <a:ext uri="{91240B29-F687-4f45-9708-019B960494DF}">
-                  <a14:hiddenLine xmlns="" xmlns:a14="http://schemas.microsoft.com/office/drawing/2010/main" w="9525">
+                  <a14:hiddenLine xmlns:a14="http://schemas.microsoft.com/office/drawing/2010/main" xmlns="" w="9525">
                     <a:solidFill>
                       <a:srgbClr val="000000"/>
                     </a:solidFill>
@@ -30392,7 +30450,7 @@
               </a:ln>
               <a:extLst>
                 <a:ext uri="{91240B29-F687-4f45-9708-019B960494DF}">
-                  <a14:hiddenLine xmlns="" xmlns:a14="http://schemas.microsoft.com/office/drawing/2010/main" w="9525">
+                  <a14:hiddenLine xmlns:a14="http://schemas.microsoft.com/office/drawing/2010/main" xmlns="" w="9525">
                     <a:solidFill>
                       <a:srgbClr val="000000"/>
                     </a:solidFill>
@@ -30482,7 +30540,7 @@
               </a:ln>
               <a:extLst>
                 <a:ext uri="{91240B29-F687-4f45-9708-019B960494DF}">
-                  <a14:hiddenLine xmlns="" xmlns:a14="http://schemas.microsoft.com/office/drawing/2010/main" w="9525">
+                  <a14:hiddenLine xmlns:a14="http://schemas.microsoft.com/office/drawing/2010/main" xmlns="" w="9525">
                     <a:solidFill>
                       <a:srgbClr val="000000"/>
                     </a:solidFill>
@@ -30544,7 +30602,7 @@
               </a:ln>
               <a:extLst>
                 <a:ext uri="{91240B29-F687-4f45-9708-019B960494DF}">
-                  <a14:hiddenLine xmlns="" xmlns:a14="http://schemas.microsoft.com/office/drawing/2010/main" w="9525">
+                  <a14:hiddenLine xmlns:a14="http://schemas.microsoft.com/office/drawing/2010/main" xmlns="" w="9525">
                     <a:solidFill>
                       <a:srgbClr val="000000"/>
                     </a:solidFill>
@@ -30634,7 +30692,7 @@
               </a:ln>
               <a:extLst>
                 <a:ext uri="{91240B29-F687-4f45-9708-019B960494DF}">
-                  <a14:hiddenLine xmlns="" xmlns:a14="http://schemas.microsoft.com/office/drawing/2010/main" w="9525">
+                  <a14:hiddenLine xmlns:a14="http://schemas.microsoft.com/office/drawing/2010/main" xmlns="" w="9525">
                     <a:solidFill>
                       <a:srgbClr val="000000"/>
                     </a:solidFill>
@@ -30696,7 +30754,7 @@
               </a:ln>
               <a:extLst>
                 <a:ext uri="{91240B29-F687-4f45-9708-019B960494DF}">
-                  <a14:hiddenLine xmlns="" xmlns:a14="http://schemas.microsoft.com/office/drawing/2010/main" w="9525">
+                  <a14:hiddenLine xmlns:a14="http://schemas.microsoft.com/office/drawing/2010/main" xmlns="" w="9525">
                     <a:solidFill>
                       <a:srgbClr val="000000"/>
                     </a:solidFill>
@@ -30758,7 +30816,7 @@
               </a:ln>
               <a:extLst>
                 <a:ext uri="{91240B29-F687-4f45-9708-019B960494DF}">
-                  <a14:hiddenLine xmlns="" xmlns:a14="http://schemas.microsoft.com/office/drawing/2010/main" w="9525">
+                  <a14:hiddenLine xmlns:a14="http://schemas.microsoft.com/office/drawing/2010/main" xmlns="" w="9525">
                     <a:solidFill>
                       <a:srgbClr val="000000"/>
                     </a:solidFill>
@@ -30848,7 +30906,7 @@
               </a:ln>
               <a:extLst>
                 <a:ext uri="{91240B29-F687-4f45-9708-019B960494DF}">
-                  <a14:hiddenLine xmlns="" xmlns:a14="http://schemas.microsoft.com/office/drawing/2010/main" w="9525">
+                  <a14:hiddenLine xmlns:a14="http://schemas.microsoft.com/office/drawing/2010/main" xmlns="" w="9525">
                     <a:solidFill>
                       <a:srgbClr val="000000"/>
                     </a:solidFill>
@@ -30938,7 +30996,7 @@
               </a:ln>
               <a:extLst>
                 <a:ext uri="{91240B29-F687-4f45-9708-019B960494DF}">
-                  <a14:hiddenLine xmlns="" xmlns:a14="http://schemas.microsoft.com/office/drawing/2010/main" w="9525">
+                  <a14:hiddenLine xmlns:a14="http://schemas.microsoft.com/office/drawing/2010/main" xmlns="" w="9525">
                     <a:solidFill>
                       <a:srgbClr val="000000"/>
                     </a:solidFill>
@@ -31000,7 +31058,7 @@
               </a:ln>
               <a:extLst>
                 <a:ext uri="{91240B29-F687-4f45-9708-019B960494DF}">
-                  <a14:hiddenLine xmlns="" xmlns:a14="http://schemas.microsoft.com/office/drawing/2010/main" w="9525">
+                  <a14:hiddenLine xmlns:a14="http://schemas.microsoft.com/office/drawing/2010/main" xmlns="" w="9525">
                     <a:solidFill>
                       <a:srgbClr val="000000"/>
                     </a:solidFill>
@@ -31110,7 +31168,7 @@
               </a:ln>
               <a:extLst>
                 <a:ext uri="{91240B29-F687-4f45-9708-019B960494DF}">
-                  <a14:hiddenLine xmlns="" xmlns:a14="http://schemas.microsoft.com/office/drawing/2010/main" w="9525">
+                  <a14:hiddenLine xmlns:a14="http://schemas.microsoft.com/office/drawing/2010/main" xmlns="" w="9525">
                     <a:solidFill>
                       <a:srgbClr val="000000"/>
                     </a:solidFill>
@@ -31194,7 +31252,7 @@
               </a:ln>
               <a:extLst>
                 <a:ext uri="{91240B29-F687-4f45-9708-019B960494DF}">
-                  <a14:hiddenLine xmlns="" xmlns:a14="http://schemas.microsoft.com/office/drawing/2010/main" w="9525">
+                  <a14:hiddenLine xmlns:a14="http://schemas.microsoft.com/office/drawing/2010/main" xmlns="" w="9525">
                     <a:solidFill>
                       <a:srgbClr val="000000"/>
                     </a:solidFill>
@@ -31256,7 +31314,7 @@
               </a:ln>
               <a:extLst>
                 <a:ext uri="{91240B29-F687-4f45-9708-019B960494DF}">
-                  <a14:hiddenLine xmlns="" xmlns:a14="http://schemas.microsoft.com/office/drawing/2010/main" w="9525">
+                  <a14:hiddenLine xmlns:a14="http://schemas.microsoft.com/office/drawing/2010/main" xmlns="" w="9525">
                     <a:solidFill>
                       <a:srgbClr val="000000"/>
                     </a:solidFill>
@@ -31318,7 +31376,7 @@
               </a:ln>
               <a:extLst>
                 <a:ext uri="{91240B29-F687-4f45-9708-019B960494DF}">
-                  <a14:hiddenLine xmlns="" xmlns:a14="http://schemas.microsoft.com/office/drawing/2010/main" w="9525">
+                  <a14:hiddenLine xmlns:a14="http://schemas.microsoft.com/office/drawing/2010/main" xmlns="" w="9525">
                     <a:solidFill>
                       <a:srgbClr val="000000"/>
                     </a:solidFill>
@@ -31408,7 +31466,7 @@
               </a:ln>
               <a:extLst>
                 <a:ext uri="{91240B29-F687-4f45-9708-019B960494DF}">
-                  <a14:hiddenLine xmlns="" xmlns:a14="http://schemas.microsoft.com/office/drawing/2010/main" w="9525">
+                  <a14:hiddenLine xmlns:a14="http://schemas.microsoft.com/office/drawing/2010/main" xmlns="" w="9525">
                     <a:solidFill>
                       <a:srgbClr val="000000"/>
                     </a:solidFill>
@@ -31442,7 +31500,7 @@
               </a:ln>
               <a:extLst>
                 <a:ext uri="{91240B29-F687-4f45-9708-019B960494DF}">
-                  <a14:hiddenLine xmlns="" xmlns:a14="http://schemas.microsoft.com/office/drawing/2010/main" w="9525">
+                  <a14:hiddenLine xmlns:a14="http://schemas.microsoft.com/office/drawing/2010/main" xmlns="" w="9525">
                     <a:solidFill>
                       <a:srgbClr val="000000"/>
                     </a:solidFill>
@@ -31507,7 +31565,7 @@
               </a:ln>
               <a:extLst>
                 <a:ext uri="{91240B29-F687-4f45-9708-019B960494DF}">
-                  <a14:hiddenLine xmlns="" xmlns:a14="http://schemas.microsoft.com/office/drawing/2010/main" w="9525">
+                  <a14:hiddenLine xmlns:a14="http://schemas.microsoft.com/office/drawing/2010/main" xmlns="" w="9525">
                     <a:solidFill>
                       <a:srgbClr val="000000"/>
                     </a:solidFill>
@@ -31597,7 +31655,7 @@
               </a:ln>
               <a:extLst>
                 <a:ext uri="{91240B29-F687-4f45-9708-019B960494DF}">
-                  <a14:hiddenLine xmlns="" xmlns:a14="http://schemas.microsoft.com/office/drawing/2010/main" w="9525">
+                  <a14:hiddenLine xmlns:a14="http://schemas.microsoft.com/office/drawing/2010/main" xmlns="" w="9525">
                     <a:solidFill>
                       <a:srgbClr val="000000"/>
                     </a:solidFill>
@@ -31659,7 +31717,7 @@
               </a:ln>
               <a:extLst>
                 <a:ext uri="{91240B29-F687-4f45-9708-019B960494DF}">
-                  <a14:hiddenLine xmlns="" xmlns:a14="http://schemas.microsoft.com/office/drawing/2010/main" w="9525">
+                  <a14:hiddenLine xmlns:a14="http://schemas.microsoft.com/office/drawing/2010/main" xmlns="" w="9525">
                     <a:solidFill>
                       <a:srgbClr val="000000"/>
                     </a:solidFill>
@@ -31749,7 +31807,7 @@
               </a:ln>
               <a:extLst>
                 <a:ext uri="{91240B29-F687-4f45-9708-019B960494DF}">
-                  <a14:hiddenLine xmlns="" xmlns:a14="http://schemas.microsoft.com/office/drawing/2010/main" w="9525">
+                  <a14:hiddenLine xmlns:a14="http://schemas.microsoft.com/office/drawing/2010/main" xmlns="" w="9525">
                     <a:solidFill>
                       <a:srgbClr val="000000"/>
                     </a:solidFill>
@@ -31814,7 +31872,7 @@
               </a:ln>
               <a:extLst>
                 <a:ext uri="{91240B29-F687-4f45-9708-019B960494DF}">
-                  <a14:hiddenLine xmlns="" xmlns:a14="http://schemas.microsoft.com/office/drawing/2010/main" w="9525">
+                  <a14:hiddenLine xmlns:a14="http://schemas.microsoft.com/office/drawing/2010/main" xmlns="" w="9525">
                     <a:solidFill>
                       <a:srgbClr val="000000"/>
                     </a:solidFill>
@@ -31876,7 +31934,7 @@
               </a:ln>
               <a:extLst>
                 <a:ext uri="{91240B29-F687-4f45-9708-019B960494DF}">
-                  <a14:hiddenLine xmlns="" xmlns:a14="http://schemas.microsoft.com/office/drawing/2010/main" w="9525">
+                  <a14:hiddenLine xmlns:a14="http://schemas.microsoft.com/office/drawing/2010/main" xmlns="" w="9525">
                     <a:solidFill>
                       <a:srgbClr val="000000"/>
                     </a:solidFill>
@@ -31966,7 +32024,7 @@
               </a:ln>
               <a:extLst>
                 <a:ext uri="{91240B29-F687-4f45-9708-019B960494DF}">
-                  <a14:hiddenLine xmlns="" xmlns:a14="http://schemas.microsoft.com/office/drawing/2010/main" w="9525">
+                  <a14:hiddenLine xmlns:a14="http://schemas.microsoft.com/office/drawing/2010/main" xmlns="" w="9525">
                     <a:solidFill>
                       <a:srgbClr val="000000"/>
                     </a:solidFill>
@@ -32056,7 +32114,7 @@
               </a:ln>
               <a:extLst>
                 <a:ext uri="{91240B29-F687-4f45-9708-019B960494DF}">
-                  <a14:hiddenLine xmlns="" xmlns:a14="http://schemas.microsoft.com/office/drawing/2010/main" w="9525">
+                  <a14:hiddenLine xmlns:a14="http://schemas.microsoft.com/office/drawing/2010/main" xmlns="" w="9525">
                     <a:solidFill>
                       <a:srgbClr val="000000"/>
                     </a:solidFill>
@@ -32121,7 +32179,7 @@
               </a:ln>
               <a:extLst>
                 <a:ext uri="{91240B29-F687-4f45-9708-019B960494DF}">
-                  <a14:hiddenLine xmlns="" xmlns:a14="http://schemas.microsoft.com/office/drawing/2010/main" w="9525">
+                  <a14:hiddenLine xmlns:a14="http://schemas.microsoft.com/office/drawing/2010/main" xmlns="" w="9525">
                     <a:solidFill>
                       <a:srgbClr val="000000"/>
                     </a:solidFill>
@@ -32241,7 +32299,7 @@
               </a:ln>
               <a:extLst>
                 <a:ext uri="{91240B29-F687-4f45-9708-019B960494DF}">
-                  <a14:hiddenLine xmlns="" xmlns:a14="http://schemas.microsoft.com/office/drawing/2010/main" w="9525">
+                  <a14:hiddenLine xmlns:a14="http://schemas.microsoft.com/office/drawing/2010/main" xmlns="" w="9525">
                     <a:solidFill>
                       <a:srgbClr val="000000"/>
                     </a:solidFill>
@@ -32339,7 +32397,7 @@
               </a:ln>
               <a:extLst>
                 <a:ext uri="{91240B29-F687-4f45-9708-019B960494DF}">
-                  <a14:hiddenLine xmlns="" xmlns:a14="http://schemas.microsoft.com/office/drawing/2010/main" w="9525">
+                  <a14:hiddenLine xmlns:a14="http://schemas.microsoft.com/office/drawing/2010/main" xmlns="" w="9525">
                     <a:solidFill>
                       <a:srgbClr val="000000"/>
                     </a:solidFill>
@@ -32454,7 +32512,7 @@
               </a:ln>
               <a:extLst>
                 <a:ext uri="{91240B29-F687-4f45-9708-019B960494DF}">
-                  <a14:hiddenLine xmlns="" xmlns:a14="http://schemas.microsoft.com/office/drawing/2010/main" w="9525">
+                  <a14:hiddenLine xmlns:a14="http://schemas.microsoft.com/office/drawing/2010/main" xmlns="" w="9525">
                     <a:solidFill>
                       <a:srgbClr val="000000"/>
                     </a:solidFill>
@@ -32544,7 +32602,7 @@
               </a:ln>
               <a:extLst>
                 <a:ext uri="{91240B29-F687-4f45-9708-019B960494DF}">
-                  <a14:hiddenLine xmlns="" xmlns:a14="http://schemas.microsoft.com/office/drawing/2010/main" w="9525">
+                  <a14:hiddenLine xmlns:a14="http://schemas.microsoft.com/office/drawing/2010/main" xmlns="" w="9525">
                     <a:solidFill>
                       <a:srgbClr val="000000"/>
                     </a:solidFill>
@@ -32609,7 +32667,7 @@
               </a:ln>
               <a:extLst>
                 <a:ext uri="{91240B29-F687-4f45-9708-019B960494DF}">
-                  <a14:hiddenLine xmlns="" xmlns:a14="http://schemas.microsoft.com/office/drawing/2010/main" w="9525">
+                  <a14:hiddenLine xmlns:a14="http://schemas.microsoft.com/office/drawing/2010/main" xmlns="" w="9525">
                     <a:solidFill>
                       <a:srgbClr val="000000"/>
                     </a:solidFill>
@@ -32699,7 +32757,7 @@
               </a:ln>
               <a:extLst>
                 <a:ext uri="{91240B29-F687-4f45-9708-019B960494DF}">
-                  <a14:hiddenLine xmlns="" xmlns:a14="http://schemas.microsoft.com/office/drawing/2010/main" w="9525">
+                  <a14:hiddenLine xmlns:a14="http://schemas.microsoft.com/office/drawing/2010/main" xmlns="" w="9525">
                     <a:solidFill>
                       <a:srgbClr val="000000"/>
                     </a:solidFill>
@@ -32767,7 +32825,7 @@
               </a:ln>
               <a:extLst>
                 <a:ext uri="{91240B29-F687-4f45-9708-019B960494DF}">
-                  <a14:hiddenLine xmlns="" xmlns:a14="http://schemas.microsoft.com/office/drawing/2010/main" w="9525">
+                  <a14:hiddenLine xmlns:a14="http://schemas.microsoft.com/office/drawing/2010/main" xmlns="" w="9525">
                     <a:solidFill>
                       <a:srgbClr val="000000"/>
                     </a:solidFill>
@@ -32857,7 +32915,7 @@
               </a:ln>
               <a:extLst>
                 <a:ext uri="{91240B29-F687-4f45-9708-019B960494DF}">
-                  <a14:hiddenLine xmlns="" xmlns:a14="http://schemas.microsoft.com/office/drawing/2010/main" w="9525">
+                  <a14:hiddenLine xmlns:a14="http://schemas.microsoft.com/office/drawing/2010/main" xmlns="" w="9525">
                     <a:solidFill>
                       <a:srgbClr val="000000"/>
                     </a:solidFill>
@@ -32925,7 +32983,7 @@
               </a:ln>
               <a:extLst>
                 <a:ext uri="{91240B29-F687-4f45-9708-019B960494DF}">
-                  <a14:hiddenLine xmlns="" xmlns:a14="http://schemas.microsoft.com/office/drawing/2010/main" w="9525">
+                  <a14:hiddenLine xmlns:a14="http://schemas.microsoft.com/office/drawing/2010/main" xmlns="" w="9525">
                     <a:solidFill>
                       <a:srgbClr val="000000"/>
                     </a:solidFill>
@@ -33015,7 +33073,7 @@
               </a:ln>
               <a:extLst>
                 <a:ext uri="{91240B29-F687-4f45-9708-019B960494DF}">
-                  <a14:hiddenLine xmlns="" xmlns:a14="http://schemas.microsoft.com/office/drawing/2010/main" w="9525">
+                  <a14:hiddenLine xmlns:a14="http://schemas.microsoft.com/office/drawing/2010/main" xmlns="" w="9525">
                     <a:solidFill>
                       <a:srgbClr val="000000"/>
                     </a:solidFill>
@@ -33049,7 +33107,7 @@
               </a:ln>
               <a:extLst>
                 <a:ext uri="{91240B29-F687-4f45-9708-019B960494DF}">
-                  <a14:hiddenLine xmlns="" xmlns:a14="http://schemas.microsoft.com/office/drawing/2010/main" w="9525">
+                  <a14:hiddenLine xmlns:a14="http://schemas.microsoft.com/office/drawing/2010/main" xmlns="" w="9525">
                     <a:solidFill>
                       <a:srgbClr val="000000"/>
                     </a:solidFill>
@@ -33189,7 +33247,7 @@
           <a:p>
             <a:fld id="{B76943AF-B946-47F7-8510-2C710F5C29B5}" type="datetimeFigureOut">
               <a:rPr lang="en-US" smtClean="0"/>
-              <a:t>02-Jan-18</a:t>
+              <a:t>03-Jan-18</a:t>
             </a:fld>
             <a:endParaRPr lang="en-US" dirty="0"/>
           </a:p>
@@ -41796,7 +41854,7 @@
 </file>
 
 <file path=ppt/slides/slide26.xml><?xml version="1.0" encoding="utf-8"?>
-<p:sld xmlns:a="http://schemas.openxmlformats.org/drawingml/2006/main" xmlns:r="http://schemas.openxmlformats.org/officeDocument/2006/relationships" xmlns:p="http://schemas.openxmlformats.org/presentationml/2006/main" show="0">
+<p:sld xmlns:a="http://schemas.openxmlformats.org/drawingml/2006/main" xmlns:r="http://schemas.openxmlformats.org/officeDocument/2006/relationships" xmlns:p="http://schemas.openxmlformats.org/presentationml/2006/main">
   <p:cSld>
     <p:spTree>
       <p:nvGrpSpPr>
@@ -43709,7 +43767,7 @@
             <p:ph idx="1"/>
             <p:extLst>
               <p:ext uri="{D42A27DB-BD31-4B8C-83A1-F6EECF244321}">
-                <p14:modId xmlns:p14="http://schemas.microsoft.com/office/powerpoint/2010/main" val="1936719100"/>
+                <p14:modId xmlns:p14="http://schemas.microsoft.com/office/powerpoint/2010/main" val="2455082816"/>
               </p:ext>
             </p:extLst>
           </p:nvPr>
@@ -48459,20 +48517,12 @@
               <a:t>BTC: </a:t>
             </a:r>
             <a:r>
-              <a:rPr lang="en-US" sz="2400" dirty="0">
-                <a:solidFill>
-                  <a:schemeClr val="tx2"/>
-                </a:solidFill>
-              </a:rPr>
-              <a:t>4</a:t>
-            </a:r>
-            <a:r>
               <a:rPr lang="pl-PL" sz="2400" dirty="0">
                 <a:solidFill>
                   <a:schemeClr val="tx2"/>
                 </a:solidFill>
               </a:rPr>
-              <a:t> </a:t>
+              <a:t>8 </a:t>
             </a:r>
             <a:r>
               <a:rPr lang="en-US" sz="2400" dirty="0">
@@ -48496,7 +48546,23 @@
                   <a:schemeClr val="tx2"/>
                 </a:solidFill>
               </a:rPr>
-              <a:t>year (12 mln USD/day)</a:t>
+              <a:t>year (</a:t>
+            </a:r>
+            <a:r>
+              <a:rPr lang="pl-PL" sz="2400" dirty="0">
+                <a:solidFill>
+                  <a:schemeClr val="tx2"/>
+                </a:solidFill>
+              </a:rPr>
+              <a:t>20</a:t>
+            </a:r>
+            <a:r>
+              <a:rPr lang="en-US" sz="2400" dirty="0">
+                <a:solidFill>
+                  <a:schemeClr val="tx2"/>
+                </a:solidFill>
+              </a:rPr>
+              <a:t> mln USD/day)</a:t>
             </a:r>
             <a:endParaRPr lang="pl-PL" sz="2400" dirty="0">
               <a:solidFill>
@@ -48520,12 +48586,36 @@
               <a:t>ETH: </a:t>
             </a:r>
             <a:r>
+              <a:rPr lang="pl-PL" sz="2400" dirty="0">
+                <a:solidFill>
+                  <a:schemeClr val="tx2"/>
+                </a:solidFill>
+              </a:rPr>
+              <a:t>4</a:t>
+            </a:r>
+            <a:r>
               <a:rPr lang="en-US" sz="2400" dirty="0">
                 <a:solidFill>
                   <a:schemeClr val="tx2"/>
                 </a:solidFill>
               </a:rPr>
-              <a:t>2 bln USD/year (6 mln USD/day)</a:t>
+              <a:t> bln USD/year (</a:t>
+            </a:r>
+            <a:r>
+              <a:rPr lang="pl-PL" sz="2400" dirty="0">
+                <a:solidFill>
+                  <a:schemeClr val="tx2"/>
+                </a:solidFill>
+              </a:rPr>
+              <a:t>10</a:t>
+            </a:r>
+            <a:r>
+              <a:rPr lang="en-US" sz="2400" dirty="0">
+                <a:solidFill>
+                  <a:schemeClr val="tx2"/>
+                </a:solidFill>
+              </a:rPr>
+              <a:t> mln USD/day)</a:t>
             </a:r>
             <a:endParaRPr lang="en-US" dirty="0"/>
           </a:p>

--- a/Oslo(1).pptx
+++ b/Oslo(1).pptx
@@ -5,7 +5,7 @@
     <p:sldMasterId id="2147483660" r:id="rId1"/>
   </p:sldMasterIdLst>
   <p:notesMasterIdLst>
-    <p:notesMasterId r:id="rId37"/>
+    <p:notesMasterId r:id="rId39"/>
   </p:notesMasterIdLst>
   <p:sldIdLst>
     <p:sldId id="256" r:id="rId2"/>
@@ -33,16 +33,18 @@
     <p:sldId id="390" r:id="rId24"/>
     <p:sldId id="329" r:id="rId25"/>
     <p:sldId id="338" r:id="rId26"/>
-    <p:sldId id="323" r:id="rId27"/>
-    <p:sldId id="328" r:id="rId28"/>
-    <p:sldId id="311" r:id="rId29"/>
-    <p:sldId id="373" r:id="rId30"/>
-    <p:sldId id="312" r:id="rId31"/>
-    <p:sldId id="363" r:id="rId32"/>
-    <p:sldId id="313" r:id="rId33"/>
-    <p:sldId id="314" r:id="rId34"/>
-    <p:sldId id="315" r:id="rId35"/>
-    <p:sldId id="317" r:id="rId36"/>
+    <p:sldId id="393" r:id="rId27"/>
+    <p:sldId id="323" r:id="rId28"/>
+    <p:sldId id="328" r:id="rId29"/>
+    <p:sldId id="311" r:id="rId30"/>
+    <p:sldId id="373" r:id="rId31"/>
+    <p:sldId id="312" r:id="rId32"/>
+    <p:sldId id="363" r:id="rId33"/>
+    <p:sldId id="313" r:id="rId34"/>
+    <p:sldId id="394" r:id="rId35"/>
+    <p:sldId id="314" r:id="rId36"/>
+    <p:sldId id="315" r:id="rId37"/>
+    <p:sldId id="317" r:id="rId38"/>
   </p:sldIdLst>
   <p:sldSz cx="12192000" cy="6858000"/>
   <p:notesSz cx="6858000" cy="9144000"/>
@@ -6583,6 +6585,753 @@
 </dgm:colorsDef>
 </file>
 
+<file path=ppt/diagrams/colors6.xml><?xml version="1.0" encoding="utf-8"?>
+<dgm:colorsDef xmlns:dgm="http://schemas.openxmlformats.org/drawingml/2006/diagram" xmlns:a="http://schemas.openxmlformats.org/drawingml/2006/main" uniqueId="urn:microsoft.com/office/officeart/2005/8/colors/accent1_2">
+  <dgm:title val=""/>
+  <dgm:desc val=""/>
+  <dgm:catLst>
+    <dgm:cat type="accent1" pri="11200"/>
+  </dgm:catLst>
+  <dgm:styleLbl name="node0">
+    <dgm:fillClrLst meth="repeat">
+      <a:schemeClr val="accent1"/>
+    </dgm:fillClrLst>
+    <dgm:linClrLst meth="repeat">
+      <a:schemeClr val="lt1"/>
+    </dgm:linClrLst>
+    <dgm:effectClrLst/>
+    <dgm:txLinClrLst/>
+    <dgm:txFillClrLst/>
+    <dgm:txEffectClrLst/>
+  </dgm:styleLbl>
+  <dgm:styleLbl name="alignNode1">
+    <dgm:fillClrLst meth="repeat">
+      <a:schemeClr val="accent1"/>
+    </dgm:fillClrLst>
+    <dgm:linClrLst meth="repeat">
+      <a:schemeClr val="accent1"/>
+    </dgm:linClrLst>
+    <dgm:effectClrLst/>
+    <dgm:txLinClrLst/>
+    <dgm:txFillClrLst/>
+    <dgm:txEffectClrLst/>
+  </dgm:styleLbl>
+  <dgm:styleLbl name="node1">
+    <dgm:fillClrLst meth="repeat">
+      <a:schemeClr val="accent1"/>
+    </dgm:fillClrLst>
+    <dgm:linClrLst meth="repeat">
+      <a:schemeClr val="lt1"/>
+    </dgm:linClrLst>
+    <dgm:effectClrLst/>
+    <dgm:txLinClrLst/>
+    <dgm:txFillClrLst/>
+    <dgm:txEffectClrLst/>
+  </dgm:styleLbl>
+  <dgm:styleLbl name="lnNode1">
+    <dgm:fillClrLst meth="repeat">
+      <a:schemeClr val="accent1"/>
+    </dgm:fillClrLst>
+    <dgm:linClrLst meth="repeat">
+      <a:schemeClr val="lt1"/>
+    </dgm:linClrLst>
+    <dgm:effectClrLst/>
+    <dgm:txLinClrLst/>
+    <dgm:txFillClrLst/>
+    <dgm:txEffectClrLst/>
+  </dgm:styleLbl>
+  <dgm:styleLbl name="vennNode1">
+    <dgm:fillClrLst meth="repeat">
+      <a:schemeClr val="accent1">
+        <a:alpha val="50000"/>
+      </a:schemeClr>
+    </dgm:fillClrLst>
+    <dgm:linClrLst meth="repeat">
+      <a:schemeClr val="lt1"/>
+    </dgm:linClrLst>
+    <dgm:effectClrLst/>
+    <dgm:txLinClrLst/>
+    <dgm:txFillClrLst/>
+    <dgm:txEffectClrLst/>
+  </dgm:styleLbl>
+  <dgm:styleLbl name="node2">
+    <dgm:fillClrLst meth="repeat">
+      <a:schemeClr val="accent1"/>
+    </dgm:fillClrLst>
+    <dgm:linClrLst meth="repeat">
+      <a:schemeClr val="lt1"/>
+    </dgm:linClrLst>
+    <dgm:effectClrLst/>
+    <dgm:txLinClrLst/>
+    <dgm:txFillClrLst/>
+    <dgm:txEffectClrLst/>
+  </dgm:styleLbl>
+  <dgm:styleLbl name="node3">
+    <dgm:fillClrLst meth="repeat">
+      <a:schemeClr val="accent1"/>
+    </dgm:fillClrLst>
+    <dgm:linClrLst meth="repeat">
+      <a:schemeClr val="lt1"/>
+    </dgm:linClrLst>
+    <dgm:effectClrLst/>
+    <dgm:txLinClrLst/>
+    <dgm:txFillClrLst/>
+    <dgm:txEffectClrLst/>
+  </dgm:styleLbl>
+  <dgm:styleLbl name="node4">
+    <dgm:fillClrLst meth="repeat">
+      <a:schemeClr val="accent1"/>
+    </dgm:fillClrLst>
+    <dgm:linClrLst meth="repeat">
+      <a:schemeClr val="lt1"/>
+    </dgm:linClrLst>
+    <dgm:effectClrLst/>
+    <dgm:txLinClrLst/>
+    <dgm:txFillClrLst/>
+    <dgm:txEffectClrLst/>
+  </dgm:styleLbl>
+  <dgm:styleLbl name="fgImgPlace1">
+    <dgm:fillClrLst meth="repeat">
+      <a:schemeClr val="accent1">
+        <a:tint val="50000"/>
+      </a:schemeClr>
+    </dgm:fillClrLst>
+    <dgm:linClrLst meth="repeat">
+      <a:schemeClr val="lt1"/>
+    </dgm:linClrLst>
+    <dgm:effectClrLst/>
+    <dgm:txLinClrLst/>
+    <dgm:txFillClrLst meth="repeat">
+      <a:schemeClr val="lt1"/>
+    </dgm:txFillClrLst>
+    <dgm:txEffectClrLst/>
+  </dgm:styleLbl>
+  <dgm:styleLbl name="alignImgPlace1">
+    <dgm:fillClrLst meth="repeat">
+      <a:schemeClr val="accent1">
+        <a:tint val="50000"/>
+      </a:schemeClr>
+    </dgm:fillClrLst>
+    <dgm:linClrLst meth="repeat">
+      <a:schemeClr val="lt1"/>
+    </dgm:linClrLst>
+    <dgm:effectClrLst/>
+    <dgm:txLinClrLst/>
+    <dgm:txFillClrLst meth="repeat">
+      <a:schemeClr val="lt1"/>
+    </dgm:txFillClrLst>
+    <dgm:txEffectClrLst/>
+  </dgm:styleLbl>
+  <dgm:styleLbl name="bgImgPlace1">
+    <dgm:fillClrLst meth="repeat">
+      <a:schemeClr val="accent1">
+        <a:tint val="50000"/>
+      </a:schemeClr>
+    </dgm:fillClrLst>
+    <dgm:linClrLst meth="repeat">
+      <a:schemeClr val="lt1"/>
+    </dgm:linClrLst>
+    <dgm:effectClrLst/>
+    <dgm:txLinClrLst/>
+    <dgm:txFillClrLst meth="repeat">
+      <a:schemeClr val="lt1"/>
+    </dgm:txFillClrLst>
+    <dgm:txEffectClrLst/>
+  </dgm:styleLbl>
+  <dgm:styleLbl name="sibTrans2D1">
+    <dgm:fillClrLst meth="repeat">
+      <a:schemeClr val="accent1">
+        <a:tint val="60000"/>
+      </a:schemeClr>
+    </dgm:fillClrLst>
+    <dgm:linClrLst meth="repeat">
+      <a:schemeClr val="accent1">
+        <a:tint val="60000"/>
+      </a:schemeClr>
+    </dgm:linClrLst>
+    <dgm:effectClrLst/>
+    <dgm:txLinClrLst/>
+    <dgm:txFillClrLst/>
+    <dgm:txEffectClrLst/>
+  </dgm:styleLbl>
+  <dgm:styleLbl name="fgSibTrans2D1">
+    <dgm:fillClrLst meth="repeat">
+      <a:schemeClr val="accent1">
+        <a:tint val="60000"/>
+      </a:schemeClr>
+    </dgm:fillClrLst>
+    <dgm:linClrLst meth="repeat">
+      <a:schemeClr val="accent1">
+        <a:tint val="60000"/>
+      </a:schemeClr>
+    </dgm:linClrLst>
+    <dgm:effectClrLst/>
+    <dgm:txLinClrLst/>
+    <dgm:txFillClrLst/>
+    <dgm:txEffectClrLst/>
+  </dgm:styleLbl>
+  <dgm:styleLbl name="bgSibTrans2D1">
+    <dgm:fillClrLst meth="repeat">
+      <a:schemeClr val="accent1">
+        <a:tint val="60000"/>
+      </a:schemeClr>
+    </dgm:fillClrLst>
+    <dgm:linClrLst meth="repeat">
+      <a:schemeClr val="accent1">
+        <a:tint val="60000"/>
+      </a:schemeClr>
+    </dgm:linClrLst>
+    <dgm:effectClrLst/>
+    <dgm:txLinClrLst/>
+    <dgm:txFillClrLst/>
+    <dgm:txEffectClrLst/>
+  </dgm:styleLbl>
+  <dgm:styleLbl name="sibTrans1D1">
+    <dgm:fillClrLst meth="repeat">
+      <a:schemeClr val="accent1"/>
+    </dgm:fillClrLst>
+    <dgm:linClrLst meth="repeat">
+      <a:schemeClr val="accent1"/>
+    </dgm:linClrLst>
+    <dgm:effectClrLst/>
+    <dgm:txLinClrLst/>
+    <dgm:txFillClrLst meth="repeat">
+      <a:schemeClr val="tx1"/>
+    </dgm:txFillClrLst>
+    <dgm:txEffectClrLst/>
+  </dgm:styleLbl>
+  <dgm:styleLbl name="callout">
+    <dgm:fillClrLst meth="repeat">
+      <a:schemeClr val="accent1"/>
+    </dgm:fillClrLst>
+    <dgm:linClrLst meth="repeat">
+      <a:schemeClr val="accent1">
+        <a:tint val="50000"/>
+      </a:schemeClr>
+    </dgm:linClrLst>
+    <dgm:effectClrLst/>
+    <dgm:txLinClrLst/>
+    <dgm:txFillClrLst meth="repeat">
+      <a:schemeClr val="tx1"/>
+    </dgm:txFillClrLst>
+    <dgm:txEffectClrLst/>
+  </dgm:styleLbl>
+  <dgm:styleLbl name="asst0">
+    <dgm:fillClrLst meth="repeat">
+      <a:schemeClr val="accent1"/>
+    </dgm:fillClrLst>
+    <dgm:linClrLst meth="repeat">
+      <a:schemeClr val="lt1"/>
+    </dgm:linClrLst>
+    <dgm:effectClrLst/>
+    <dgm:txLinClrLst/>
+    <dgm:txFillClrLst/>
+    <dgm:txEffectClrLst/>
+  </dgm:styleLbl>
+  <dgm:styleLbl name="asst1">
+    <dgm:fillClrLst meth="repeat">
+      <a:schemeClr val="accent1"/>
+    </dgm:fillClrLst>
+    <dgm:linClrLst meth="repeat">
+      <a:schemeClr val="lt1"/>
+    </dgm:linClrLst>
+    <dgm:effectClrLst/>
+    <dgm:txLinClrLst/>
+    <dgm:txFillClrLst/>
+    <dgm:txEffectClrLst/>
+  </dgm:styleLbl>
+  <dgm:styleLbl name="asst2">
+    <dgm:fillClrLst meth="repeat">
+      <a:schemeClr val="accent1"/>
+    </dgm:fillClrLst>
+    <dgm:linClrLst meth="repeat">
+      <a:schemeClr val="lt1"/>
+    </dgm:linClrLst>
+    <dgm:effectClrLst/>
+    <dgm:txLinClrLst/>
+    <dgm:txFillClrLst/>
+    <dgm:txEffectClrLst/>
+  </dgm:styleLbl>
+  <dgm:styleLbl name="asst3">
+    <dgm:fillClrLst meth="repeat">
+      <a:schemeClr val="accent1"/>
+    </dgm:fillClrLst>
+    <dgm:linClrLst meth="repeat">
+      <a:schemeClr val="lt1"/>
+    </dgm:linClrLst>
+    <dgm:effectClrLst/>
+    <dgm:txLinClrLst/>
+    <dgm:txFillClrLst/>
+    <dgm:txEffectClrLst/>
+  </dgm:styleLbl>
+  <dgm:styleLbl name="asst4">
+    <dgm:fillClrLst meth="repeat">
+      <a:schemeClr val="accent1"/>
+    </dgm:fillClrLst>
+    <dgm:linClrLst meth="repeat">
+      <a:schemeClr val="lt1"/>
+    </dgm:linClrLst>
+    <dgm:effectClrLst/>
+    <dgm:txLinClrLst/>
+    <dgm:txFillClrLst/>
+    <dgm:txEffectClrLst/>
+  </dgm:styleLbl>
+  <dgm:styleLbl name="parChTrans2D1">
+    <dgm:fillClrLst meth="repeat">
+      <a:schemeClr val="accent1">
+        <a:tint val="60000"/>
+      </a:schemeClr>
+    </dgm:fillClrLst>
+    <dgm:linClrLst meth="repeat">
+      <a:schemeClr val="accent1">
+        <a:tint val="60000"/>
+      </a:schemeClr>
+    </dgm:linClrLst>
+    <dgm:effectClrLst/>
+    <dgm:txLinClrLst/>
+    <dgm:txFillClrLst meth="repeat">
+      <a:schemeClr val="lt1"/>
+    </dgm:txFillClrLst>
+    <dgm:txEffectClrLst/>
+  </dgm:styleLbl>
+  <dgm:styleLbl name="parChTrans2D2">
+    <dgm:fillClrLst meth="repeat">
+      <a:schemeClr val="accent1"/>
+    </dgm:fillClrLst>
+    <dgm:linClrLst meth="repeat">
+      <a:schemeClr val="accent1"/>
+    </dgm:linClrLst>
+    <dgm:effectClrLst/>
+    <dgm:txLinClrLst/>
+    <dgm:txFillClrLst meth="repeat">
+      <a:schemeClr val="lt1"/>
+    </dgm:txFillClrLst>
+    <dgm:txEffectClrLst/>
+  </dgm:styleLbl>
+  <dgm:styleLbl name="parChTrans2D3">
+    <dgm:fillClrLst meth="repeat">
+      <a:schemeClr val="accent1"/>
+    </dgm:fillClrLst>
+    <dgm:linClrLst meth="repeat">
+      <a:schemeClr val="accent1"/>
+    </dgm:linClrLst>
+    <dgm:effectClrLst/>
+    <dgm:txLinClrLst/>
+    <dgm:txFillClrLst meth="repeat">
+      <a:schemeClr val="lt1"/>
+    </dgm:txFillClrLst>
+    <dgm:txEffectClrLst/>
+  </dgm:styleLbl>
+  <dgm:styleLbl name="parChTrans2D4">
+    <dgm:fillClrLst meth="repeat">
+      <a:schemeClr val="accent1"/>
+    </dgm:fillClrLst>
+    <dgm:linClrLst meth="repeat">
+      <a:schemeClr val="accent1"/>
+    </dgm:linClrLst>
+    <dgm:effectClrLst/>
+    <dgm:txLinClrLst/>
+    <dgm:txFillClrLst meth="repeat">
+      <a:schemeClr val="lt1"/>
+    </dgm:txFillClrLst>
+    <dgm:txEffectClrLst/>
+  </dgm:styleLbl>
+  <dgm:styleLbl name="parChTrans1D1">
+    <dgm:fillClrLst meth="repeat">
+      <a:schemeClr val="accent1"/>
+    </dgm:fillClrLst>
+    <dgm:linClrLst meth="repeat">
+      <a:schemeClr val="accent1">
+        <a:shade val="60000"/>
+      </a:schemeClr>
+    </dgm:linClrLst>
+    <dgm:effectClrLst/>
+    <dgm:txLinClrLst/>
+    <dgm:txFillClrLst meth="repeat">
+      <a:schemeClr val="tx1"/>
+    </dgm:txFillClrLst>
+    <dgm:txEffectClrLst/>
+  </dgm:styleLbl>
+  <dgm:styleLbl name="parChTrans1D2">
+    <dgm:fillClrLst meth="repeat">
+      <a:schemeClr val="accent1"/>
+    </dgm:fillClrLst>
+    <dgm:linClrLst meth="repeat">
+      <a:schemeClr val="accent1">
+        <a:shade val="60000"/>
+      </a:schemeClr>
+    </dgm:linClrLst>
+    <dgm:effectClrLst/>
+    <dgm:txLinClrLst/>
+    <dgm:txFillClrLst meth="repeat">
+      <a:schemeClr val="tx1"/>
+    </dgm:txFillClrLst>
+    <dgm:txEffectClrLst/>
+  </dgm:styleLbl>
+  <dgm:styleLbl name="parChTrans1D3">
+    <dgm:fillClrLst meth="repeat">
+      <a:schemeClr val="accent1"/>
+    </dgm:fillClrLst>
+    <dgm:linClrLst meth="repeat">
+      <a:schemeClr val="accent1">
+        <a:shade val="80000"/>
+      </a:schemeClr>
+    </dgm:linClrLst>
+    <dgm:effectClrLst/>
+    <dgm:txLinClrLst/>
+    <dgm:txFillClrLst meth="repeat">
+      <a:schemeClr val="tx1"/>
+    </dgm:txFillClrLst>
+    <dgm:txEffectClrLst/>
+  </dgm:styleLbl>
+  <dgm:styleLbl name="parChTrans1D4">
+    <dgm:fillClrLst meth="repeat">
+      <a:schemeClr val="accent1"/>
+    </dgm:fillClrLst>
+    <dgm:linClrLst meth="repeat">
+      <a:schemeClr val="accent1">
+        <a:shade val="80000"/>
+      </a:schemeClr>
+    </dgm:linClrLst>
+    <dgm:effectClrLst/>
+    <dgm:txLinClrLst/>
+    <dgm:txFillClrLst meth="repeat">
+      <a:schemeClr val="tx1"/>
+    </dgm:txFillClrLst>
+    <dgm:txEffectClrLst/>
+  </dgm:styleLbl>
+  <dgm:styleLbl name="fgAcc1">
+    <dgm:fillClrLst meth="repeat">
+      <a:schemeClr val="lt1">
+        <a:alpha val="90000"/>
+      </a:schemeClr>
+    </dgm:fillClrLst>
+    <dgm:linClrLst meth="repeat">
+      <a:schemeClr val="accent1"/>
+    </dgm:linClrLst>
+    <dgm:effectClrLst/>
+    <dgm:txLinClrLst/>
+    <dgm:txFillClrLst meth="repeat">
+      <a:schemeClr val="dk1"/>
+    </dgm:txFillClrLst>
+    <dgm:txEffectClrLst/>
+  </dgm:styleLbl>
+  <dgm:styleLbl name="conFgAcc1">
+    <dgm:fillClrLst meth="repeat">
+      <a:schemeClr val="lt1">
+        <a:alpha val="90000"/>
+      </a:schemeClr>
+    </dgm:fillClrLst>
+    <dgm:linClrLst meth="repeat">
+      <a:schemeClr val="accent1"/>
+    </dgm:linClrLst>
+    <dgm:effectClrLst/>
+    <dgm:txLinClrLst/>
+    <dgm:txFillClrLst meth="repeat">
+      <a:schemeClr val="dk1"/>
+    </dgm:txFillClrLst>
+    <dgm:txEffectClrLst/>
+  </dgm:styleLbl>
+  <dgm:styleLbl name="alignAcc1">
+    <dgm:fillClrLst meth="repeat">
+      <a:schemeClr val="lt1">
+        <a:alpha val="90000"/>
+      </a:schemeClr>
+    </dgm:fillClrLst>
+    <dgm:linClrLst meth="repeat">
+      <a:schemeClr val="accent1"/>
+    </dgm:linClrLst>
+    <dgm:effectClrLst/>
+    <dgm:txLinClrLst/>
+    <dgm:txFillClrLst meth="repeat">
+      <a:schemeClr val="dk1"/>
+    </dgm:txFillClrLst>
+    <dgm:txEffectClrLst/>
+  </dgm:styleLbl>
+  <dgm:styleLbl name="trAlignAcc1">
+    <dgm:fillClrLst meth="repeat">
+      <a:schemeClr val="lt1">
+        <a:alpha val="40000"/>
+      </a:schemeClr>
+    </dgm:fillClrLst>
+    <dgm:linClrLst meth="repeat">
+      <a:schemeClr val="accent1"/>
+    </dgm:linClrLst>
+    <dgm:effectClrLst/>
+    <dgm:txLinClrLst/>
+    <dgm:txFillClrLst meth="repeat">
+      <a:schemeClr val="dk1"/>
+    </dgm:txFillClrLst>
+    <dgm:txEffectClrLst/>
+  </dgm:styleLbl>
+  <dgm:styleLbl name="bgAcc1">
+    <dgm:fillClrLst meth="repeat">
+      <a:schemeClr val="lt1">
+        <a:alpha val="90000"/>
+      </a:schemeClr>
+    </dgm:fillClrLst>
+    <dgm:linClrLst meth="repeat">
+      <a:schemeClr val="accent1"/>
+    </dgm:linClrLst>
+    <dgm:effectClrLst/>
+    <dgm:txLinClrLst/>
+    <dgm:txFillClrLst meth="repeat">
+      <a:schemeClr val="dk1"/>
+    </dgm:txFillClrLst>
+    <dgm:txEffectClrLst/>
+  </dgm:styleLbl>
+  <dgm:styleLbl name="solidFgAcc1">
+    <dgm:fillClrLst meth="repeat">
+      <a:schemeClr val="lt1"/>
+    </dgm:fillClrLst>
+    <dgm:linClrLst meth="repeat">
+      <a:schemeClr val="accent1"/>
+    </dgm:linClrLst>
+    <dgm:effectClrLst/>
+    <dgm:txLinClrLst/>
+    <dgm:txFillClrLst meth="repeat">
+      <a:schemeClr val="dk1"/>
+    </dgm:txFillClrLst>
+    <dgm:txEffectClrLst/>
+  </dgm:styleLbl>
+  <dgm:styleLbl name="solidAlignAcc1">
+    <dgm:fillClrLst meth="repeat">
+      <a:schemeClr val="lt1"/>
+    </dgm:fillClrLst>
+    <dgm:linClrLst meth="repeat">
+      <a:schemeClr val="accent1"/>
+    </dgm:linClrLst>
+    <dgm:effectClrLst/>
+    <dgm:txLinClrLst/>
+    <dgm:txFillClrLst meth="repeat">
+      <a:schemeClr val="dk1"/>
+    </dgm:txFillClrLst>
+    <dgm:txEffectClrLst/>
+  </dgm:styleLbl>
+  <dgm:styleLbl name="solidBgAcc1">
+    <dgm:fillClrLst meth="repeat">
+      <a:schemeClr val="lt1"/>
+    </dgm:fillClrLst>
+    <dgm:linClrLst meth="repeat">
+      <a:schemeClr val="accent1"/>
+    </dgm:linClrLst>
+    <dgm:effectClrLst/>
+    <dgm:txLinClrLst/>
+    <dgm:txFillClrLst meth="repeat">
+      <a:schemeClr val="dk1"/>
+    </dgm:txFillClrLst>
+    <dgm:txEffectClrLst/>
+  </dgm:styleLbl>
+  <dgm:styleLbl name="fgAccFollowNode1">
+    <dgm:fillClrLst meth="repeat">
+      <a:schemeClr val="accent1">
+        <a:alpha val="90000"/>
+        <a:tint val="40000"/>
+      </a:schemeClr>
+    </dgm:fillClrLst>
+    <dgm:linClrLst meth="repeat">
+      <a:schemeClr val="accent1">
+        <a:alpha val="90000"/>
+        <a:tint val="40000"/>
+      </a:schemeClr>
+    </dgm:linClrLst>
+    <dgm:effectClrLst/>
+    <dgm:txLinClrLst/>
+    <dgm:txFillClrLst meth="repeat">
+      <a:schemeClr val="dk1"/>
+    </dgm:txFillClrLst>
+    <dgm:txEffectClrLst/>
+  </dgm:styleLbl>
+  <dgm:styleLbl name="alignAccFollowNode1">
+    <dgm:fillClrLst meth="repeat">
+      <a:schemeClr val="accent1">
+        <a:alpha val="90000"/>
+        <a:tint val="40000"/>
+      </a:schemeClr>
+    </dgm:fillClrLst>
+    <dgm:linClrLst meth="repeat">
+      <a:schemeClr val="accent1">
+        <a:alpha val="90000"/>
+        <a:tint val="40000"/>
+      </a:schemeClr>
+    </dgm:linClrLst>
+    <dgm:effectClrLst/>
+    <dgm:txLinClrLst/>
+    <dgm:txFillClrLst meth="repeat">
+      <a:schemeClr val="dk1"/>
+    </dgm:txFillClrLst>
+    <dgm:txEffectClrLst/>
+  </dgm:styleLbl>
+  <dgm:styleLbl name="bgAccFollowNode1">
+    <dgm:fillClrLst meth="repeat">
+      <a:schemeClr val="accent1">
+        <a:alpha val="90000"/>
+        <a:tint val="40000"/>
+      </a:schemeClr>
+    </dgm:fillClrLst>
+    <dgm:linClrLst meth="repeat">
+      <a:schemeClr val="accent1">
+        <a:alpha val="90000"/>
+        <a:tint val="40000"/>
+      </a:schemeClr>
+    </dgm:linClrLst>
+    <dgm:effectClrLst/>
+    <dgm:txLinClrLst/>
+    <dgm:txFillClrLst meth="repeat">
+      <a:schemeClr val="dk1"/>
+    </dgm:txFillClrLst>
+    <dgm:txEffectClrLst/>
+  </dgm:styleLbl>
+  <dgm:styleLbl name="fgAcc0">
+    <dgm:fillClrLst meth="repeat">
+      <a:schemeClr val="lt1">
+        <a:alpha val="90000"/>
+      </a:schemeClr>
+    </dgm:fillClrLst>
+    <dgm:linClrLst meth="repeat">
+      <a:schemeClr val="accent1"/>
+    </dgm:linClrLst>
+    <dgm:effectClrLst/>
+    <dgm:txLinClrLst/>
+    <dgm:txFillClrLst meth="repeat">
+      <a:schemeClr val="dk1"/>
+    </dgm:txFillClrLst>
+    <dgm:txEffectClrLst/>
+  </dgm:styleLbl>
+  <dgm:styleLbl name="fgAcc2">
+    <dgm:fillClrLst meth="repeat">
+      <a:schemeClr val="lt1">
+        <a:alpha val="90000"/>
+      </a:schemeClr>
+    </dgm:fillClrLst>
+    <dgm:linClrLst meth="repeat">
+      <a:schemeClr val="accent1"/>
+    </dgm:linClrLst>
+    <dgm:effectClrLst/>
+    <dgm:txLinClrLst/>
+    <dgm:txFillClrLst meth="repeat">
+      <a:schemeClr val="dk1"/>
+    </dgm:txFillClrLst>
+    <dgm:txEffectClrLst/>
+  </dgm:styleLbl>
+  <dgm:styleLbl name="fgAcc3">
+    <dgm:fillClrLst meth="repeat">
+      <a:schemeClr val="lt1">
+        <a:alpha val="90000"/>
+      </a:schemeClr>
+    </dgm:fillClrLst>
+    <dgm:linClrLst meth="repeat">
+      <a:schemeClr val="accent1"/>
+    </dgm:linClrLst>
+    <dgm:effectClrLst/>
+    <dgm:txLinClrLst/>
+    <dgm:txFillClrLst meth="repeat">
+      <a:schemeClr val="dk1"/>
+    </dgm:txFillClrLst>
+    <dgm:txEffectClrLst/>
+  </dgm:styleLbl>
+  <dgm:styleLbl name="fgAcc4">
+    <dgm:fillClrLst meth="repeat">
+      <a:schemeClr val="lt1">
+        <a:alpha val="90000"/>
+      </a:schemeClr>
+    </dgm:fillClrLst>
+    <dgm:linClrLst meth="repeat">
+      <a:schemeClr val="accent1"/>
+    </dgm:linClrLst>
+    <dgm:effectClrLst/>
+    <dgm:txLinClrLst/>
+    <dgm:txFillClrLst meth="repeat">
+      <a:schemeClr val="dk1"/>
+    </dgm:txFillClrLst>
+    <dgm:txEffectClrLst/>
+  </dgm:styleLbl>
+  <dgm:styleLbl name="bgShp">
+    <dgm:fillClrLst meth="repeat">
+      <a:schemeClr val="accent1">
+        <a:tint val="40000"/>
+      </a:schemeClr>
+    </dgm:fillClrLst>
+    <dgm:linClrLst meth="repeat">
+      <a:schemeClr val="accent1"/>
+    </dgm:linClrLst>
+    <dgm:effectClrLst/>
+    <dgm:txLinClrLst/>
+    <dgm:txFillClrLst meth="repeat">
+      <a:schemeClr val="dk1"/>
+    </dgm:txFillClrLst>
+    <dgm:txEffectClrLst/>
+  </dgm:styleLbl>
+  <dgm:styleLbl name="dkBgShp">
+    <dgm:fillClrLst meth="repeat">
+      <a:schemeClr val="accent1">
+        <a:shade val="80000"/>
+      </a:schemeClr>
+    </dgm:fillClrLst>
+    <dgm:linClrLst meth="repeat">
+      <a:schemeClr val="accent1"/>
+    </dgm:linClrLst>
+    <dgm:effectClrLst/>
+    <dgm:txLinClrLst/>
+    <dgm:txFillClrLst meth="repeat">
+      <a:schemeClr val="lt1"/>
+    </dgm:txFillClrLst>
+    <dgm:txEffectClrLst/>
+  </dgm:styleLbl>
+  <dgm:styleLbl name="trBgShp">
+    <dgm:fillClrLst meth="repeat">
+      <a:schemeClr val="accent1">
+        <a:tint val="50000"/>
+        <a:alpha val="40000"/>
+      </a:schemeClr>
+    </dgm:fillClrLst>
+    <dgm:linClrLst meth="repeat">
+      <a:schemeClr val="accent1"/>
+    </dgm:linClrLst>
+    <dgm:effectClrLst/>
+    <dgm:txLinClrLst/>
+    <dgm:txFillClrLst meth="repeat">
+      <a:schemeClr val="lt1"/>
+    </dgm:txFillClrLst>
+    <dgm:txEffectClrLst/>
+  </dgm:styleLbl>
+  <dgm:styleLbl name="fgShp">
+    <dgm:fillClrLst meth="repeat">
+      <a:schemeClr val="accent1">
+        <a:tint val="60000"/>
+      </a:schemeClr>
+    </dgm:fillClrLst>
+    <dgm:linClrLst meth="repeat">
+      <a:schemeClr val="lt1"/>
+    </dgm:linClrLst>
+    <dgm:effectClrLst/>
+    <dgm:txLinClrLst/>
+    <dgm:txFillClrLst meth="repeat">
+      <a:schemeClr val="dk1"/>
+    </dgm:txFillClrLst>
+    <dgm:txEffectClrLst/>
+  </dgm:styleLbl>
+  <dgm:styleLbl name="revTx">
+    <dgm:fillClrLst meth="repeat">
+      <a:schemeClr val="lt1">
+        <a:alpha val="0"/>
+      </a:schemeClr>
+    </dgm:fillClrLst>
+    <dgm:linClrLst meth="repeat">
+      <a:schemeClr val="dk1">
+        <a:alpha val="0"/>
+      </a:schemeClr>
+    </dgm:linClrLst>
+    <dgm:effectClrLst/>
+    <dgm:txLinClrLst/>
+    <dgm:txFillClrLst meth="repeat">
+      <a:schemeClr val="tx1"/>
+    </dgm:txFillClrLst>
+    <dgm:txEffectClrLst/>
+  </dgm:styleLbl>
+</dgm:colorsDef>
+</file>
+
 <file path=ppt/diagrams/data1.xml><?xml version="1.0" encoding="utf-8"?>
 <dgm:dataModel xmlns:dgm="http://schemas.openxmlformats.org/drawingml/2006/diagram" xmlns:a="http://schemas.openxmlformats.org/drawingml/2006/main">
   <dgm:ptLst>
@@ -8856,6 +9605,301 @@
   <dgm:extLst>
     <a:ext uri="http://schemas.microsoft.com/office/drawing/2008/diagram">
       <dsp:dataModelExt xmlns:dsp="http://schemas.microsoft.com/office/drawing/2008/diagram" relId="rId7" minVer="http://schemas.openxmlformats.org/drawingml/2006/diagram"/>
+    </a:ext>
+  </dgm:extLst>
+</dgm:dataModel>
+</file>
+
+<file path=ppt/diagrams/data6.xml><?xml version="1.0" encoding="utf-8"?>
+<dgm:dataModel xmlns:dgm="http://schemas.openxmlformats.org/drawingml/2006/diagram" xmlns:a="http://schemas.openxmlformats.org/drawingml/2006/main">
+  <dgm:ptLst>
+    <dgm:pt modelId="{34778223-2F5A-42BE-A1BB-DDB4A329CB43}" type="doc">
+      <dgm:prSet loTypeId="urn:microsoft.com/office/officeart/2005/8/layout/process1" loCatId="process" qsTypeId="urn:microsoft.com/office/officeart/2005/8/quickstyle/simple1" qsCatId="simple" csTypeId="urn:microsoft.com/office/officeart/2005/8/colors/accent1_2" csCatId="accent1" phldr="1"/>
+      <dgm:spPr/>
+      <dgm:t>
+        <a:bodyPr/>
+        <a:lstStyle/>
+        <a:p>
+          <a:endParaRPr lang="en-US"/>
+        </a:p>
+      </dgm:t>
+    </dgm:pt>
+    <dgm:pt modelId="{5C12A0B9-68AA-4B0D-9539-6B0878A116F4}">
+      <dgm:prSet/>
+      <dgm:spPr>
+        <a:solidFill>
+          <a:schemeClr val="tx1">
+            <a:lumMod val="75000"/>
+            <a:alpha val="60000"/>
+          </a:schemeClr>
+        </a:solidFill>
+      </dgm:spPr>
+      <dgm:t>
+        <a:bodyPr/>
+        <a:lstStyle/>
+        <a:p>
+          <a:r>
+            <a:rPr lang="pl-PL" dirty="0"/>
+            <a:t>S</a:t>
+          </a:r>
+          <a:r>
+            <a:rPr lang="en-US" dirty="0" err="1"/>
+            <a:t>ystem</a:t>
+          </a:r>
+          <a:r>
+            <a:rPr lang="pl-PL" dirty="0"/>
+            <a:t> for</a:t>
+          </a:r>
+          <a:br>
+            <a:rPr lang="pl-PL" dirty="0"/>
+          </a:br>
+          <a:r>
+            <a:rPr lang="pl-PL" dirty="0" err="1"/>
+            <a:t>simple</a:t>
+          </a:r>
+          <a:r>
+            <a:rPr lang="pl-PL" dirty="0"/>
+            <a:t> </a:t>
+          </a:r>
+          <a:r>
+            <a:rPr lang="pl-PL" dirty="0" err="1"/>
+            <a:t>payments</a:t>
+          </a:r>
+          <a:br>
+            <a:rPr lang="pl-PL" dirty="0"/>
+          </a:br>
+          <a:r>
+            <a:rPr lang="pl-PL" dirty="0"/>
+            <a:t>(Bitcoin)</a:t>
+          </a:r>
+          <a:endParaRPr lang="en-US" dirty="0"/>
+        </a:p>
+      </dgm:t>
+    </dgm:pt>
+    <dgm:pt modelId="{7933A5E7-E41C-46CD-B24F-305935E50301}" type="parTrans" cxnId="{1FA7A4D2-D2EE-4C75-98E7-0B8D6EFBFFB4}">
+      <dgm:prSet/>
+      <dgm:spPr/>
+      <dgm:t>
+        <a:bodyPr/>
+        <a:lstStyle/>
+        <a:p>
+          <a:endParaRPr lang="en-US"/>
+        </a:p>
+      </dgm:t>
+    </dgm:pt>
+    <dgm:pt modelId="{2FD6B182-CF17-4B81-B4BB-58E384209941}" type="sibTrans" cxnId="{1FA7A4D2-D2EE-4C75-98E7-0B8D6EFBFFB4}">
+      <dgm:prSet/>
+      <dgm:spPr>
+        <a:solidFill>
+          <a:schemeClr val="tx1"/>
+        </a:solidFill>
+      </dgm:spPr>
+      <dgm:t>
+        <a:bodyPr/>
+        <a:lstStyle/>
+        <a:p>
+          <a:endParaRPr lang="en-US" dirty="0"/>
+        </a:p>
+      </dgm:t>
+    </dgm:pt>
+    <dgm:pt modelId="{1FDF550B-9390-4B29-8B86-86D9DA6B6739}">
+      <dgm:prSet/>
+      <dgm:spPr>
+        <a:solidFill>
+          <a:schemeClr val="tx2">
+            <a:lumMod val="40000"/>
+            <a:lumOff val="60000"/>
+            <a:alpha val="56000"/>
+          </a:schemeClr>
+        </a:solidFill>
+      </dgm:spPr>
+      <dgm:t>
+        <a:bodyPr/>
+        <a:lstStyle/>
+        <a:p>
+          <a:r>
+            <a:rPr lang="pl-PL" dirty="0"/>
+            <a:t>System for </a:t>
+          </a:r>
+          <a:br>
+            <a:rPr lang="pl-PL" dirty="0"/>
+          </a:br>
+          <a:r>
+            <a:rPr lang="pl-PL" dirty="0"/>
+            <a:t>s</a:t>
+          </a:r>
+          <a:r>
+            <a:rPr lang="en-US" dirty="0"/>
+            <a:t>mart-contract</a:t>
+          </a:r>
+          <a:r>
+            <a:rPr lang="pl-PL" dirty="0"/>
+            <a:t>s</a:t>
+          </a:r>
+          <a:br>
+            <a:rPr lang="pl-PL" dirty="0"/>
+          </a:br>
+          <a:r>
+            <a:rPr lang="pl-PL" dirty="0"/>
+            <a:t>(Ethereum)</a:t>
+          </a:r>
+          <a:endParaRPr lang="en-US" dirty="0"/>
+        </a:p>
+      </dgm:t>
+    </dgm:pt>
+    <dgm:pt modelId="{9896C4A2-B69A-4714-BEE6-E41C5AD87887}" type="parTrans" cxnId="{1BEAAD60-F9E7-4417-B3D4-42BB68E8D14E}">
+      <dgm:prSet/>
+      <dgm:spPr/>
+      <dgm:t>
+        <a:bodyPr/>
+        <a:lstStyle/>
+        <a:p>
+          <a:endParaRPr lang="en-US"/>
+        </a:p>
+      </dgm:t>
+    </dgm:pt>
+    <dgm:pt modelId="{C8895F15-6DD8-4D01-9267-36B3872340AD}" type="sibTrans" cxnId="{1BEAAD60-F9E7-4417-B3D4-42BB68E8D14E}">
+      <dgm:prSet/>
+      <dgm:spPr>
+        <a:solidFill>
+          <a:schemeClr val="tx1"/>
+        </a:solidFill>
+      </dgm:spPr>
+      <dgm:t>
+        <a:bodyPr/>
+        <a:lstStyle/>
+        <a:p>
+          <a:endParaRPr lang="en-US" dirty="0"/>
+        </a:p>
+      </dgm:t>
+    </dgm:pt>
+    <dgm:pt modelId="{B37E1A67-30E4-439C-BA90-062466E68D9C}">
+      <dgm:prSet/>
+      <dgm:spPr>
+        <a:solidFill>
+          <a:schemeClr val="tx2">
+            <a:lumMod val="50000"/>
+            <a:alpha val="58000"/>
+          </a:schemeClr>
+        </a:solidFill>
+      </dgm:spPr>
+      <dgm:t>
+        <a:bodyPr/>
+        <a:lstStyle/>
+        <a:p>
+          <a:r>
+            <a:rPr lang="pl-PL" dirty="0"/>
+            <a:t>System for </a:t>
+          </a:r>
+          <a:r>
+            <a:rPr lang="en-US" dirty="0"/>
+            <a:t>decentralized apps</a:t>
+          </a:r>
+          <a:r>
+            <a:rPr lang="pl-PL" dirty="0"/>
+            <a:t> (EOS)</a:t>
+          </a:r>
+          <a:endParaRPr lang="en-US" dirty="0"/>
+        </a:p>
+      </dgm:t>
+    </dgm:pt>
+    <dgm:pt modelId="{94129B2C-8779-4450-8A1A-8A2BBCDC1936}" type="parTrans" cxnId="{0FC5D0A0-8E8C-4344-8A38-CEC209F321D1}">
+      <dgm:prSet/>
+      <dgm:spPr/>
+      <dgm:t>
+        <a:bodyPr/>
+        <a:lstStyle/>
+        <a:p>
+          <a:endParaRPr lang="en-US"/>
+        </a:p>
+      </dgm:t>
+    </dgm:pt>
+    <dgm:pt modelId="{D09BD33B-E58F-4C72-B677-6350C000C8F3}" type="sibTrans" cxnId="{0FC5D0A0-8E8C-4344-8A38-CEC209F321D1}">
+      <dgm:prSet/>
+      <dgm:spPr/>
+      <dgm:t>
+        <a:bodyPr/>
+        <a:lstStyle/>
+        <a:p>
+          <a:endParaRPr lang="en-US"/>
+        </a:p>
+      </dgm:t>
+    </dgm:pt>
+    <dgm:pt modelId="{6060F630-C6F6-4C37-9F8F-BB94C92808D6}" type="pres">
+      <dgm:prSet presAssocID="{34778223-2F5A-42BE-A1BB-DDB4A329CB43}" presName="Name0" presStyleCnt="0">
+        <dgm:presLayoutVars>
+          <dgm:dir/>
+          <dgm:resizeHandles val="exact"/>
+        </dgm:presLayoutVars>
+      </dgm:prSet>
+      <dgm:spPr/>
+    </dgm:pt>
+    <dgm:pt modelId="{E40EF4B3-8BA8-436A-B15B-C0F795B9ECAC}" type="pres">
+      <dgm:prSet presAssocID="{5C12A0B9-68AA-4B0D-9539-6B0878A116F4}" presName="node" presStyleLbl="node1" presStyleIdx="0" presStyleCnt="3">
+        <dgm:presLayoutVars>
+          <dgm:bulletEnabled val="1"/>
+        </dgm:presLayoutVars>
+      </dgm:prSet>
+      <dgm:spPr/>
+    </dgm:pt>
+    <dgm:pt modelId="{C3550AE3-EAA5-4345-96A2-2D49ABF0C995}" type="pres">
+      <dgm:prSet presAssocID="{2FD6B182-CF17-4B81-B4BB-58E384209941}" presName="sibTrans" presStyleLbl="sibTrans2D1" presStyleIdx="0" presStyleCnt="2"/>
+      <dgm:spPr/>
+    </dgm:pt>
+    <dgm:pt modelId="{E8E60DD2-7B4B-4D7D-A6F1-57AE66696B1D}" type="pres">
+      <dgm:prSet presAssocID="{2FD6B182-CF17-4B81-B4BB-58E384209941}" presName="connectorText" presStyleLbl="sibTrans2D1" presStyleIdx="0" presStyleCnt="2"/>
+      <dgm:spPr/>
+    </dgm:pt>
+    <dgm:pt modelId="{8D6DEFCB-1384-46AE-A406-C24CBCF29DBA}" type="pres">
+      <dgm:prSet presAssocID="{1FDF550B-9390-4B29-8B86-86D9DA6B6739}" presName="node" presStyleLbl="node1" presStyleIdx="1" presStyleCnt="3">
+        <dgm:presLayoutVars>
+          <dgm:bulletEnabled val="1"/>
+        </dgm:presLayoutVars>
+      </dgm:prSet>
+      <dgm:spPr/>
+    </dgm:pt>
+    <dgm:pt modelId="{D9CD9F60-125D-422C-A4B2-7AB9DC41F197}" type="pres">
+      <dgm:prSet presAssocID="{C8895F15-6DD8-4D01-9267-36B3872340AD}" presName="sibTrans" presStyleLbl="sibTrans2D1" presStyleIdx="1" presStyleCnt="2"/>
+      <dgm:spPr/>
+    </dgm:pt>
+    <dgm:pt modelId="{B33A579C-F53D-43AD-B0ED-CF2BE722AA31}" type="pres">
+      <dgm:prSet presAssocID="{C8895F15-6DD8-4D01-9267-36B3872340AD}" presName="connectorText" presStyleLbl="sibTrans2D1" presStyleIdx="1" presStyleCnt="2"/>
+      <dgm:spPr/>
+    </dgm:pt>
+    <dgm:pt modelId="{904AA21A-6637-412F-8D19-6AEBE54B6CFC}" type="pres">
+      <dgm:prSet presAssocID="{B37E1A67-30E4-439C-BA90-062466E68D9C}" presName="node" presStyleLbl="node1" presStyleIdx="2" presStyleCnt="3">
+        <dgm:presLayoutVars>
+          <dgm:bulletEnabled val="1"/>
+        </dgm:presLayoutVars>
+      </dgm:prSet>
+      <dgm:spPr/>
+    </dgm:pt>
+  </dgm:ptLst>
+  <dgm:cxnLst>
+    <dgm:cxn modelId="{D61E5C26-74B0-499B-AE9C-E563216E43A9}" type="presOf" srcId="{C8895F15-6DD8-4D01-9267-36B3872340AD}" destId="{B33A579C-F53D-43AD-B0ED-CF2BE722AA31}" srcOrd="1" destOrd="0" presId="urn:microsoft.com/office/officeart/2005/8/layout/process1"/>
+    <dgm:cxn modelId="{EE311B32-A70D-4ADE-B079-1E396AB979C7}" type="presOf" srcId="{2FD6B182-CF17-4B81-B4BB-58E384209941}" destId="{E8E60DD2-7B4B-4D7D-A6F1-57AE66696B1D}" srcOrd="1" destOrd="0" presId="urn:microsoft.com/office/officeart/2005/8/layout/process1"/>
+    <dgm:cxn modelId="{1BEAAD60-F9E7-4417-B3D4-42BB68E8D14E}" srcId="{34778223-2F5A-42BE-A1BB-DDB4A329CB43}" destId="{1FDF550B-9390-4B29-8B86-86D9DA6B6739}" srcOrd="1" destOrd="0" parTransId="{9896C4A2-B69A-4714-BEE6-E41C5AD87887}" sibTransId="{C8895F15-6DD8-4D01-9267-36B3872340AD}"/>
+    <dgm:cxn modelId="{BAE1CE56-87F7-4435-A9AA-E0BE6FC21FCE}" type="presOf" srcId="{2FD6B182-CF17-4B81-B4BB-58E384209941}" destId="{C3550AE3-EAA5-4345-96A2-2D49ABF0C995}" srcOrd="0" destOrd="0" presId="urn:microsoft.com/office/officeart/2005/8/layout/process1"/>
+    <dgm:cxn modelId="{AF68127A-1381-4B01-8846-AC9F2C0C70FA}" type="presOf" srcId="{34778223-2F5A-42BE-A1BB-DDB4A329CB43}" destId="{6060F630-C6F6-4C37-9F8F-BB94C92808D6}" srcOrd="0" destOrd="0" presId="urn:microsoft.com/office/officeart/2005/8/layout/process1"/>
+    <dgm:cxn modelId="{9C78D47F-D7ED-4B8F-83C6-F892BB5FD215}" type="presOf" srcId="{C8895F15-6DD8-4D01-9267-36B3872340AD}" destId="{D9CD9F60-125D-422C-A4B2-7AB9DC41F197}" srcOrd="0" destOrd="0" presId="urn:microsoft.com/office/officeart/2005/8/layout/process1"/>
+    <dgm:cxn modelId="{0FC5D0A0-8E8C-4344-8A38-CEC209F321D1}" srcId="{34778223-2F5A-42BE-A1BB-DDB4A329CB43}" destId="{B37E1A67-30E4-439C-BA90-062466E68D9C}" srcOrd="2" destOrd="0" parTransId="{94129B2C-8779-4450-8A1A-8A2BBCDC1936}" sibTransId="{D09BD33B-E58F-4C72-B677-6350C000C8F3}"/>
+    <dgm:cxn modelId="{1FA7A4D2-D2EE-4C75-98E7-0B8D6EFBFFB4}" srcId="{34778223-2F5A-42BE-A1BB-DDB4A329CB43}" destId="{5C12A0B9-68AA-4B0D-9539-6B0878A116F4}" srcOrd="0" destOrd="0" parTransId="{7933A5E7-E41C-46CD-B24F-305935E50301}" sibTransId="{2FD6B182-CF17-4B81-B4BB-58E384209941}"/>
+    <dgm:cxn modelId="{E5FC59DD-7D69-4A67-BFD2-7559A5A3BEF1}" type="presOf" srcId="{5C12A0B9-68AA-4B0D-9539-6B0878A116F4}" destId="{E40EF4B3-8BA8-436A-B15B-C0F795B9ECAC}" srcOrd="0" destOrd="0" presId="urn:microsoft.com/office/officeart/2005/8/layout/process1"/>
+    <dgm:cxn modelId="{D3D660E6-56C4-405B-BB73-F32788882AD7}" type="presOf" srcId="{1FDF550B-9390-4B29-8B86-86D9DA6B6739}" destId="{8D6DEFCB-1384-46AE-A406-C24CBCF29DBA}" srcOrd="0" destOrd="0" presId="urn:microsoft.com/office/officeart/2005/8/layout/process1"/>
+    <dgm:cxn modelId="{055C8EEB-E23F-4B8C-825E-521B00738F62}" type="presOf" srcId="{B37E1A67-30E4-439C-BA90-062466E68D9C}" destId="{904AA21A-6637-412F-8D19-6AEBE54B6CFC}" srcOrd="0" destOrd="0" presId="urn:microsoft.com/office/officeart/2005/8/layout/process1"/>
+    <dgm:cxn modelId="{898E3607-B3A0-4B30-A135-36F3E1846908}" type="presParOf" srcId="{6060F630-C6F6-4C37-9F8F-BB94C92808D6}" destId="{E40EF4B3-8BA8-436A-B15B-C0F795B9ECAC}" srcOrd="0" destOrd="0" presId="urn:microsoft.com/office/officeart/2005/8/layout/process1"/>
+    <dgm:cxn modelId="{0C914C3E-C002-4C24-AADF-6294C64A8FF1}" type="presParOf" srcId="{6060F630-C6F6-4C37-9F8F-BB94C92808D6}" destId="{C3550AE3-EAA5-4345-96A2-2D49ABF0C995}" srcOrd="1" destOrd="0" presId="urn:microsoft.com/office/officeart/2005/8/layout/process1"/>
+    <dgm:cxn modelId="{8BF316FE-F613-467F-93BB-BFDD01C90D24}" type="presParOf" srcId="{C3550AE3-EAA5-4345-96A2-2D49ABF0C995}" destId="{E8E60DD2-7B4B-4D7D-A6F1-57AE66696B1D}" srcOrd="0" destOrd="0" presId="urn:microsoft.com/office/officeart/2005/8/layout/process1"/>
+    <dgm:cxn modelId="{3664CBB9-6F07-4A4C-880C-A4789BA1595B}" type="presParOf" srcId="{6060F630-C6F6-4C37-9F8F-BB94C92808D6}" destId="{8D6DEFCB-1384-46AE-A406-C24CBCF29DBA}" srcOrd="2" destOrd="0" presId="urn:microsoft.com/office/officeart/2005/8/layout/process1"/>
+    <dgm:cxn modelId="{C422A048-578C-462B-A4E9-E3AA3D57C748}" type="presParOf" srcId="{6060F630-C6F6-4C37-9F8F-BB94C92808D6}" destId="{D9CD9F60-125D-422C-A4B2-7AB9DC41F197}" srcOrd="3" destOrd="0" presId="urn:microsoft.com/office/officeart/2005/8/layout/process1"/>
+    <dgm:cxn modelId="{941F0BDF-641A-450B-91A9-92C9D697F5D4}" type="presParOf" srcId="{D9CD9F60-125D-422C-A4B2-7AB9DC41F197}" destId="{B33A579C-F53D-43AD-B0ED-CF2BE722AA31}" srcOrd="0" destOrd="0" presId="urn:microsoft.com/office/officeart/2005/8/layout/process1"/>
+    <dgm:cxn modelId="{D7FD23B7-CE1E-4010-9B18-18065CF0429D}" type="presParOf" srcId="{6060F630-C6F6-4C37-9F8F-BB94C92808D6}" destId="{904AA21A-6637-412F-8D19-6AEBE54B6CFC}" srcOrd="4" destOrd="0" presId="urn:microsoft.com/office/officeart/2005/8/layout/process1"/>
+  </dgm:cxnLst>
+  <dgm:bg/>
+  <dgm:whole/>
+  <dgm:extLst>
+    <a:ext uri="http://schemas.microsoft.com/office/drawing/2008/diagram">
+      <dsp:dataModelExt xmlns:dsp="http://schemas.microsoft.com/office/drawing/2008/diagram" relId="rId6" minVer="http://schemas.openxmlformats.org/drawingml/2006/diagram"/>
     </a:ext>
   </dgm:extLst>
 </dgm:dataModel>
@@ -12089,6 +13133,441 @@
 </dsp:drawing>
 </file>
 
+<file path=ppt/diagrams/drawing6.xml><?xml version="1.0" encoding="utf-8"?>
+<dsp:drawing xmlns:dgm="http://schemas.openxmlformats.org/drawingml/2006/diagram" xmlns:dsp="http://schemas.microsoft.com/office/drawing/2008/diagram" xmlns:a="http://schemas.openxmlformats.org/drawingml/2006/main">
+  <dsp:spTree>
+    <dsp:nvGrpSpPr>
+      <dsp:cNvPr id="0" name=""/>
+      <dsp:cNvGrpSpPr/>
+    </dsp:nvGrpSpPr>
+    <dsp:grpSpPr/>
+    <dsp:sp modelId="{E40EF4B3-8BA8-436A-B15B-C0F795B9ECAC}">
+      <dsp:nvSpPr>
+        <dsp:cNvPr id="0" name=""/>
+        <dsp:cNvSpPr/>
+      </dsp:nvSpPr>
+      <dsp:spPr>
+        <a:xfrm>
+          <a:off x="8706" y="127190"/>
+          <a:ext cx="2602259" cy="1561355"/>
+        </a:xfrm>
+        <a:prstGeom prst="roundRect">
+          <a:avLst>
+            <a:gd name="adj" fmla="val 10000"/>
+          </a:avLst>
+        </a:prstGeom>
+        <a:solidFill>
+          <a:schemeClr val="tx1">
+            <a:lumMod val="75000"/>
+            <a:alpha val="60000"/>
+          </a:schemeClr>
+        </a:solidFill>
+        <a:ln w="15875" cap="flat" cmpd="sng" algn="ctr">
+          <a:solidFill>
+            <a:schemeClr val="lt1">
+              <a:hueOff val="0"/>
+              <a:satOff val="0"/>
+              <a:lumOff val="0"/>
+              <a:alphaOff val="0"/>
+            </a:schemeClr>
+          </a:solidFill>
+          <a:prstDash val="solid"/>
+        </a:ln>
+        <a:effectLst/>
+      </dsp:spPr>
+      <dsp:style>
+        <a:lnRef idx="2">
+          <a:scrgbClr r="0" g="0" b="0"/>
+        </a:lnRef>
+        <a:fillRef idx="1">
+          <a:scrgbClr r="0" g="0" b="0"/>
+        </a:fillRef>
+        <a:effectRef idx="0">
+          <a:scrgbClr r="0" g="0" b="0"/>
+        </a:effectRef>
+        <a:fontRef idx="minor">
+          <a:schemeClr val="lt1"/>
+        </a:fontRef>
+      </dsp:style>
+      <dsp:txBody>
+        <a:bodyPr spcFirstLastPara="0" vert="horz" wrap="square" lIns="102870" tIns="102870" rIns="102870" bIns="102870" numCol="1" spcCol="1270" anchor="ctr" anchorCtr="0">
+          <a:noAutofit/>
+        </a:bodyPr>
+        <a:lstStyle/>
+        <a:p>
+          <a:pPr marL="0" lvl="0" indent="0" algn="ctr" defTabSz="1200150">
+            <a:lnSpc>
+              <a:spcPct val="90000"/>
+            </a:lnSpc>
+            <a:spcBef>
+              <a:spcPct val="0"/>
+            </a:spcBef>
+            <a:spcAft>
+              <a:spcPct val="35000"/>
+            </a:spcAft>
+            <a:buNone/>
+          </a:pPr>
+          <a:r>
+            <a:rPr lang="pl-PL" sz="2700" kern="1200" dirty="0"/>
+            <a:t>S</a:t>
+          </a:r>
+          <a:r>
+            <a:rPr lang="en-US" sz="2700" kern="1200" dirty="0" err="1"/>
+            <a:t>ystem</a:t>
+          </a:r>
+          <a:r>
+            <a:rPr lang="pl-PL" sz="2700" kern="1200" dirty="0"/>
+            <a:t> for</a:t>
+          </a:r>
+          <a:br>
+            <a:rPr lang="pl-PL" sz="2700" kern="1200" dirty="0"/>
+          </a:br>
+          <a:r>
+            <a:rPr lang="pl-PL" sz="2700" kern="1200" dirty="0" err="1"/>
+            <a:t>simple</a:t>
+          </a:r>
+          <a:r>
+            <a:rPr lang="pl-PL" sz="2700" kern="1200" dirty="0"/>
+            <a:t> </a:t>
+          </a:r>
+          <a:r>
+            <a:rPr lang="pl-PL" sz="2700" kern="1200" dirty="0" err="1"/>
+            <a:t>payments</a:t>
+          </a:r>
+          <a:br>
+            <a:rPr lang="pl-PL" sz="2700" kern="1200" dirty="0"/>
+          </a:br>
+          <a:r>
+            <a:rPr lang="pl-PL" sz="2700" kern="1200" dirty="0"/>
+            <a:t>(Bitcoin)</a:t>
+          </a:r>
+          <a:endParaRPr lang="en-US" sz="2700" kern="1200" dirty="0"/>
+        </a:p>
+      </dsp:txBody>
+      <dsp:txXfrm>
+        <a:off x="54437" y="172921"/>
+        <a:ext cx="2510797" cy="1469893"/>
+      </dsp:txXfrm>
+    </dsp:sp>
+    <dsp:sp modelId="{C3550AE3-EAA5-4345-96A2-2D49ABF0C995}">
+      <dsp:nvSpPr>
+        <dsp:cNvPr id="0" name=""/>
+        <dsp:cNvSpPr/>
+      </dsp:nvSpPr>
+      <dsp:spPr>
+        <a:xfrm>
+          <a:off x="2871191" y="585188"/>
+          <a:ext cx="551679" cy="645360"/>
+        </a:xfrm>
+        <a:prstGeom prst="rightArrow">
+          <a:avLst>
+            <a:gd name="adj1" fmla="val 60000"/>
+            <a:gd name="adj2" fmla="val 50000"/>
+          </a:avLst>
+        </a:prstGeom>
+        <a:solidFill>
+          <a:schemeClr val="tx1"/>
+        </a:solidFill>
+        <a:ln>
+          <a:noFill/>
+        </a:ln>
+        <a:effectLst/>
+      </dsp:spPr>
+      <dsp:style>
+        <a:lnRef idx="0">
+          <a:scrgbClr r="0" g="0" b="0"/>
+        </a:lnRef>
+        <a:fillRef idx="1">
+          <a:scrgbClr r="0" g="0" b="0"/>
+        </a:fillRef>
+        <a:effectRef idx="0">
+          <a:scrgbClr r="0" g="0" b="0"/>
+        </a:effectRef>
+        <a:fontRef idx="minor">
+          <a:schemeClr val="lt1"/>
+        </a:fontRef>
+      </dsp:style>
+      <dsp:txBody>
+        <a:bodyPr spcFirstLastPara="0" vert="horz" wrap="square" lIns="0" tIns="0" rIns="0" bIns="0" numCol="1" spcCol="1270" anchor="ctr" anchorCtr="0">
+          <a:noAutofit/>
+        </a:bodyPr>
+        <a:lstStyle/>
+        <a:p>
+          <a:pPr marL="0" lvl="0" indent="0" algn="ctr" defTabSz="933450">
+            <a:lnSpc>
+              <a:spcPct val="90000"/>
+            </a:lnSpc>
+            <a:spcBef>
+              <a:spcPct val="0"/>
+            </a:spcBef>
+            <a:spcAft>
+              <a:spcPct val="35000"/>
+            </a:spcAft>
+            <a:buNone/>
+          </a:pPr>
+          <a:endParaRPr lang="en-US" sz="2100" kern="1200" dirty="0"/>
+        </a:p>
+      </dsp:txBody>
+      <dsp:txXfrm>
+        <a:off x="2871191" y="714260"/>
+        <a:ext cx="386175" cy="387216"/>
+      </dsp:txXfrm>
+    </dsp:sp>
+    <dsp:sp modelId="{8D6DEFCB-1384-46AE-A406-C24CBCF29DBA}">
+      <dsp:nvSpPr>
+        <dsp:cNvPr id="0" name=""/>
+        <dsp:cNvSpPr/>
+      </dsp:nvSpPr>
+      <dsp:spPr>
+        <a:xfrm>
+          <a:off x="3651869" y="127190"/>
+          <a:ext cx="2602259" cy="1561355"/>
+        </a:xfrm>
+        <a:prstGeom prst="roundRect">
+          <a:avLst>
+            <a:gd name="adj" fmla="val 10000"/>
+          </a:avLst>
+        </a:prstGeom>
+        <a:solidFill>
+          <a:schemeClr val="tx2">
+            <a:lumMod val="40000"/>
+            <a:lumOff val="60000"/>
+            <a:alpha val="56000"/>
+          </a:schemeClr>
+        </a:solidFill>
+        <a:ln w="15875" cap="flat" cmpd="sng" algn="ctr">
+          <a:solidFill>
+            <a:schemeClr val="lt1">
+              <a:hueOff val="0"/>
+              <a:satOff val="0"/>
+              <a:lumOff val="0"/>
+              <a:alphaOff val="0"/>
+            </a:schemeClr>
+          </a:solidFill>
+          <a:prstDash val="solid"/>
+        </a:ln>
+        <a:effectLst/>
+      </dsp:spPr>
+      <dsp:style>
+        <a:lnRef idx="2">
+          <a:scrgbClr r="0" g="0" b="0"/>
+        </a:lnRef>
+        <a:fillRef idx="1">
+          <a:scrgbClr r="0" g="0" b="0"/>
+        </a:fillRef>
+        <a:effectRef idx="0">
+          <a:scrgbClr r="0" g="0" b="0"/>
+        </a:effectRef>
+        <a:fontRef idx="minor">
+          <a:schemeClr val="lt1"/>
+        </a:fontRef>
+      </dsp:style>
+      <dsp:txBody>
+        <a:bodyPr spcFirstLastPara="0" vert="horz" wrap="square" lIns="102870" tIns="102870" rIns="102870" bIns="102870" numCol="1" spcCol="1270" anchor="ctr" anchorCtr="0">
+          <a:noAutofit/>
+        </a:bodyPr>
+        <a:lstStyle/>
+        <a:p>
+          <a:pPr marL="0" lvl="0" indent="0" algn="ctr" defTabSz="1200150">
+            <a:lnSpc>
+              <a:spcPct val="90000"/>
+            </a:lnSpc>
+            <a:spcBef>
+              <a:spcPct val="0"/>
+            </a:spcBef>
+            <a:spcAft>
+              <a:spcPct val="35000"/>
+            </a:spcAft>
+            <a:buNone/>
+          </a:pPr>
+          <a:r>
+            <a:rPr lang="pl-PL" sz="2700" kern="1200" dirty="0"/>
+            <a:t>System for </a:t>
+          </a:r>
+          <a:br>
+            <a:rPr lang="pl-PL" sz="2700" kern="1200" dirty="0"/>
+          </a:br>
+          <a:r>
+            <a:rPr lang="pl-PL" sz="2700" kern="1200" dirty="0"/>
+            <a:t>s</a:t>
+          </a:r>
+          <a:r>
+            <a:rPr lang="en-US" sz="2700" kern="1200" dirty="0"/>
+            <a:t>mart-contract</a:t>
+          </a:r>
+          <a:r>
+            <a:rPr lang="pl-PL" sz="2700" kern="1200" dirty="0"/>
+            <a:t>s</a:t>
+          </a:r>
+          <a:br>
+            <a:rPr lang="pl-PL" sz="2700" kern="1200" dirty="0"/>
+          </a:br>
+          <a:r>
+            <a:rPr lang="pl-PL" sz="2700" kern="1200" dirty="0"/>
+            <a:t>(Ethereum)</a:t>
+          </a:r>
+          <a:endParaRPr lang="en-US" sz="2700" kern="1200" dirty="0"/>
+        </a:p>
+      </dsp:txBody>
+      <dsp:txXfrm>
+        <a:off x="3697600" y="172921"/>
+        <a:ext cx="2510797" cy="1469893"/>
+      </dsp:txXfrm>
+    </dsp:sp>
+    <dsp:sp modelId="{D9CD9F60-125D-422C-A4B2-7AB9DC41F197}">
+      <dsp:nvSpPr>
+        <dsp:cNvPr id="0" name=""/>
+        <dsp:cNvSpPr/>
+      </dsp:nvSpPr>
+      <dsp:spPr>
+        <a:xfrm>
+          <a:off x="6514355" y="585188"/>
+          <a:ext cx="551679" cy="645360"/>
+        </a:xfrm>
+        <a:prstGeom prst="rightArrow">
+          <a:avLst>
+            <a:gd name="adj1" fmla="val 60000"/>
+            <a:gd name="adj2" fmla="val 50000"/>
+          </a:avLst>
+        </a:prstGeom>
+        <a:solidFill>
+          <a:schemeClr val="tx1"/>
+        </a:solidFill>
+        <a:ln>
+          <a:noFill/>
+        </a:ln>
+        <a:effectLst/>
+      </dsp:spPr>
+      <dsp:style>
+        <a:lnRef idx="0">
+          <a:scrgbClr r="0" g="0" b="0"/>
+        </a:lnRef>
+        <a:fillRef idx="1">
+          <a:scrgbClr r="0" g="0" b="0"/>
+        </a:fillRef>
+        <a:effectRef idx="0">
+          <a:scrgbClr r="0" g="0" b="0"/>
+        </a:effectRef>
+        <a:fontRef idx="minor">
+          <a:schemeClr val="lt1"/>
+        </a:fontRef>
+      </dsp:style>
+      <dsp:txBody>
+        <a:bodyPr spcFirstLastPara="0" vert="horz" wrap="square" lIns="0" tIns="0" rIns="0" bIns="0" numCol="1" spcCol="1270" anchor="ctr" anchorCtr="0">
+          <a:noAutofit/>
+        </a:bodyPr>
+        <a:lstStyle/>
+        <a:p>
+          <a:pPr marL="0" lvl="0" indent="0" algn="ctr" defTabSz="933450">
+            <a:lnSpc>
+              <a:spcPct val="90000"/>
+            </a:lnSpc>
+            <a:spcBef>
+              <a:spcPct val="0"/>
+            </a:spcBef>
+            <a:spcAft>
+              <a:spcPct val="35000"/>
+            </a:spcAft>
+            <a:buNone/>
+          </a:pPr>
+          <a:endParaRPr lang="en-US" sz="2100" kern="1200" dirty="0"/>
+        </a:p>
+      </dsp:txBody>
+      <dsp:txXfrm>
+        <a:off x="6514355" y="714260"/>
+        <a:ext cx="386175" cy="387216"/>
+      </dsp:txXfrm>
+    </dsp:sp>
+    <dsp:sp modelId="{904AA21A-6637-412F-8D19-6AEBE54B6CFC}">
+      <dsp:nvSpPr>
+        <dsp:cNvPr id="0" name=""/>
+        <dsp:cNvSpPr/>
+      </dsp:nvSpPr>
+      <dsp:spPr>
+        <a:xfrm>
+          <a:off x="7295033" y="127190"/>
+          <a:ext cx="2602259" cy="1561355"/>
+        </a:xfrm>
+        <a:prstGeom prst="roundRect">
+          <a:avLst>
+            <a:gd name="adj" fmla="val 10000"/>
+          </a:avLst>
+        </a:prstGeom>
+        <a:solidFill>
+          <a:schemeClr val="tx2">
+            <a:lumMod val="50000"/>
+            <a:alpha val="58000"/>
+          </a:schemeClr>
+        </a:solidFill>
+        <a:ln w="15875" cap="flat" cmpd="sng" algn="ctr">
+          <a:solidFill>
+            <a:schemeClr val="lt1">
+              <a:hueOff val="0"/>
+              <a:satOff val="0"/>
+              <a:lumOff val="0"/>
+              <a:alphaOff val="0"/>
+            </a:schemeClr>
+          </a:solidFill>
+          <a:prstDash val="solid"/>
+        </a:ln>
+        <a:effectLst/>
+      </dsp:spPr>
+      <dsp:style>
+        <a:lnRef idx="2">
+          <a:scrgbClr r="0" g="0" b="0"/>
+        </a:lnRef>
+        <a:fillRef idx="1">
+          <a:scrgbClr r="0" g="0" b="0"/>
+        </a:fillRef>
+        <a:effectRef idx="0">
+          <a:scrgbClr r="0" g="0" b="0"/>
+        </a:effectRef>
+        <a:fontRef idx="minor">
+          <a:schemeClr val="lt1"/>
+        </a:fontRef>
+      </dsp:style>
+      <dsp:txBody>
+        <a:bodyPr spcFirstLastPara="0" vert="horz" wrap="square" lIns="102870" tIns="102870" rIns="102870" bIns="102870" numCol="1" spcCol="1270" anchor="ctr" anchorCtr="0">
+          <a:noAutofit/>
+        </a:bodyPr>
+        <a:lstStyle/>
+        <a:p>
+          <a:pPr marL="0" lvl="0" indent="0" algn="ctr" defTabSz="1200150">
+            <a:lnSpc>
+              <a:spcPct val="90000"/>
+            </a:lnSpc>
+            <a:spcBef>
+              <a:spcPct val="0"/>
+            </a:spcBef>
+            <a:spcAft>
+              <a:spcPct val="35000"/>
+            </a:spcAft>
+            <a:buNone/>
+          </a:pPr>
+          <a:r>
+            <a:rPr lang="pl-PL" sz="2700" kern="1200" dirty="0"/>
+            <a:t>System for </a:t>
+          </a:r>
+          <a:r>
+            <a:rPr lang="en-US" sz="2700" kern="1200" dirty="0"/>
+            <a:t>decentralized apps</a:t>
+          </a:r>
+          <a:r>
+            <a:rPr lang="pl-PL" sz="2700" kern="1200" dirty="0"/>
+            <a:t> (EOS)</a:t>
+          </a:r>
+          <a:endParaRPr lang="en-US" sz="2700" kern="1200" dirty="0"/>
+        </a:p>
+      </dsp:txBody>
+      <dsp:txXfrm>
+        <a:off x="7340764" y="172921"/>
+        <a:ext cx="2510797" cy="1469893"/>
+      </dsp:txXfrm>
+    </dsp:sp>
+  </dsp:spTree>
+</dsp:drawing>
+</file>
+
 <file path=ppt/diagrams/layout1.xml><?xml version="1.0" encoding="utf-8"?>
 <dgm:layoutDef xmlns:dgm="http://schemas.openxmlformats.org/drawingml/2006/diagram" xmlns:a="http://schemas.openxmlformats.org/drawingml/2006/main" uniqueId="urn:microsoft.com/office/officeart/2005/8/layout/process1">
   <dgm:title val=""/>
@@ -14404,6 +15883,152 @@
 </dgm:layoutDef>
 </file>
 
+<file path=ppt/diagrams/layout6.xml><?xml version="1.0" encoding="utf-8"?>
+<dgm:layoutDef xmlns:dgm="http://schemas.openxmlformats.org/drawingml/2006/diagram" xmlns:a="http://schemas.openxmlformats.org/drawingml/2006/main" uniqueId="urn:microsoft.com/office/officeart/2005/8/layout/process1">
+  <dgm:title val=""/>
+  <dgm:desc val=""/>
+  <dgm:catLst>
+    <dgm:cat type="process" pri="1000"/>
+    <dgm:cat type="convert" pri="15000"/>
+  </dgm:catLst>
+  <dgm:sampData useDef="1">
+    <dgm:dataModel>
+      <dgm:ptLst/>
+      <dgm:bg/>
+      <dgm:whole/>
+    </dgm:dataModel>
+  </dgm:sampData>
+  <dgm:styleData>
+    <dgm:dataModel>
+      <dgm:ptLst>
+        <dgm:pt modelId="0" type="doc"/>
+        <dgm:pt modelId="1"/>
+        <dgm:pt modelId="2"/>
+      </dgm:ptLst>
+      <dgm:cxnLst>
+        <dgm:cxn modelId="3" srcId="0" destId="1" srcOrd="0" destOrd="0"/>
+        <dgm:cxn modelId="4" srcId="0" destId="2" srcOrd="1" destOrd="0"/>
+      </dgm:cxnLst>
+      <dgm:bg/>
+      <dgm:whole/>
+    </dgm:dataModel>
+  </dgm:styleData>
+  <dgm:clrData>
+    <dgm:dataModel>
+      <dgm:ptLst>
+        <dgm:pt modelId="0" type="doc"/>
+        <dgm:pt modelId="1"/>
+        <dgm:pt modelId="2"/>
+        <dgm:pt modelId="3"/>
+        <dgm:pt modelId="4"/>
+      </dgm:ptLst>
+      <dgm:cxnLst>
+        <dgm:cxn modelId="5" srcId="0" destId="1" srcOrd="0" destOrd="0"/>
+        <dgm:cxn modelId="6" srcId="0" destId="2" srcOrd="1" destOrd="0"/>
+        <dgm:cxn modelId="7" srcId="0" destId="3" srcOrd="2" destOrd="0"/>
+        <dgm:cxn modelId="8" srcId="0" destId="4" srcOrd="3" destOrd="0"/>
+      </dgm:cxnLst>
+      <dgm:bg/>
+      <dgm:whole/>
+    </dgm:dataModel>
+  </dgm:clrData>
+  <dgm:layoutNode name="Name0">
+    <dgm:varLst>
+      <dgm:dir/>
+      <dgm:resizeHandles val="exact"/>
+    </dgm:varLst>
+    <dgm:choose name="Name1">
+      <dgm:if name="Name2" func="var" arg="dir" op="equ" val="norm">
+        <dgm:alg type="lin"/>
+      </dgm:if>
+      <dgm:else name="Name3">
+        <dgm:alg type="lin">
+          <dgm:param type="linDir" val="fromR"/>
+        </dgm:alg>
+      </dgm:else>
+    </dgm:choose>
+    <dgm:shape xmlns:r="http://schemas.openxmlformats.org/officeDocument/2006/relationships" r:blip="">
+      <dgm:adjLst/>
+    </dgm:shape>
+    <dgm:presOf/>
+    <dgm:constrLst>
+      <dgm:constr type="w" for="ch" ptType="node" refType="w"/>
+      <dgm:constr type="h" for="ch" ptType="node" op="equ"/>
+      <dgm:constr type="primFontSz" for="ch" ptType="node" op="equ" val="65"/>
+      <dgm:constr type="w" for="ch" ptType="sibTrans" refType="w" refFor="ch" refPtType="node" op="equ" fact="0.4"/>
+      <dgm:constr type="h" for="ch" ptType="sibTrans" op="equ"/>
+      <dgm:constr type="primFontSz" for="des" forName="connectorText" op="equ" val="55"/>
+      <dgm:constr type="primFontSz" for="des" forName="connectorText" refType="primFontSz" refFor="ch" refPtType="node" op="lte" fact="0.8"/>
+    </dgm:constrLst>
+    <dgm:ruleLst/>
+    <dgm:forEach name="nodesForEach" axis="ch" ptType="node">
+      <dgm:layoutNode name="node">
+        <dgm:varLst>
+          <dgm:bulletEnabled val="1"/>
+        </dgm:varLst>
+        <dgm:alg type="tx"/>
+        <dgm:shape xmlns:r="http://schemas.openxmlformats.org/officeDocument/2006/relationships" type="roundRect" r:blip="">
+          <dgm:adjLst>
+            <dgm:adj idx="1" val="0.1"/>
+          </dgm:adjLst>
+        </dgm:shape>
+        <dgm:presOf axis="desOrSelf" ptType="node"/>
+        <dgm:constrLst>
+          <dgm:constr type="h" refType="w" fact="0.6"/>
+          <dgm:constr type="tMarg" refType="primFontSz" fact="0.3"/>
+          <dgm:constr type="bMarg" refType="primFontSz" fact="0.3"/>
+          <dgm:constr type="lMarg" refType="primFontSz" fact="0.3"/>
+          <dgm:constr type="rMarg" refType="primFontSz" fact="0.3"/>
+        </dgm:constrLst>
+        <dgm:ruleLst>
+          <dgm:rule type="primFontSz" val="18" fact="NaN" max="NaN"/>
+          <dgm:rule type="h" val="NaN" fact="1.5" max="NaN"/>
+          <dgm:rule type="primFontSz" val="5" fact="NaN" max="NaN"/>
+          <dgm:rule type="h" val="INF" fact="NaN" max="NaN"/>
+        </dgm:ruleLst>
+      </dgm:layoutNode>
+      <dgm:forEach name="sibTransForEach" axis="followSib" ptType="sibTrans" cnt="1">
+        <dgm:layoutNode name="sibTrans">
+          <dgm:alg type="conn">
+            <dgm:param type="begPts" val="auto"/>
+            <dgm:param type="endPts" val="auto"/>
+          </dgm:alg>
+          <dgm:shape xmlns:r="http://schemas.openxmlformats.org/officeDocument/2006/relationships" type="conn" r:blip="">
+            <dgm:adjLst/>
+          </dgm:shape>
+          <dgm:presOf axis="self"/>
+          <dgm:constrLst>
+            <dgm:constr type="h" refType="w" fact="0.62"/>
+            <dgm:constr type="connDist"/>
+            <dgm:constr type="begPad" refType="connDist" fact="0.25"/>
+            <dgm:constr type="endPad" refType="connDist" fact="0.22"/>
+          </dgm:constrLst>
+          <dgm:ruleLst/>
+          <dgm:layoutNode name="connectorText">
+            <dgm:alg type="tx">
+              <dgm:param type="autoTxRot" val="grav"/>
+            </dgm:alg>
+            <dgm:shape xmlns:r="http://schemas.openxmlformats.org/officeDocument/2006/relationships" type="conn" r:blip="" hideGeom="1">
+              <dgm:adjLst/>
+            </dgm:shape>
+            <dgm:presOf axis="self"/>
+            <dgm:constrLst>
+              <dgm:constr type="lMarg"/>
+              <dgm:constr type="rMarg"/>
+              <dgm:constr type="tMarg"/>
+              <dgm:constr type="bMarg"/>
+            </dgm:constrLst>
+            <dgm:ruleLst>
+              <dgm:rule type="primFontSz" val="5" fact="NaN" max="NaN"/>
+            </dgm:ruleLst>
+          </dgm:layoutNode>
+        </dgm:layoutNode>
+      </dgm:forEach>
+    </dgm:forEach>
+  </dgm:layoutNode>
+</dgm:layoutDef>
+</file>
+
 <file path=ppt/diagrams/quickStyle1.xml><?xml version="1.0" encoding="utf-8"?>
 <dgm:styleDef xmlns:dgm="http://schemas.openxmlformats.org/drawingml/2006/diagram" xmlns:a="http://schemas.openxmlformats.org/drawingml/2006/main" uniqueId="urn:microsoft.com/office/officeart/2005/8/quickstyle/simple1">
   <dgm:title val=""/>
@@ -18541,6 +20166,1040 @@
 </file>
 
 <file path=ppt/diagrams/quickStyle5.xml><?xml version="1.0" encoding="utf-8"?>
+<dgm:styleDef xmlns:dgm="http://schemas.openxmlformats.org/drawingml/2006/diagram" xmlns:a="http://schemas.openxmlformats.org/drawingml/2006/main" uniqueId="urn:microsoft.com/office/officeart/2005/8/quickstyle/simple1">
+  <dgm:title val=""/>
+  <dgm:desc val=""/>
+  <dgm:catLst>
+    <dgm:cat type="simple" pri="10100"/>
+  </dgm:catLst>
+  <dgm:scene3d>
+    <a:camera prst="orthographicFront"/>
+    <a:lightRig rig="threePt" dir="t"/>
+  </dgm:scene3d>
+  <dgm:styleLbl name="node0">
+    <dgm:scene3d>
+      <a:camera prst="orthographicFront"/>
+      <a:lightRig rig="threePt" dir="t"/>
+    </dgm:scene3d>
+    <dgm:sp3d/>
+    <dgm:txPr/>
+    <dgm:style>
+      <a:lnRef idx="2">
+        <a:scrgbClr r="0" g="0" b="0"/>
+      </a:lnRef>
+      <a:fillRef idx="1">
+        <a:scrgbClr r="0" g="0" b="0"/>
+      </a:fillRef>
+      <a:effectRef idx="0">
+        <a:scrgbClr r="0" g="0" b="0"/>
+      </a:effectRef>
+      <a:fontRef idx="minor">
+        <a:schemeClr val="lt1"/>
+      </a:fontRef>
+    </dgm:style>
+  </dgm:styleLbl>
+  <dgm:styleLbl name="lnNode1">
+    <dgm:scene3d>
+      <a:camera prst="orthographicFront"/>
+      <a:lightRig rig="threePt" dir="t"/>
+    </dgm:scene3d>
+    <dgm:sp3d/>
+    <dgm:txPr/>
+    <dgm:style>
+      <a:lnRef idx="2">
+        <a:scrgbClr r="0" g="0" b="0"/>
+      </a:lnRef>
+      <a:fillRef idx="1">
+        <a:scrgbClr r="0" g="0" b="0"/>
+      </a:fillRef>
+      <a:effectRef idx="0">
+        <a:scrgbClr r="0" g="0" b="0"/>
+      </a:effectRef>
+      <a:fontRef idx="minor">
+        <a:schemeClr val="lt1"/>
+      </a:fontRef>
+    </dgm:style>
+  </dgm:styleLbl>
+  <dgm:styleLbl name="vennNode1">
+    <dgm:scene3d>
+      <a:camera prst="orthographicFront"/>
+      <a:lightRig rig="threePt" dir="t"/>
+    </dgm:scene3d>
+    <dgm:sp3d/>
+    <dgm:txPr/>
+    <dgm:style>
+      <a:lnRef idx="2">
+        <a:scrgbClr r="0" g="0" b="0"/>
+      </a:lnRef>
+      <a:fillRef idx="1">
+        <a:scrgbClr r="0" g="0" b="0"/>
+      </a:fillRef>
+      <a:effectRef idx="0">
+        <a:scrgbClr r="0" g="0" b="0"/>
+      </a:effectRef>
+      <a:fontRef idx="minor">
+        <a:schemeClr val="tx1"/>
+      </a:fontRef>
+    </dgm:style>
+  </dgm:styleLbl>
+  <dgm:styleLbl name="alignNode1">
+    <dgm:scene3d>
+      <a:camera prst="orthographicFront"/>
+      <a:lightRig rig="threePt" dir="t"/>
+    </dgm:scene3d>
+    <dgm:sp3d/>
+    <dgm:txPr/>
+    <dgm:style>
+      <a:lnRef idx="2">
+        <a:scrgbClr r="0" g="0" b="0"/>
+      </a:lnRef>
+      <a:fillRef idx="1">
+        <a:scrgbClr r="0" g="0" b="0"/>
+      </a:fillRef>
+      <a:effectRef idx="0">
+        <a:scrgbClr r="0" g="0" b="0"/>
+      </a:effectRef>
+      <a:fontRef idx="minor">
+        <a:schemeClr val="lt1"/>
+      </a:fontRef>
+    </dgm:style>
+  </dgm:styleLbl>
+  <dgm:styleLbl name="node1">
+    <dgm:scene3d>
+      <a:camera prst="orthographicFront"/>
+      <a:lightRig rig="threePt" dir="t"/>
+    </dgm:scene3d>
+    <dgm:sp3d/>
+    <dgm:txPr/>
+    <dgm:style>
+      <a:lnRef idx="2">
+        <a:scrgbClr r="0" g="0" b="0"/>
+      </a:lnRef>
+      <a:fillRef idx="1">
+        <a:scrgbClr r="0" g="0" b="0"/>
+      </a:fillRef>
+      <a:effectRef idx="0">
+        <a:scrgbClr r="0" g="0" b="0"/>
+      </a:effectRef>
+      <a:fontRef idx="minor">
+        <a:schemeClr val="lt1"/>
+      </a:fontRef>
+    </dgm:style>
+  </dgm:styleLbl>
+  <dgm:styleLbl name="node2">
+    <dgm:scene3d>
+      <a:camera prst="orthographicFront"/>
+      <a:lightRig rig="threePt" dir="t"/>
+    </dgm:scene3d>
+    <dgm:sp3d/>
+    <dgm:txPr/>
+    <dgm:style>
+      <a:lnRef idx="2">
+        <a:scrgbClr r="0" g="0" b="0"/>
+      </a:lnRef>
+      <a:fillRef idx="1">
+        <a:scrgbClr r="0" g="0" b="0"/>
+      </a:fillRef>
+      <a:effectRef idx="0">
+        <a:scrgbClr r="0" g="0" b="0"/>
+      </a:effectRef>
+      <a:fontRef idx="minor">
+        <a:schemeClr val="lt1"/>
+      </a:fontRef>
+    </dgm:style>
+  </dgm:styleLbl>
+  <dgm:styleLbl name="node3">
+    <dgm:scene3d>
+      <a:camera prst="orthographicFront"/>
+      <a:lightRig rig="threePt" dir="t"/>
+    </dgm:scene3d>
+    <dgm:sp3d/>
+    <dgm:txPr/>
+    <dgm:style>
+      <a:lnRef idx="2">
+        <a:scrgbClr r="0" g="0" b="0"/>
+      </a:lnRef>
+      <a:fillRef idx="1">
+        <a:scrgbClr r="0" g="0" b="0"/>
+      </a:fillRef>
+      <a:effectRef idx="0">
+        <a:scrgbClr r="0" g="0" b="0"/>
+      </a:effectRef>
+      <a:fontRef idx="minor">
+        <a:schemeClr val="lt1"/>
+      </a:fontRef>
+    </dgm:style>
+  </dgm:styleLbl>
+  <dgm:styleLbl name="node4">
+    <dgm:scene3d>
+      <a:camera prst="orthographicFront"/>
+      <a:lightRig rig="threePt" dir="t"/>
+    </dgm:scene3d>
+    <dgm:sp3d/>
+    <dgm:txPr/>
+    <dgm:style>
+      <a:lnRef idx="2">
+        <a:scrgbClr r="0" g="0" b="0"/>
+      </a:lnRef>
+      <a:fillRef idx="1">
+        <a:scrgbClr r="0" g="0" b="0"/>
+      </a:fillRef>
+      <a:effectRef idx="0">
+        <a:scrgbClr r="0" g="0" b="0"/>
+      </a:effectRef>
+      <a:fontRef idx="minor">
+        <a:schemeClr val="lt1"/>
+      </a:fontRef>
+    </dgm:style>
+  </dgm:styleLbl>
+  <dgm:styleLbl name="fgImgPlace1">
+    <dgm:scene3d>
+      <a:camera prst="orthographicFront"/>
+      <a:lightRig rig="threePt" dir="t"/>
+    </dgm:scene3d>
+    <dgm:sp3d/>
+    <dgm:txPr/>
+    <dgm:style>
+      <a:lnRef idx="2">
+        <a:scrgbClr r="0" g="0" b="0"/>
+      </a:lnRef>
+      <a:fillRef idx="1">
+        <a:scrgbClr r="0" g="0" b="0"/>
+      </a:fillRef>
+      <a:effectRef idx="0">
+        <a:scrgbClr r="0" g="0" b="0"/>
+      </a:effectRef>
+      <a:fontRef idx="minor"/>
+    </dgm:style>
+  </dgm:styleLbl>
+  <dgm:styleLbl name="alignImgPlace1">
+    <dgm:scene3d>
+      <a:camera prst="orthographicFront"/>
+      <a:lightRig rig="threePt" dir="t"/>
+    </dgm:scene3d>
+    <dgm:sp3d/>
+    <dgm:txPr/>
+    <dgm:style>
+      <a:lnRef idx="2">
+        <a:scrgbClr r="0" g="0" b="0"/>
+      </a:lnRef>
+      <a:fillRef idx="1">
+        <a:scrgbClr r="0" g="0" b="0"/>
+      </a:fillRef>
+      <a:effectRef idx="0">
+        <a:scrgbClr r="0" g="0" b="0"/>
+      </a:effectRef>
+      <a:fontRef idx="minor"/>
+    </dgm:style>
+  </dgm:styleLbl>
+  <dgm:styleLbl name="bgImgPlace1">
+    <dgm:scene3d>
+      <a:camera prst="orthographicFront"/>
+      <a:lightRig rig="threePt" dir="t"/>
+    </dgm:scene3d>
+    <dgm:sp3d/>
+    <dgm:txPr/>
+    <dgm:style>
+      <a:lnRef idx="2">
+        <a:scrgbClr r="0" g="0" b="0"/>
+      </a:lnRef>
+      <a:fillRef idx="1">
+        <a:scrgbClr r="0" g="0" b="0"/>
+      </a:fillRef>
+      <a:effectRef idx="0">
+        <a:scrgbClr r="0" g="0" b="0"/>
+      </a:effectRef>
+      <a:fontRef idx="minor"/>
+    </dgm:style>
+  </dgm:styleLbl>
+  <dgm:styleLbl name="sibTrans2D1">
+    <dgm:scene3d>
+      <a:camera prst="orthographicFront"/>
+      <a:lightRig rig="threePt" dir="t"/>
+    </dgm:scene3d>
+    <dgm:sp3d/>
+    <dgm:txPr/>
+    <dgm:style>
+      <a:lnRef idx="0">
+        <a:scrgbClr r="0" g="0" b="0"/>
+      </a:lnRef>
+      <a:fillRef idx="1">
+        <a:scrgbClr r="0" g="0" b="0"/>
+      </a:fillRef>
+      <a:effectRef idx="0">
+        <a:scrgbClr r="0" g="0" b="0"/>
+      </a:effectRef>
+      <a:fontRef idx="minor">
+        <a:schemeClr val="lt1"/>
+      </a:fontRef>
+    </dgm:style>
+  </dgm:styleLbl>
+  <dgm:styleLbl name="fgSibTrans2D1">
+    <dgm:scene3d>
+      <a:camera prst="orthographicFront"/>
+      <a:lightRig rig="threePt" dir="t"/>
+    </dgm:scene3d>
+    <dgm:sp3d/>
+    <dgm:txPr/>
+    <dgm:style>
+      <a:lnRef idx="0">
+        <a:scrgbClr r="0" g="0" b="0"/>
+      </a:lnRef>
+      <a:fillRef idx="1">
+        <a:scrgbClr r="0" g="0" b="0"/>
+      </a:fillRef>
+      <a:effectRef idx="0">
+        <a:scrgbClr r="0" g="0" b="0"/>
+      </a:effectRef>
+      <a:fontRef idx="minor">
+        <a:schemeClr val="lt1"/>
+      </a:fontRef>
+    </dgm:style>
+  </dgm:styleLbl>
+  <dgm:styleLbl name="bgSibTrans2D1">
+    <dgm:scene3d>
+      <a:camera prst="orthographicFront"/>
+      <a:lightRig rig="threePt" dir="t"/>
+    </dgm:scene3d>
+    <dgm:sp3d/>
+    <dgm:txPr/>
+    <dgm:style>
+      <a:lnRef idx="0">
+        <a:scrgbClr r="0" g="0" b="0"/>
+      </a:lnRef>
+      <a:fillRef idx="1">
+        <a:scrgbClr r="0" g="0" b="0"/>
+      </a:fillRef>
+      <a:effectRef idx="0">
+        <a:scrgbClr r="0" g="0" b="0"/>
+      </a:effectRef>
+      <a:fontRef idx="minor">
+        <a:schemeClr val="lt1"/>
+      </a:fontRef>
+    </dgm:style>
+  </dgm:styleLbl>
+  <dgm:styleLbl name="sibTrans1D1">
+    <dgm:scene3d>
+      <a:camera prst="orthographicFront"/>
+      <a:lightRig rig="threePt" dir="t"/>
+    </dgm:scene3d>
+    <dgm:sp3d/>
+    <dgm:txPr/>
+    <dgm:style>
+      <a:lnRef idx="1">
+        <a:scrgbClr r="0" g="0" b="0"/>
+      </a:lnRef>
+      <a:fillRef idx="0">
+        <a:scrgbClr r="0" g="0" b="0"/>
+      </a:fillRef>
+      <a:effectRef idx="0">
+        <a:scrgbClr r="0" g="0" b="0"/>
+      </a:effectRef>
+      <a:fontRef idx="minor"/>
+    </dgm:style>
+  </dgm:styleLbl>
+  <dgm:styleLbl name="callout">
+    <dgm:scene3d>
+      <a:camera prst="orthographicFront"/>
+      <a:lightRig rig="threePt" dir="t"/>
+    </dgm:scene3d>
+    <dgm:sp3d/>
+    <dgm:txPr/>
+    <dgm:style>
+      <a:lnRef idx="2">
+        <a:scrgbClr r="0" g="0" b="0"/>
+      </a:lnRef>
+      <a:fillRef idx="1">
+        <a:scrgbClr r="0" g="0" b="0"/>
+      </a:fillRef>
+      <a:effectRef idx="0">
+        <a:scrgbClr r="0" g="0" b="0"/>
+      </a:effectRef>
+      <a:fontRef idx="minor"/>
+    </dgm:style>
+  </dgm:styleLbl>
+  <dgm:styleLbl name="asst0">
+    <dgm:scene3d>
+      <a:camera prst="orthographicFront"/>
+      <a:lightRig rig="threePt" dir="t"/>
+    </dgm:scene3d>
+    <dgm:sp3d/>
+    <dgm:txPr/>
+    <dgm:style>
+      <a:lnRef idx="2">
+        <a:scrgbClr r="0" g="0" b="0"/>
+      </a:lnRef>
+      <a:fillRef idx="1">
+        <a:scrgbClr r="0" g="0" b="0"/>
+      </a:fillRef>
+      <a:effectRef idx="0">
+        <a:scrgbClr r="0" g="0" b="0"/>
+      </a:effectRef>
+      <a:fontRef idx="minor">
+        <a:schemeClr val="lt1"/>
+      </a:fontRef>
+    </dgm:style>
+  </dgm:styleLbl>
+  <dgm:styleLbl name="asst1">
+    <dgm:scene3d>
+      <a:camera prst="orthographicFront"/>
+      <a:lightRig rig="threePt" dir="t"/>
+    </dgm:scene3d>
+    <dgm:sp3d/>
+    <dgm:txPr/>
+    <dgm:style>
+      <a:lnRef idx="2">
+        <a:scrgbClr r="0" g="0" b="0"/>
+      </a:lnRef>
+      <a:fillRef idx="1">
+        <a:scrgbClr r="0" g="0" b="0"/>
+      </a:fillRef>
+      <a:effectRef idx="0">
+        <a:scrgbClr r="0" g="0" b="0"/>
+      </a:effectRef>
+      <a:fontRef idx="minor">
+        <a:schemeClr val="lt1"/>
+      </a:fontRef>
+    </dgm:style>
+  </dgm:styleLbl>
+  <dgm:styleLbl name="asst2">
+    <dgm:scene3d>
+      <a:camera prst="orthographicFront"/>
+      <a:lightRig rig="threePt" dir="t"/>
+    </dgm:scene3d>
+    <dgm:sp3d/>
+    <dgm:txPr/>
+    <dgm:style>
+      <a:lnRef idx="2">
+        <a:scrgbClr r="0" g="0" b="0"/>
+      </a:lnRef>
+      <a:fillRef idx="1">
+        <a:scrgbClr r="0" g="0" b="0"/>
+      </a:fillRef>
+      <a:effectRef idx="0">
+        <a:scrgbClr r="0" g="0" b="0"/>
+      </a:effectRef>
+      <a:fontRef idx="minor">
+        <a:schemeClr val="lt1"/>
+      </a:fontRef>
+    </dgm:style>
+  </dgm:styleLbl>
+  <dgm:styleLbl name="asst3">
+    <dgm:scene3d>
+      <a:camera prst="orthographicFront"/>
+      <a:lightRig rig="threePt" dir="t"/>
+    </dgm:scene3d>
+    <dgm:sp3d/>
+    <dgm:txPr/>
+    <dgm:style>
+      <a:lnRef idx="2">
+        <a:scrgbClr r="0" g="0" b="0"/>
+      </a:lnRef>
+      <a:fillRef idx="1">
+        <a:scrgbClr r="0" g="0" b="0"/>
+      </a:fillRef>
+      <a:effectRef idx="0">
+        <a:scrgbClr r="0" g="0" b="0"/>
+      </a:effectRef>
+      <a:fontRef idx="minor">
+        <a:schemeClr val="lt1"/>
+      </a:fontRef>
+    </dgm:style>
+  </dgm:styleLbl>
+  <dgm:styleLbl name="asst4">
+    <dgm:scene3d>
+      <a:camera prst="orthographicFront"/>
+      <a:lightRig rig="threePt" dir="t"/>
+    </dgm:scene3d>
+    <dgm:sp3d/>
+    <dgm:txPr/>
+    <dgm:style>
+      <a:lnRef idx="2">
+        <a:scrgbClr r="0" g="0" b="0"/>
+      </a:lnRef>
+      <a:fillRef idx="1">
+        <a:scrgbClr r="0" g="0" b="0"/>
+      </a:fillRef>
+      <a:effectRef idx="0">
+        <a:scrgbClr r="0" g="0" b="0"/>
+      </a:effectRef>
+      <a:fontRef idx="minor">
+        <a:schemeClr val="lt1"/>
+      </a:fontRef>
+    </dgm:style>
+  </dgm:styleLbl>
+  <dgm:styleLbl name="parChTrans2D1">
+    <dgm:scene3d>
+      <a:camera prst="orthographicFront"/>
+      <a:lightRig rig="threePt" dir="t"/>
+    </dgm:scene3d>
+    <dgm:sp3d/>
+    <dgm:txPr/>
+    <dgm:style>
+      <a:lnRef idx="2">
+        <a:scrgbClr r="0" g="0" b="0"/>
+      </a:lnRef>
+      <a:fillRef idx="1">
+        <a:scrgbClr r="0" g="0" b="0"/>
+      </a:fillRef>
+      <a:effectRef idx="0">
+        <a:scrgbClr r="0" g="0" b="0"/>
+      </a:effectRef>
+      <a:fontRef idx="minor">
+        <a:schemeClr val="lt1"/>
+      </a:fontRef>
+    </dgm:style>
+  </dgm:styleLbl>
+  <dgm:styleLbl name="parChTrans2D2">
+    <dgm:scene3d>
+      <a:camera prst="orthographicFront"/>
+      <a:lightRig rig="threePt" dir="t"/>
+    </dgm:scene3d>
+    <dgm:sp3d/>
+    <dgm:txPr/>
+    <dgm:style>
+      <a:lnRef idx="2">
+        <a:scrgbClr r="0" g="0" b="0"/>
+      </a:lnRef>
+      <a:fillRef idx="1">
+        <a:scrgbClr r="0" g="0" b="0"/>
+      </a:fillRef>
+      <a:effectRef idx="0">
+        <a:scrgbClr r="0" g="0" b="0"/>
+      </a:effectRef>
+      <a:fontRef idx="minor">
+        <a:schemeClr val="lt1"/>
+      </a:fontRef>
+    </dgm:style>
+  </dgm:styleLbl>
+  <dgm:styleLbl name="parChTrans2D3">
+    <dgm:scene3d>
+      <a:camera prst="orthographicFront"/>
+      <a:lightRig rig="threePt" dir="t"/>
+    </dgm:scene3d>
+    <dgm:sp3d/>
+    <dgm:txPr/>
+    <dgm:style>
+      <a:lnRef idx="2">
+        <a:scrgbClr r="0" g="0" b="0"/>
+      </a:lnRef>
+      <a:fillRef idx="1">
+        <a:scrgbClr r="0" g="0" b="0"/>
+      </a:fillRef>
+      <a:effectRef idx="0">
+        <a:scrgbClr r="0" g="0" b="0"/>
+      </a:effectRef>
+      <a:fontRef idx="minor">
+        <a:schemeClr val="lt1"/>
+      </a:fontRef>
+    </dgm:style>
+  </dgm:styleLbl>
+  <dgm:styleLbl name="parChTrans2D4">
+    <dgm:scene3d>
+      <a:camera prst="orthographicFront"/>
+      <a:lightRig rig="threePt" dir="t"/>
+    </dgm:scene3d>
+    <dgm:sp3d/>
+    <dgm:txPr/>
+    <dgm:style>
+      <a:lnRef idx="2">
+        <a:scrgbClr r="0" g="0" b="0"/>
+      </a:lnRef>
+      <a:fillRef idx="1">
+        <a:scrgbClr r="0" g="0" b="0"/>
+      </a:fillRef>
+      <a:effectRef idx="0">
+        <a:scrgbClr r="0" g="0" b="0"/>
+      </a:effectRef>
+      <a:fontRef idx="minor">
+        <a:schemeClr val="lt1"/>
+      </a:fontRef>
+    </dgm:style>
+  </dgm:styleLbl>
+  <dgm:styleLbl name="parChTrans1D1">
+    <dgm:scene3d>
+      <a:camera prst="orthographicFront"/>
+      <a:lightRig rig="threePt" dir="t"/>
+    </dgm:scene3d>
+    <dgm:sp3d/>
+    <dgm:txPr/>
+    <dgm:style>
+      <a:lnRef idx="2">
+        <a:scrgbClr r="0" g="0" b="0"/>
+      </a:lnRef>
+      <a:fillRef idx="0">
+        <a:scrgbClr r="0" g="0" b="0"/>
+      </a:fillRef>
+      <a:effectRef idx="0">
+        <a:scrgbClr r="0" g="0" b="0"/>
+      </a:effectRef>
+      <a:fontRef idx="minor"/>
+    </dgm:style>
+  </dgm:styleLbl>
+  <dgm:styleLbl name="parChTrans1D2">
+    <dgm:scene3d>
+      <a:camera prst="orthographicFront"/>
+      <a:lightRig rig="threePt" dir="t"/>
+    </dgm:scene3d>
+    <dgm:sp3d/>
+    <dgm:txPr/>
+    <dgm:style>
+      <a:lnRef idx="2">
+        <a:scrgbClr r="0" g="0" b="0"/>
+      </a:lnRef>
+      <a:fillRef idx="0">
+        <a:scrgbClr r="0" g="0" b="0"/>
+      </a:fillRef>
+      <a:effectRef idx="0">
+        <a:scrgbClr r="0" g="0" b="0"/>
+      </a:effectRef>
+      <a:fontRef idx="minor"/>
+    </dgm:style>
+  </dgm:styleLbl>
+  <dgm:styleLbl name="parChTrans1D3">
+    <dgm:scene3d>
+      <a:camera prst="orthographicFront"/>
+      <a:lightRig rig="threePt" dir="t"/>
+    </dgm:scene3d>
+    <dgm:sp3d/>
+    <dgm:txPr/>
+    <dgm:style>
+      <a:lnRef idx="2">
+        <a:scrgbClr r="0" g="0" b="0"/>
+      </a:lnRef>
+      <a:fillRef idx="0">
+        <a:scrgbClr r="0" g="0" b="0"/>
+      </a:fillRef>
+      <a:effectRef idx="0">
+        <a:scrgbClr r="0" g="0" b="0"/>
+      </a:effectRef>
+      <a:fontRef idx="minor"/>
+    </dgm:style>
+  </dgm:styleLbl>
+  <dgm:styleLbl name="parChTrans1D4">
+    <dgm:scene3d>
+      <a:camera prst="orthographicFront"/>
+      <a:lightRig rig="threePt" dir="t"/>
+    </dgm:scene3d>
+    <dgm:sp3d/>
+    <dgm:txPr/>
+    <dgm:style>
+      <a:lnRef idx="2">
+        <a:scrgbClr r="0" g="0" b="0"/>
+      </a:lnRef>
+      <a:fillRef idx="0">
+        <a:scrgbClr r="0" g="0" b="0"/>
+      </a:fillRef>
+      <a:effectRef idx="0">
+        <a:scrgbClr r="0" g="0" b="0"/>
+      </a:effectRef>
+      <a:fontRef idx="minor"/>
+    </dgm:style>
+  </dgm:styleLbl>
+  <dgm:styleLbl name="fgAcc1">
+    <dgm:scene3d>
+      <a:camera prst="orthographicFront"/>
+      <a:lightRig rig="threePt" dir="t"/>
+    </dgm:scene3d>
+    <dgm:sp3d/>
+    <dgm:txPr/>
+    <dgm:style>
+      <a:lnRef idx="2">
+        <a:scrgbClr r="0" g="0" b="0"/>
+      </a:lnRef>
+      <a:fillRef idx="1">
+        <a:scrgbClr r="0" g="0" b="0"/>
+      </a:fillRef>
+      <a:effectRef idx="0">
+        <a:scrgbClr r="0" g="0" b="0"/>
+      </a:effectRef>
+      <a:fontRef idx="minor"/>
+    </dgm:style>
+  </dgm:styleLbl>
+  <dgm:styleLbl name="conFgAcc1">
+    <dgm:scene3d>
+      <a:camera prst="orthographicFront"/>
+      <a:lightRig rig="threePt" dir="t"/>
+    </dgm:scene3d>
+    <dgm:sp3d/>
+    <dgm:txPr/>
+    <dgm:style>
+      <a:lnRef idx="2">
+        <a:scrgbClr r="0" g="0" b="0"/>
+      </a:lnRef>
+      <a:fillRef idx="1">
+        <a:scrgbClr r="0" g="0" b="0"/>
+      </a:fillRef>
+      <a:effectRef idx="0">
+        <a:scrgbClr r="0" g="0" b="0"/>
+      </a:effectRef>
+      <a:fontRef idx="minor"/>
+    </dgm:style>
+  </dgm:styleLbl>
+  <dgm:styleLbl name="alignAcc1">
+    <dgm:scene3d>
+      <a:camera prst="orthographicFront"/>
+      <a:lightRig rig="threePt" dir="t"/>
+    </dgm:scene3d>
+    <dgm:sp3d/>
+    <dgm:txPr/>
+    <dgm:style>
+      <a:lnRef idx="2">
+        <a:scrgbClr r="0" g="0" b="0"/>
+      </a:lnRef>
+      <a:fillRef idx="1">
+        <a:scrgbClr r="0" g="0" b="0"/>
+      </a:fillRef>
+      <a:effectRef idx="0">
+        <a:scrgbClr r="0" g="0" b="0"/>
+      </a:effectRef>
+      <a:fontRef idx="minor"/>
+    </dgm:style>
+  </dgm:styleLbl>
+  <dgm:styleLbl name="trAlignAcc1">
+    <dgm:scene3d>
+      <a:camera prst="orthographicFront"/>
+      <a:lightRig rig="threePt" dir="t"/>
+    </dgm:scene3d>
+    <dgm:sp3d/>
+    <dgm:txPr/>
+    <dgm:style>
+      <a:lnRef idx="1">
+        <a:scrgbClr r="0" g="0" b="0"/>
+      </a:lnRef>
+      <a:fillRef idx="1">
+        <a:scrgbClr r="0" g="0" b="0"/>
+      </a:fillRef>
+      <a:effectRef idx="0">
+        <a:scrgbClr r="0" g="0" b="0"/>
+      </a:effectRef>
+      <a:fontRef idx="minor"/>
+    </dgm:style>
+  </dgm:styleLbl>
+  <dgm:styleLbl name="bgAcc1">
+    <dgm:scene3d>
+      <a:camera prst="orthographicFront"/>
+      <a:lightRig rig="threePt" dir="t"/>
+    </dgm:scene3d>
+    <dgm:sp3d/>
+    <dgm:txPr/>
+    <dgm:style>
+      <a:lnRef idx="2">
+        <a:scrgbClr r="0" g="0" b="0"/>
+      </a:lnRef>
+      <a:fillRef idx="1">
+        <a:scrgbClr r="0" g="0" b="0"/>
+      </a:fillRef>
+      <a:effectRef idx="0">
+        <a:scrgbClr r="0" g="0" b="0"/>
+      </a:effectRef>
+      <a:fontRef idx="minor"/>
+    </dgm:style>
+  </dgm:styleLbl>
+  <dgm:styleLbl name="solidFgAcc1">
+    <dgm:scene3d>
+      <a:camera prst="orthographicFront"/>
+      <a:lightRig rig="threePt" dir="t"/>
+    </dgm:scene3d>
+    <dgm:sp3d/>
+    <dgm:txPr/>
+    <dgm:style>
+      <a:lnRef idx="2">
+        <a:scrgbClr r="0" g="0" b="0"/>
+      </a:lnRef>
+      <a:fillRef idx="1">
+        <a:scrgbClr r="0" g="0" b="0"/>
+      </a:fillRef>
+      <a:effectRef idx="0">
+        <a:scrgbClr r="0" g="0" b="0"/>
+      </a:effectRef>
+      <a:fontRef idx="minor"/>
+    </dgm:style>
+  </dgm:styleLbl>
+  <dgm:styleLbl name="solidAlignAcc1">
+    <dgm:scene3d>
+      <a:camera prst="orthographicFront"/>
+      <a:lightRig rig="threePt" dir="t"/>
+    </dgm:scene3d>
+    <dgm:sp3d/>
+    <dgm:txPr/>
+    <dgm:style>
+      <a:lnRef idx="2">
+        <a:scrgbClr r="0" g="0" b="0"/>
+      </a:lnRef>
+      <a:fillRef idx="1">
+        <a:scrgbClr r="0" g="0" b="0"/>
+      </a:fillRef>
+      <a:effectRef idx="0">
+        <a:scrgbClr r="0" g="0" b="0"/>
+      </a:effectRef>
+      <a:fontRef idx="minor"/>
+    </dgm:style>
+  </dgm:styleLbl>
+  <dgm:styleLbl name="solidBgAcc1">
+    <dgm:scene3d>
+      <a:camera prst="orthographicFront"/>
+      <a:lightRig rig="threePt" dir="t"/>
+    </dgm:scene3d>
+    <dgm:sp3d/>
+    <dgm:txPr/>
+    <dgm:style>
+      <a:lnRef idx="2">
+        <a:scrgbClr r="0" g="0" b="0"/>
+      </a:lnRef>
+      <a:fillRef idx="1">
+        <a:scrgbClr r="0" g="0" b="0"/>
+      </a:fillRef>
+      <a:effectRef idx="0">
+        <a:scrgbClr r="0" g="0" b="0"/>
+      </a:effectRef>
+      <a:fontRef idx="minor"/>
+    </dgm:style>
+  </dgm:styleLbl>
+  <dgm:styleLbl name="fgAccFollowNode1">
+    <dgm:scene3d>
+      <a:camera prst="orthographicFront"/>
+      <a:lightRig rig="threePt" dir="t"/>
+    </dgm:scene3d>
+    <dgm:sp3d/>
+    <dgm:txPr/>
+    <dgm:style>
+      <a:lnRef idx="2">
+        <a:scrgbClr r="0" g="0" b="0"/>
+      </a:lnRef>
+      <a:fillRef idx="1">
+        <a:scrgbClr r="0" g="0" b="0"/>
+      </a:fillRef>
+      <a:effectRef idx="0">
+        <a:scrgbClr r="0" g="0" b="0"/>
+      </a:effectRef>
+      <a:fontRef idx="minor"/>
+    </dgm:style>
+  </dgm:styleLbl>
+  <dgm:styleLbl name="alignAccFollowNode1">
+    <dgm:scene3d>
+      <a:camera prst="orthographicFront"/>
+      <a:lightRig rig="threePt" dir="t"/>
+    </dgm:scene3d>
+    <dgm:sp3d/>
+    <dgm:txPr/>
+    <dgm:style>
+      <a:lnRef idx="2">
+        <a:scrgbClr r="0" g="0" b="0"/>
+      </a:lnRef>
+      <a:fillRef idx="1">
+        <a:scrgbClr r="0" g="0" b="0"/>
+      </a:fillRef>
+      <a:effectRef idx="0">
+        <a:scrgbClr r="0" g="0" b="0"/>
+      </a:effectRef>
+      <a:fontRef idx="minor"/>
+    </dgm:style>
+  </dgm:styleLbl>
+  <dgm:styleLbl name="bgAccFollowNode1">
+    <dgm:scene3d>
+      <a:camera prst="orthographicFront"/>
+      <a:lightRig rig="threePt" dir="t"/>
+    </dgm:scene3d>
+    <dgm:sp3d/>
+    <dgm:txPr/>
+    <dgm:style>
+      <a:lnRef idx="2">
+        <a:scrgbClr r="0" g="0" b="0"/>
+      </a:lnRef>
+      <a:fillRef idx="1">
+        <a:scrgbClr r="0" g="0" b="0"/>
+      </a:fillRef>
+      <a:effectRef idx="0">
+        <a:scrgbClr r="0" g="0" b="0"/>
+      </a:effectRef>
+      <a:fontRef idx="minor"/>
+    </dgm:style>
+  </dgm:styleLbl>
+  <dgm:styleLbl name="fgAcc0">
+    <dgm:scene3d>
+      <a:camera prst="orthographicFront"/>
+      <a:lightRig rig="threePt" dir="t"/>
+    </dgm:scene3d>
+    <dgm:sp3d/>
+    <dgm:txPr/>
+    <dgm:style>
+      <a:lnRef idx="2">
+        <a:scrgbClr r="0" g="0" b="0"/>
+      </a:lnRef>
+      <a:fillRef idx="1">
+        <a:scrgbClr r="0" g="0" b="0"/>
+      </a:fillRef>
+      <a:effectRef idx="0">
+        <a:scrgbClr r="0" g="0" b="0"/>
+      </a:effectRef>
+      <a:fontRef idx="minor"/>
+    </dgm:style>
+  </dgm:styleLbl>
+  <dgm:styleLbl name="fgAcc2">
+    <dgm:scene3d>
+      <a:camera prst="orthographicFront"/>
+      <a:lightRig rig="threePt" dir="t"/>
+    </dgm:scene3d>
+    <dgm:sp3d/>
+    <dgm:txPr/>
+    <dgm:style>
+      <a:lnRef idx="2">
+        <a:scrgbClr r="0" g="0" b="0"/>
+      </a:lnRef>
+      <a:fillRef idx="1">
+        <a:scrgbClr r="0" g="0" b="0"/>
+      </a:fillRef>
+      <a:effectRef idx="0">
+        <a:scrgbClr r="0" g="0" b="0"/>
+      </a:effectRef>
+      <a:fontRef idx="minor"/>
+    </dgm:style>
+  </dgm:styleLbl>
+  <dgm:styleLbl name="fgAcc3">
+    <dgm:scene3d>
+      <a:camera prst="orthographicFront"/>
+      <a:lightRig rig="threePt" dir="t"/>
+    </dgm:scene3d>
+    <dgm:sp3d/>
+    <dgm:txPr/>
+    <dgm:style>
+      <a:lnRef idx="2">
+        <a:scrgbClr r="0" g="0" b="0"/>
+      </a:lnRef>
+      <a:fillRef idx="1">
+        <a:scrgbClr r="0" g="0" b="0"/>
+      </a:fillRef>
+      <a:effectRef idx="0">
+        <a:scrgbClr r="0" g="0" b="0"/>
+      </a:effectRef>
+      <a:fontRef idx="minor"/>
+    </dgm:style>
+  </dgm:styleLbl>
+  <dgm:styleLbl name="fgAcc4">
+    <dgm:scene3d>
+      <a:camera prst="orthographicFront"/>
+      <a:lightRig rig="threePt" dir="t"/>
+    </dgm:scene3d>
+    <dgm:sp3d/>
+    <dgm:txPr/>
+    <dgm:style>
+      <a:lnRef idx="2">
+        <a:scrgbClr r="0" g="0" b="0"/>
+      </a:lnRef>
+      <a:fillRef idx="1">
+        <a:scrgbClr r="0" g="0" b="0"/>
+      </a:fillRef>
+      <a:effectRef idx="0">
+        <a:scrgbClr r="0" g="0" b="0"/>
+      </a:effectRef>
+      <a:fontRef idx="minor"/>
+    </dgm:style>
+  </dgm:styleLbl>
+  <dgm:styleLbl name="bgShp">
+    <dgm:scene3d>
+      <a:camera prst="orthographicFront"/>
+      <a:lightRig rig="threePt" dir="t"/>
+    </dgm:scene3d>
+    <dgm:sp3d/>
+    <dgm:txPr/>
+    <dgm:style>
+      <a:lnRef idx="0">
+        <a:scrgbClr r="0" g="0" b="0"/>
+      </a:lnRef>
+      <a:fillRef idx="1">
+        <a:scrgbClr r="0" g="0" b="0"/>
+      </a:fillRef>
+      <a:effectRef idx="0">
+        <a:scrgbClr r="0" g="0" b="0"/>
+      </a:effectRef>
+      <a:fontRef idx="minor"/>
+    </dgm:style>
+  </dgm:styleLbl>
+  <dgm:styleLbl name="dkBgShp">
+    <dgm:scene3d>
+      <a:camera prst="orthographicFront"/>
+      <a:lightRig rig="threePt" dir="t"/>
+    </dgm:scene3d>
+    <dgm:sp3d/>
+    <dgm:txPr/>
+    <dgm:style>
+      <a:lnRef idx="0">
+        <a:scrgbClr r="0" g="0" b="0"/>
+      </a:lnRef>
+      <a:fillRef idx="1">
+        <a:scrgbClr r="0" g="0" b="0"/>
+      </a:fillRef>
+      <a:effectRef idx="0">
+        <a:scrgbClr r="0" g="0" b="0"/>
+      </a:effectRef>
+      <a:fontRef idx="minor"/>
+    </dgm:style>
+  </dgm:styleLbl>
+  <dgm:styleLbl name="trBgShp">
+    <dgm:scene3d>
+      <a:camera prst="orthographicFront"/>
+      <a:lightRig rig="threePt" dir="t"/>
+    </dgm:scene3d>
+    <dgm:sp3d/>
+    <dgm:txPr/>
+    <dgm:style>
+      <a:lnRef idx="0">
+        <a:scrgbClr r="0" g="0" b="0"/>
+      </a:lnRef>
+      <a:fillRef idx="1">
+        <a:scrgbClr r="0" g="0" b="0"/>
+      </a:fillRef>
+      <a:effectRef idx="0">
+        <a:scrgbClr r="0" g="0" b="0"/>
+      </a:effectRef>
+      <a:fontRef idx="minor"/>
+    </dgm:style>
+  </dgm:styleLbl>
+  <dgm:styleLbl name="fgShp">
+    <dgm:scene3d>
+      <a:camera prst="orthographicFront"/>
+      <a:lightRig rig="threePt" dir="t"/>
+    </dgm:scene3d>
+    <dgm:sp3d/>
+    <dgm:txPr/>
+    <dgm:style>
+      <a:lnRef idx="2">
+        <a:scrgbClr r="0" g="0" b="0"/>
+      </a:lnRef>
+      <a:fillRef idx="1">
+        <a:scrgbClr r="0" g="0" b="0"/>
+      </a:fillRef>
+      <a:effectRef idx="0">
+        <a:scrgbClr r="0" g="0" b="0"/>
+      </a:effectRef>
+      <a:fontRef idx="minor"/>
+    </dgm:style>
+  </dgm:styleLbl>
+  <dgm:styleLbl name="revTx">
+    <dgm:scene3d>
+      <a:camera prst="orthographicFront"/>
+      <a:lightRig rig="threePt" dir="t"/>
+    </dgm:scene3d>
+    <dgm:sp3d/>
+    <dgm:txPr/>
+    <dgm:style>
+      <a:lnRef idx="0">
+        <a:scrgbClr r="0" g="0" b="0"/>
+      </a:lnRef>
+      <a:fillRef idx="0">
+        <a:scrgbClr r="0" g="0" b="0"/>
+      </a:fillRef>
+      <a:effectRef idx="0">
+        <a:scrgbClr r="0" g="0" b="0"/>
+      </a:effectRef>
+      <a:fontRef idx="minor"/>
+    </dgm:style>
+  </dgm:styleLbl>
+</dgm:styleDef>
+</file>
+
+<file path=ppt/diagrams/quickStyle6.xml><?xml version="1.0" encoding="utf-8"?>
 <dgm:styleDef xmlns:dgm="http://schemas.openxmlformats.org/drawingml/2006/diagram" xmlns:a="http://schemas.openxmlformats.org/drawingml/2006/main" uniqueId="urn:microsoft.com/office/officeart/2005/8/quickstyle/simple1">
   <dgm:title val=""/>
   <dgm:desc val=""/>
@@ -19804,7 +22463,7 @@
       </cdr:nvSpPr>
       <cdr:spPr>
         <a:xfrm xmlns:a="http://schemas.openxmlformats.org/drawingml/2006/main">
-          <a:off x="377710" y="2053035"/>
+          <a:off x="377716" y="2053024"/>
           <a:ext cx="3235181" cy="1015663"/>
         </a:xfrm>
         <a:prstGeom xmlns:a="http://schemas.openxmlformats.org/drawingml/2006/main" prst="rect">
@@ -19948,7 +22607,27 @@
                 </a:schemeClr>
               </a:solidFill>
             </a:rPr>
-            <a:t>capacity utilized: ~35% </a:t>
+            <a:t>capacity utilized: ~</a:t>
+          </a:r>
+          <a:r>
+            <a:rPr lang="pl-PL" sz="2400" dirty="0">
+              <a:solidFill>
+                <a:schemeClr val="tx1">
+                  <a:lumMod val="50000"/>
+                </a:schemeClr>
+              </a:solidFill>
+            </a:rPr>
+            <a:t>50</a:t>
+          </a:r>
+          <a:r>
+            <a:rPr lang="en-US" sz="2400" dirty="0">
+              <a:solidFill>
+                <a:schemeClr val="tx1">
+                  <a:lumMod val="50000"/>
+                </a:schemeClr>
+              </a:solidFill>
+            </a:rPr>
+            <a:t>% </a:t>
           </a:r>
         </a:p>
       </cdr:txBody>
@@ -20039,7 +22718,7 @@
           <a:p>
             <a:fld id="{6D9EE66E-0075-4EC7-AFEF-A844E5107398}" type="datetimeFigureOut">
               <a:rPr lang="en-US" smtClean="0"/>
-              <a:t>03-Jan-18</a:t>
+              <a:t>04-Jan-18</a:t>
             </a:fld>
             <a:endParaRPr lang="en-US" dirty="0"/>
           </a:p>
@@ -20518,7 +23197,7 @@
           <a:bodyPr/>
           <a:lstStyle/>
           <a:p>
-            <a:endParaRPr lang="en-US" dirty="0"/>
+            <a:endParaRPr lang="pl-PL" dirty="0"/>
           </a:p>
         </p:txBody>
       </p:sp>
@@ -20548,7 +23227,7 @@
     </p:spTree>
     <p:extLst>
       <p:ext uri="{BB962C8B-B14F-4D97-AF65-F5344CB8AC3E}">
-        <p14:creationId xmlns:p14="http://schemas.microsoft.com/office/powerpoint/2010/main" val="2103470325"/>
+        <p14:creationId xmlns:p14="http://schemas.microsoft.com/office/powerpoint/2010/main" val="3280309968"/>
       </p:ext>
     </p:extLst>
   </p:cSld>
@@ -20623,7 +23302,91 @@
           <a:p>
             <a:fld id="{0028CEC6-6647-4E08-96EC-6F66E0D22DB5}" type="slidenum">
               <a:rPr lang="en-US" smtClean="0"/>
-              <a:t>30</a:t>
+              <a:t>27</a:t>
+            </a:fld>
+            <a:endParaRPr lang="en-US" dirty="0"/>
+          </a:p>
+        </p:txBody>
+      </p:sp>
+    </p:spTree>
+    <p:extLst>
+      <p:ext uri="{BB962C8B-B14F-4D97-AF65-F5344CB8AC3E}">
+        <p14:creationId xmlns:p14="http://schemas.microsoft.com/office/powerpoint/2010/main" val="2103470325"/>
+      </p:ext>
+    </p:extLst>
+  </p:cSld>
+  <p:clrMapOvr>
+    <a:masterClrMapping/>
+  </p:clrMapOvr>
+</p:notes>
+</file>
+
+<file path=ppt/notesSlides/notesSlide13.xml><?xml version="1.0" encoding="utf-8"?>
+<p:notes xmlns:a="http://schemas.openxmlformats.org/drawingml/2006/main" xmlns:r="http://schemas.openxmlformats.org/officeDocument/2006/relationships" xmlns:p="http://schemas.openxmlformats.org/presentationml/2006/main">
+  <p:cSld>
+    <p:spTree>
+      <p:nvGrpSpPr>
+        <p:cNvPr id="1" name=""/>
+        <p:cNvGrpSpPr/>
+        <p:nvPr/>
+      </p:nvGrpSpPr>
+      <p:grpSpPr>
+        <a:xfrm>
+          <a:off x="0" y="0"/>
+          <a:ext cx="0" cy="0"/>
+          <a:chOff x="0" y="0"/>
+          <a:chExt cx="0" cy="0"/>
+        </a:xfrm>
+      </p:grpSpPr>
+      <p:sp>
+        <p:nvSpPr>
+          <p:cNvPr id="2" name="Slide Image Placeholder 1"/>
+          <p:cNvSpPr>
+            <a:spLocks noGrp="1" noRot="1" noChangeAspect="1"/>
+          </p:cNvSpPr>
+          <p:nvPr>
+            <p:ph type="sldImg"/>
+          </p:nvPr>
+        </p:nvSpPr>
+        <p:spPr/>
+      </p:sp>
+      <p:sp>
+        <p:nvSpPr>
+          <p:cNvPr id="3" name="Notes Placeholder 2"/>
+          <p:cNvSpPr>
+            <a:spLocks noGrp="1"/>
+          </p:cNvSpPr>
+          <p:nvPr>
+            <p:ph type="body" idx="1"/>
+          </p:nvPr>
+        </p:nvSpPr>
+        <p:spPr/>
+        <p:txBody>
+          <a:bodyPr/>
+          <a:lstStyle/>
+          <a:p>
+            <a:endParaRPr lang="en-US" dirty="0"/>
+          </a:p>
+        </p:txBody>
+      </p:sp>
+      <p:sp>
+        <p:nvSpPr>
+          <p:cNvPr id="4" name="Slide Number Placeholder 3"/>
+          <p:cNvSpPr>
+            <a:spLocks noGrp="1"/>
+          </p:cNvSpPr>
+          <p:nvPr>
+            <p:ph type="sldNum" sz="quarter" idx="10"/>
+          </p:nvPr>
+        </p:nvSpPr>
+        <p:spPr/>
+        <p:txBody>
+          <a:bodyPr/>
+          <a:lstStyle/>
+          <a:p>
+            <a:fld id="{0028CEC6-6647-4E08-96EC-6F66E0D22DB5}" type="slidenum">
+              <a:rPr lang="en-US" smtClean="0"/>
+              <a:t>31</a:t>
             </a:fld>
             <a:endParaRPr lang="en-US" dirty="0"/>
           </a:p>
@@ -20633,6 +23396,90 @@
     <p:extLst>
       <p:ext uri="{BB962C8B-B14F-4D97-AF65-F5344CB8AC3E}">
         <p14:creationId xmlns:p14="http://schemas.microsoft.com/office/powerpoint/2010/main" val="1676793220"/>
+      </p:ext>
+    </p:extLst>
+  </p:cSld>
+  <p:clrMapOvr>
+    <a:masterClrMapping/>
+  </p:clrMapOvr>
+</p:notes>
+</file>
+
+<file path=ppt/notesSlides/notesSlide14.xml><?xml version="1.0" encoding="utf-8"?>
+<p:notes xmlns:a="http://schemas.openxmlformats.org/drawingml/2006/main" xmlns:r="http://schemas.openxmlformats.org/officeDocument/2006/relationships" xmlns:p="http://schemas.openxmlformats.org/presentationml/2006/main">
+  <p:cSld>
+    <p:spTree>
+      <p:nvGrpSpPr>
+        <p:cNvPr id="1" name=""/>
+        <p:cNvGrpSpPr/>
+        <p:nvPr/>
+      </p:nvGrpSpPr>
+      <p:grpSpPr>
+        <a:xfrm>
+          <a:off x="0" y="0"/>
+          <a:ext cx="0" cy="0"/>
+          <a:chOff x="0" y="0"/>
+          <a:chExt cx="0" cy="0"/>
+        </a:xfrm>
+      </p:grpSpPr>
+      <p:sp>
+        <p:nvSpPr>
+          <p:cNvPr id="2" name="Slide Image Placeholder 1"/>
+          <p:cNvSpPr>
+            <a:spLocks noGrp="1" noRot="1" noChangeAspect="1"/>
+          </p:cNvSpPr>
+          <p:nvPr>
+            <p:ph type="sldImg"/>
+          </p:nvPr>
+        </p:nvSpPr>
+        <p:spPr/>
+      </p:sp>
+      <p:sp>
+        <p:nvSpPr>
+          <p:cNvPr id="3" name="Notes Placeholder 2"/>
+          <p:cNvSpPr>
+            <a:spLocks noGrp="1"/>
+          </p:cNvSpPr>
+          <p:nvPr>
+            <p:ph type="body" idx="1"/>
+          </p:nvPr>
+        </p:nvSpPr>
+        <p:spPr/>
+        <p:txBody>
+          <a:bodyPr/>
+          <a:lstStyle/>
+          <a:p>
+            <a:endParaRPr lang="pl-PL" dirty="0"/>
+          </a:p>
+        </p:txBody>
+      </p:sp>
+      <p:sp>
+        <p:nvSpPr>
+          <p:cNvPr id="4" name="Slide Number Placeholder 3"/>
+          <p:cNvSpPr>
+            <a:spLocks noGrp="1"/>
+          </p:cNvSpPr>
+          <p:nvPr>
+            <p:ph type="sldNum" sz="quarter" idx="10"/>
+          </p:nvPr>
+        </p:nvSpPr>
+        <p:spPr/>
+        <p:txBody>
+          <a:bodyPr/>
+          <a:lstStyle/>
+          <a:p>
+            <a:fld id="{0028CEC6-6647-4E08-96EC-6F66E0D22DB5}" type="slidenum">
+              <a:rPr lang="en-US" smtClean="0"/>
+              <a:t>33</a:t>
+            </a:fld>
+            <a:endParaRPr lang="en-US" dirty="0"/>
+          </a:p>
+        </p:txBody>
+      </p:sp>
+    </p:spTree>
+    <p:extLst>
+      <p:ext uri="{BB962C8B-B14F-4D97-AF65-F5344CB8AC3E}">
+        <p14:creationId xmlns:p14="http://schemas.microsoft.com/office/powerpoint/2010/main" val="1567972484"/>
       </p:ext>
     </p:extLst>
   </p:cSld>
@@ -21399,7 +24246,7 @@
             </a:ln>
             <a:extLst>
               <a:ext uri="{91240B29-F687-4f45-9708-019B960494DF}">
-                <a14:hiddenLine xmlns:a14="http://schemas.microsoft.com/office/drawing/2010/main" xmlns="" w="9525">
+                <a14:hiddenLine xmlns="" xmlns:a14="http://schemas.microsoft.com/office/drawing/2010/main" w="9525">
                   <a:solidFill>
                     <a:srgbClr val="000000"/>
                   </a:solidFill>
@@ -21489,7 +24336,7 @@
             </a:ln>
             <a:extLst>
               <a:ext uri="{91240B29-F687-4f45-9708-019B960494DF}">
-                <a14:hiddenLine xmlns:a14="http://schemas.microsoft.com/office/drawing/2010/main" xmlns="" w="9525">
+                <a14:hiddenLine xmlns="" xmlns:a14="http://schemas.microsoft.com/office/drawing/2010/main" w="9525">
                   <a:solidFill>
                     <a:srgbClr val="000000"/>
                   </a:solidFill>
@@ -21579,7 +24426,7 @@
             </a:ln>
             <a:extLst>
               <a:ext uri="{91240B29-F687-4f45-9708-019B960494DF}">
-                <a14:hiddenLine xmlns:a14="http://schemas.microsoft.com/office/drawing/2010/main" xmlns="" w="9525">
+                <a14:hiddenLine xmlns="" xmlns:a14="http://schemas.microsoft.com/office/drawing/2010/main" w="9525">
                   <a:solidFill>
                     <a:srgbClr val="000000"/>
                   </a:solidFill>
@@ -21613,7 +24460,7 @@
             </a:ln>
             <a:extLst>
               <a:ext uri="{91240B29-F687-4f45-9708-019B960494DF}">
-                <a14:hiddenLine xmlns:a14="http://schemas.microsoft.com/office/drawing/2010/main" xmlns="" w="9525">
+                <a14:hiddenLine xmlns="" xmlns:a14="http://schemas.microsoft.com/office/drawing/2010/main" w="9525">
                   <a:solidFill>
                     <a:srgbClr val="000000"/>
                   </a:solidFill>
@@ -21703,7 +24550,7 @@
             </a:ln>
             <a:extLst>
               <a:ext uri="{91240B29-F687-4f45-9708-019B960494DF}">
-                <a14:hiddenLine xmlns:a14="http://schemas.microsoft.com/office/drawing/2010/main" xmlns="" w="9525">
+                <a14:hiddenLine xmlns="" xmlns:a14="http://schemas.microsoft.com/office/drawing/2010/main" w="9525">
                   <a:solidFill>
                     <a:srgbClr val="000000"/>
                   </a:solidFill>
@@ -21765,7 +24612,7 @@
             </a:ln>
             <a:extLst>
               <a:ext uri="{91240B29-F687-4f45-9708-019B960494DF}">
-                <a14:hiddenLine xmlns:a14="http://schemas.microsoft.com/office/drawing/2010/main" xmlns="" w="9525">
+                <a14:hiddenLine xmlns="" xmlns:a14="http://schemas.microsoft.com/office/drawing/2010/main" w="9525">
                   <a:solidFill>
                     <a:srgbClr val="000000"/>
                   </a:solidFill>
@@ -21827,7 +24674,7 @@
             </a:ln>
             <a:extLst>
               <a:ext uri="{91240B29-F687-4f45-9708-019B960494DF}">
-                <a14:hiddenLine xmlns:a14="http://schemas.microsoft.com/office/drawing/2010/main" xmlns="" w="9525">
+                <a14:hiddenLine xmlns="" xmlns:a14="http://schemas.microsoft.com/office/drawing/2010/main" w="9525">
                   <a:solidFill>
                     <a:srgbClr val="000000"/>
                   </a:solidFill>
@@ -21917,7 +24764,7 @@
             </a:ln>
             <a:extLst>
               <a:ext uri="{91240B29-F687-4f45-9708-019B960494DF}">
-                <a14:hiddenLine xmlns:a14="http://schemas.microsoft.com/office/drawing/2010/main" xmlns="" w="9525">
+                <a14:hiddenLine xmlns="" xmlns:a14="http://schemas.microsoft.com/office/drawing/2010/main" w="9525">
                   <a:solidFill>
                     <a:srgbClr val="000000"/>
                   </a:solidFill>
@@ -21979,7 +24826,7 @@
             </a:ln>
             <a:extLst>
               <a:ext uri="{91240B29-F687-4f45-9708-019B960494DF}">
-                <a14:hiddenLine xmlns:a14="http://schemas.microsoft.com/office/drawing/2010/main" xmlns="" w="9525">
+                <a14:hiddenLine xmlns="" xmlns:a14="http://schemas.microsoft.com/office/drawing/2010/main" w="9525">
                   <a:solidFill>
                     <a:srgbClr val="000000"/>
                   </a:solidFill>
@@ -22041,7 +24888,7 @@
             </a:ln>
             <a:extLst>
               <a:ext uri="{91240B29-F687-4f45-9708-019B960494DF}">
-                <a14:hiddenLine xmlns:a14="http://schemas.microsoft.com/office/drawing/2010/main" xmlns="" w="9525">
+                <a14:hiddenLine xmlns="" xmlns:a14="http://schemas.microsoft.com/office/drawing/2010/main" w="9525">
                   <a:solidFill>
                     <a:srgbClr val="000000"/>
                   </a:solidFill>
@@ -22131,7 +24978,7 @@
             </a:ln>
             <a:extLst>
               <a:ext uri="{91240B29-F687-4f45-9708-019B960494DF}">
-                <a14:hiddenLine xmlns:a14="http://schemas.microsoft.com/office/drawing/2010/main" xmlns="" w="9525">
+                <a14:hiddenLine xmlns="" xmlns:a14="http://schemas.microsoft.com/office/drawing/2010/main" w="9525">
                   <a:solidFill>
                     <a:srgbClr val="000000"/>
                   </a:solidFill>
@@ -22221,7 +25068,7 @@
             </a:ln>
             <a:extLst>
               <a:ext uri="{91240B29-F687-4f45-9708-019B960494DF}">
-                <a14:hiddenLine xmlns:a14="http://schemas.microsoft.com/office/drawing/2010/main" xmlns="" w="9525">
+                <a14:hiddenLine xmlns="" xmlns:a14="http://schemas.microsoft.com/office/drawing/2010/main" w="9525">
                   <a:solidFill>
                     <a:srgbClr val="000000"/>
                   </a:solidFill>
@@ -22283,7 +25130,7 @@
             </a:ln>
             <a:extLst>
               <a:ext uri="{91240B29-F687-4f45-9708-019B960494DF}">
-                <a14:hiddenLine xmlns:a14="http://schemas.microsoft.com/office/drawing/2010/main" xmlns="" w="9525">
+                <a14:hiddenLine xmlns="" xmlns:a14="http://schemas.microsoft.com/office/drawing/2010/main" w="9525">
                   <a:solidFill>
                     <a:srgbClr val="000000"/>
                   </a:solidFill>
@@ -22393,7 +25240,7 @@
             </a:ln>
             <a:extLst>
               <a:ext uri="{91240B29-F687-4f45-9708-019B960494DF}">
-                <a14:hiddenLine xmlns:a14="http://schemas.microsoft.com/office/drawing/2010/main" xmlns="" w="9525">
+                <a14:hiddenLine xmlns="" xmlns:a14="http://schemas.microsoft.com/office/drawing/2010/main" w="9525">
                   <a:solidFill>
                     <a:srgbClr val="000000"/>
                   </a:solidFill>
@@ -22455,7 +25302,7 @@
             </a:ln>
             <a:extLst>
               <a:ext uri="{91240B29-F687-4f45-9708-019B960494DF}">
-                <a14:hiddenLine xmlns:a14="http://schemas.microsoft.com/office/drawing/2010/main" xmlns="" w="9525">
+                <a14:hiddenLine xmlns="" xmlns:a14="http://schemas.microsoft.com/office/drawing/2010/main" w="9525">
                   <a:solidFill>
                     <a:srgbClr val="000000"/>
                   </a:solidFill>
@@ -22545,7 +25392,7 @@
             </a:ln>
             <a:extLst>
               <a:ext uri="{91240B29-F687-4f45-9708-019B960494DF}">
-                <a14:hiddenLine xmlns:a14="http://schemas.microsoft.com/office/drawing/2010/main" xmlns="" w="9525">
+                <a14:hiddenLine xmlns="" xmlns:a14="http://schemas.microsoft.com/office/drawing/2010/main" w="9525">
                   <a:solidFill>
                     <a:srgbClr val="000000"/>
                   </a:solidFill>
@@ -22635,7 +25482,7 @@
             </a:ln>
             <a:extLst>
               <a:ext uri="{91240B29-F687-4f45-9708-019B960494DF}">
-                <a14:hiddenLine xmlns:a14="http://schemas.microsoft.com/office/drawing/2010/main" xmlns="" w="9525">
+                <a14:hiddenLine xmlns="" xmlns:a14="http://schemas.microsoft.com/office/drawing/2010/main" w="9525">
                   <a:solidFill>
                     <a:srgbClr val="000000"/>
                   </a:solidFill>
@@ -22697,7 +25544,7 @@
             </a:ln>
             <a:extLst>
               <a:ext uri="{91240B29-F687-4f45-9708-019B960494DF}">
-                <a14:hiddenLine xmlns:a14="http://schemas.microsoft.com/office/drawing/2010/main" xmlns="" w="9525">
+                <a14:hiddenLine xmlns="" xmlns:a14="http://schemas.microsoft.com/office/drawing/2010/main" w="9525">
                   <a:solidFill>
                     <a:srgbClr val="000000"/>
                   </a:solidFill>
@@ -22787,7 +25634,7 @@
             </a:ln>
             <a:extLst>
               <a:ext uri="{91240B29-F687-4f45-9708-019B960494DF}">
-                <a14:hiddenLine xmlns:a14="http://schemas.microsoft.com/office/drawing/2010/main" xmlns="" w="9525">
+                <a14:hiddenLine xmlns="" xmlns:a14="http://schemas.microsoft.com/office/drawing/2010/main" w="9525">
                   <a:solidFill>
                     <a:srgbClr val="000000"/>
                   </a:solidFill>
@@ -22877,7 +25724,7 @@
             </a:ln>
             <a:extLst>
               <a:ext uri="{91240B29-F687-4f45-9708-019B960494DF}">
-                <a14:hiddenLine xmlns:a14="http://schemas.microsoft.com/office/drawing/2010/main" xmlns="" w="9525">
+                <a14:hiddenLine xmlns="" xmlns:a14="http://schemas.microsoft.com/office/drawing/2010/main" w="9525">
                   <a:solidFill>
                     <a:srgbClr val="000000"/>
                   </a:solidFill>
@@ -22933,7 +25780,7 @@
             </a:ln>
             <a:extLst>
               <a:ext uri="{91240B29-F687-4f45-9708-019B960494DF}">
-                <a14:hiddenLine xmlns:a14="http://schemas.microsoft.com/office/drawing/2010/main" xmlns="" w="9525">
+                <a14:hiddenLine xmlns="" xmlns:a14="http://schemas.microsoft.com/office/drawing/2010/main" w="9525">
                   <a:solidFill>
                     <a:srgbClr val="000000"/>
                   </a:solidFill>
@@ -23023,7 +25870,7 @@
             </a:ln>
             <a:extLst>
               <a:ext uri="{91240B29-F687-4f45-9708-019B960494DF}">
-                <a14:hiddenLine xmlns:a14="http://schemas.microsoft.com/office/drawing/2010/main" xmlns="" w="9525">
+                <a14:hiddenLine xmlns="" xmlns:a14="http://schemas.microsoft.com/office/drawing/2010/main" w="9525">
                   <a:solidFill>
                     <a:srgbClr val="000000"/>
                   </a:solidFill>
@@ -23079,7 +25926,7 @@
             </a:ln>
             <a:extLst>
               <a:ext uri="{91240B29-F687-4f45-9708-019B960494DF}">
-                <a14:hiddenLine xmlns:a14="http://schemas.microsoft.com/office/drawing/2010/main" xmlns="" w="9525">
+                <a14:hiddenLine xmlns="" xmlns:a14="http://schemas.microsoft.com/office/drawing/2010/main" w="9525">
                   <a:solidFill>
                     <a:srgbClr val="000000"/>
                   </a:solidFill>
@@ -23169,7 +26016,7 @@
             </a:ln>
             <a:extLst>
               <a:ext uri="{91240B29-F687-4f45-9708-019B960494DF}">
-                <a14:hiddenLine xmlns:a14="http://schemas.microsoft.com/office/drawing/2010/main" xmlns="" w="9525">
+                <a14:hiddenLine xmlns="" xmlns:a14="http://schemas.microsoft.com/office/drawing/2010/main" w="9525">
                   <a:solidFill>
                     <a:srgbClr val="000000"/>
                   </a:solidFill>
@@ -23237,7 +26084,7 @@
             </a:ln>
             <a:extLst>
               <a:ext uri="{91240B29-F687-4f45-9708-019B960494DF}">
-                <a14:hiddenLine xmlns:a14="http://schemas.microsoft.com/office/drawing/2010/main" xmlns="" w="9525">
+                <a14:hiddenLine xmlns="" xmlns:a14="http://schemas.microsoft.com/office/drawing/2010/main" w="9525">
                   <a:solidFill>
                     <a:srgbClr val="000000"/>
                   </a:solidFill>
@@ -23327,7 +26174,7 @@
             </a:ln>
             <a:extLst>
               <a:ext uri="{91240B29-F687-4f45-9708-019B960494DF}">
-                <a14:hiddenLine xmlns:a14="http://schemas.microsoft.com/office/drawing/2010/main" xmlns="" w="9525">
+                <a14:hiddenLine xmlns="" xmlns:a14="http://schemas.microsoft.com/office/drawing/2010/main" w="9525">
                   <a:solidFill>
                     <a:srgbClr val="000000"/>
                   </a:solidFill>
@@ -23395,7 +26242,7 @@
             </a:ln>
             <a:extLst>
               <a:ext uri="{91240B29-F687-4f45-9708-019B960494DF}">
-                <a14:hiddenLine xmlns:a14="http://schemas.microsoft.com/office/drawing/2010/main" xmlns="" w="9525">
+                <a14:hiddenLine xmlns="" xmlns:a14="http://schemas.microsoft.com/office/drawing/2010/main" w="9525">
                   <a:solidFill>
                     <a:srgbClr val="000000"/>
                   </a:solidFill>
@@ -23485,7 +26332,7 @@
             </a:ln>
             <a:extLst>
               <a:ext uri="{91240B29-F687-4f45-9708-019B960494DF}">
-                <a14:hiddenLine xmlns:a14="http://schemas.microsoft.com/office/drawing/2010/main" xmlns="" w="9525">
+                <a14:hiddenLine xmlns="" xmlns:a14="http://schemas.microsoft.com/office/drawing/2010/main" w="9525">
                   <a:solidFill>
                     <a:srgbClr val="000000"/>
                   </a:solidFill>
@@ -23519,7 +26366,7 @@
             </a:ln>
             <a:extLst>
               <a:ext uri="{91240B29-F687-4f45-9708-019B960494DF}">
-                <a14:hiddenLine xmlns:a14="http://schemas.microsoft.com/office/drawing/2010/main" xmlns="" w="9525">
+                <a14:hiddenLine xmlns="" xmlns:a14="http://schemas.microsoft.com/office/drawing/2010/main" w="9525">
                   <a:solidFill>
                     <a:srgbClr val="000000"/>
                   </a:solidFill>
@@ -23609,7 +26456,7 @@
             </a:ln>
             <a:extLst>
               <a:ext uri="{91240B29-F687-4f45-9708-019B960494DF}">
-                <a14:hiddenLine xmlns:a14="http://schemas.microsoft.com/office/drawing/2010/main" xmlns="" w="9525">
+                <a14:hiddenLine xmlns="" xmlns:a14="http://schemas.microsoft.com/office/drawing/2010/main" w="9525">
                   <a:solidFill>
                     <a:srgbClr val="000000"/>
                   </a:solidFill>
@@ -23671,7 +26518,7 @@
             </a:ln>
             <a:extLst>
               <a:ext uri="{91240B29-F687-4f45-9708-019B960494DF}">
-                <a14:hiddenLine xmlns:a14="http://schemas.microsoft.com/office/drawing/2010/main" xmlns="" w="9525">
+                <a14:hiddenLine xmlns="" xmlns:a14="http://schemas.microsoft.com/office/drawing/2010/main" w="9525">
                   <a:solidFill>
                     <a:srgbClr val="000000"/>
                   </a:solidFill>
@@ -23733,7 +26580,7 @@
             </a:ln>
             <a:extLst>
               <a:ext uri="{91240B29-F687-4f45-9708-019B960494DF}">
-                <a14:hiddenLine xmlns:a14="http://schemas.microsoft.com/office/drawing/2010/main" xmlns="" w="9525">
+                <a14:hiddenLine xmlns="" xmlns:a14="http://schemas.microsoft.com/office/drawing/2010/main" w="9525">
                   <a:solidFill>
                     <a:srgbClr val="000000"/>
                   </a:solidFill>
@@ -23823,7 +26670,7 @@
             </a:ln>
             <a:extLst>
               <a:ext uri="{91240B29-F687-4f45-9708-019B960494DF}">
-                <a14:hiddenLine xmlns:a14="http://schemas.microsoft.com/office/drawing/2010/main" xmlns="" w="9525">
+                <a14:hiddenLine xmlns="" xmlns:a14="http://schemas.microsoft.com/office/drawing/2010/main" w="9525">
                   <a:solidFill>
                     <a:srgbClr val="000000"/>
                   </a:solidFill>
@@ -23891,7 +26738,7 @@
             </a:ln>
             <a:extLst>
               <a:ext uri="{91240B29-F687-4f45-9708-019B960494DF}">
-                <a14:hiddenLine xmlns:a14="http://schemas.microsoft.com/office/drawing/2010/main" xmlns="" w="9525">
+                <a14:hiddenLine xmlns="" xmlns:a14="http://schemas.microsoft.com/office/drawing/2010/main" w="9525">
                   <a:solidFill>
                     <a:srgbClr val="000000"/>
                   </a:solidFill>
@@ -23953,7 +26800,7 @@
             </a:ln>
             <a:extLst>
               <a:ext uri="{91240B29-F687-4f45-9708-019B960494DF}">
-                <a14:hiddenLine xmlns:a14="http://schemas.microsoft.com/office/drawing/2010/main" xmlns="" w="9525">
+                <a14:hiddenLine xmlns="" xmlns:a14="http://schemas.microsoft.com/office/drawing/2010/main" w="9525">
                   <a:solidFill>
                     <a:srgbClr val="000000"/>
                   </a:solidFill>
@@ -24043,7 +26890,7 @@
             </a:ln>
             <a:extLst>
               <a:ext uri="{91240B29-F687-4f45-9708-019B960494DF}">
-                <a14:hiddenLine xmlns:a14="http://schemas.microsoft.com/office/drawing/2010/main" xmlns="" w="9525">
+                <a14:hiddenLine xmlns="" xmlns:a14="http://schemas.microsoft.com/office/drawing/2010/main" w="9525">
                   <a:solidFill>
                     <a:srgbClr val="000000"/>
                   </a:solidFill>
@@ -24105,7 +26952,7 @@
             </a:ln>
             <a:extLst>
               <a:ext uri="{91240B29-F687-4f45-9708-019B960494DF}">
-                <a14:hiddenLine xmlns:a14="http://schemas.microsoft.com/office/drawing/2010/main" xmlns="" w="9525">
+                <a14:hiddenLine xmlns="" xmlns:a14="http://schemas.microsoft.com/office/drawing/2010/main" w="9525">
                   <a:solidFill>
                     <a:srgbClr val="000000"/>
                   </a:solidFill>
@@ -24195,7 +27042,7 @@
             </a:ln>
             <a:extLst>
               <a:ext uri="{91240B29-F687-4f45-9708-019B960494DF}">
-                <a14:hiddenLine xmlns:a14="http://schemas.microsoft.com/office/drawing/2010/main" xmlns="" w="9525">
+                <a14:hiddenLine xmlns="" xmlns:a14="http://schemas.microsoft.com/office/drawing/2010/main" w="9525">
                   <a:solidFill>
                     <a:srgbClr val="000000"/>
                   </a:solidFill>
@@ -24257,7 +27104,7 @@
             </a:ln>
             <a:extLst>
               <a:ext uri="{91240B29-F687-4f45-9708-019B960494DF}">
-                <a14:hiddenLine xmlns:a14="http://schemas.microsoft.com/office/drawing/2010/main" xmlns="" w="9525">
+                <a14:hiddenLine xmlns="" xmlns:a14="http://schemas.microsoft.com/office/drawing/2010/main" w="9525">
                   <a:solidFill>
                     <a:srgbClr val="000000"/>
                   </a:solidFill>
@@ -24347,7 +27194,7 @@
             </a:ln>
             <a:extLst>
               <a:ext uri="{91240B29-F687-4f45-9708-019B960494DF}">
-                <a14:hiddenLine xmlns:a14="http://schemas.microsoft.com/office/drawing/2010/main" xmlns="" w="9525">
+                <a14:hiddenLine xmlns="" xmlns:a14="http://schemas.microsoft.com/office/drawing/2010/main" w="9525">
                   <a:solidFill>
                     <a:srgbClr val="000000"/>
                   </a:solidFill>
@@ -24381,7 +27228,7 @@
             </a:ln>
             <a:extLst>
               <a:ext uri="{91240B29-F687-4f45-9708-019B960494DF}">
-                <a14:hiddenLine xmlns:a14="http://schemas.microsoft.com/office/drawing/2010/main" xmlns="" w="9525">
+                <a14:hiddenLine xmlns="" xmlns:a14="http://schemas.microsoft.com/office/drawing/2010/main" w="9525">
                   <a:solidFill>
                     <a:srgbClr val="000000"/>
                   </a:solidFill>
@@ -24446,7 +27293,7 @@
             </a:ln>
             <a:extLst>
               <a:ext uri="{91240B29-F687-4f45-9708-019B960494DF}">
-                <a14:hiddenLine xmlns:a14="http://schemas.microsoft.com/office/drawing/2010/main" xmlns="" w="9525">
+                <a14:hiddenLine xmlns="" xmlns:a14="http://schemas.microsoft.com/office/drawing/2010/main" w="9525">
                   <a:solidFill>
                     <a:srgbClr val="000000"/>
                   </a:solidFill>
@@ -24536,7 +27383,7 @@
             </a:ln>
             <a:extLst>
               <a:ext uri="{91240B29-F687-4f45-9708-019B960494DF}">
-                <a14:hiddenLine xmlns:a14="http://schemas.microsoft.com/office/drawing/2010/main" xmlns="" w="9525">
+                <a14:hiddenLine xmlns="" xmlns:a14="http://schemas.microsoft.com/office/drawing/2010/main" w="9525">
                   <a:solidFill>
                     <a:srgbClr val="000000"/>
                   </a:solidFill>
@@ -24598,7 +27445,7 @@
             </a:ln>
             <a:extLst>
               <a:ext uri="{91240B29-F687-4f45-9708-019B960494DF}">
-                <a14:hiddenLine xmlns:a14="http://schemas.microsoft.com/office/drawing/2010/main" xmlns="" w="9525">
+                <a14:hiddenLine xmlns="" xmlns:a14="http://schemas.microsoft.com/office/drawing/2010/main" w="9525">
                   <a:solidFill>
                     <a:srgbClr val="000000"/>
                   </a:solidFill>
@@ -24688,7 +27535,7 @@
             </a:ln>
             <a:extLst>
               <a:ext uri="{91240B29-F687-4f45-9708-019B960494DF}">
-                <a14:hiddenLine xmlns:a14="http://schemas.microsoft.com/office/drawing/2010/main" xmlns="" w="9525">
+                <a14:hiddenLine xmlns="" xmlns:a14="http://schemas.microsoft.com/office/drawing/2010/main" w="9525">
                   <a:solidFill>
                     <a:srgbClr val="000000"/>
                   </a:solidFill>
@@ -24778,7 +27625,7 @@
             </a:ln>
             <a:extLst>
               <a:ext uri="{91240B29-F687-4f45-9708-019B960494DF}">
-                <a14:hiddenLine xmlns:a14="http://schemas.microsoft.com/office/drawing/2010/main" xmlns="" w="9525">
+                <a14:hiddenLine xmlns="" xmlns:a14="http://schemas.microsoft.com/office/drawing/2010/main" w="9525">
                   <a:solidFill>
                     <a:srgbClr val="000000"/>
                   </a:solidFill>
@@ -24843,7 +27690,7 @@
             </a:ln>
             <a:extLst>
               <a:ext uri="{91240B29-F687-4f45-9708-019B960494DF}">
-                <a14:hiddenLine xmlns:a14="http://schemas.microsoft.com/office/drawing/2010/main" xmlns="" w="9525">
+                <a14:hiddenLine xmlns="" xmlns:a14="http://schemas.microsoft.com/office/drawing/2010/main" w="9525">
                   <a:solidFill>
                     <a:srgbClr val="000000"/>
                   </a:solidFill>
@@ -24905,7 +27752,7 @@
             </a:ln>
             <a:extLst>
               <a:ext uri="{91240B29-F687-4f45-9708-019B960494DF}">
-                <a14:hiddenLine xmlns:a14="http://schemas.microsoft.com/office/drawing/2010/main" xmlns="" w="9525">
+                <a14:hiddenLine xmlns="" xmlns:a14="http://schemas.microsoft.com/office/drawing/2010/main" w="9525">
                   <a:solidFill>
                     <a:srgbClr val="000000"/>
                   </a:solidFill>
@@ -24995,7 +27842,7 @@
             </a:ln>
             <a:extLst>
               <a:ext uri="{91240B29-F687-4f45-9708-019B960494DF}">
-                <a14:hiddenLine xmlns:a14="http://schemas.microsoft.com/office/drawing/2010/main" xmlns="" w="9525">
+                <a14:hiddenLine xmlns="" xmlns:a14="http://schemas.microsoft.com/office/drawing/2010/main" w="9525">
                   <a:solidFill>
                     <a:srgbClr val="000000"/>
                   </a:solidFill>
@@ -25085,7 +27932,7 @@
             </a:ln>
             <a:extLst>
               <a:ext uri="{91240B29-F687-4f45-9708-019B960494DF}">
-                <a14:hiddenLine xmlns:a14="http://schemas.microsoft.com/office/drawing/2010/main" xmlns="" w="9525">
+                <a14:hiddenLine xmlns="" xmlns:a14="http://schemas.microsoft.com/office/drawing/2010/main" w="9525">
                   <a:solidFill>
                     <a:srgbClr val="000000"/>
                   </a:solidFill>
@@ -25147,7 +27994,7 @@
             </a:ln>
             <a:extLst>
               <a:ext uri="{91240B29-F687-4f45-9708-019B960494DF}">
-                <a14:hiddenLine xmlns:a14="http://schemas.microsoft.com/office/drawing/2010/main" xmlns="" w="9525">
+                <a14:hiddenLine xmlns="" xmlns:a14="http://schemas.microsoft.com/office/drawing/2010/main" w="9525">
                   <a:solidFill>
                     <a:srgbClr val="000000"/>
                   </a:solidFill>
@@ -25267,7 +28114,7 @@
             </a:ln>
             <a:extLst>
               <a:ext uri="{91240B29-F687-4f45-9708-019B960494DF}">
-                <a14:hiddenLine xmlns:a14="http://schemas.microsoft.com/office/drawing/2010/main" xmlns="" w="9525">
+                <a14:hiddenLine xmlns="" xmlns:a14="http://schemas.microsoft.com/office/drawing/2010/main" w="9525">
                   <a:solidFill>
                     <a:srgbClr val="000000"/>
                   </a:solidFill>
@@ -25335,7 +28182,7 @@
             </a:ln>
             <a:extLst>
               <a:ext uri="{91240B29-F687-4f45-9708-019B960494DF}">
-                <a14:hiddenLine xmlns:a14="http://schemas.microsoft.com/office/drawing/2010/main" xmlns="" w="9525">
+                <a14:hiddenLine xmlns="" xmlns:a14="http://schemas.microsoft.com/office/drawing/2010/main" w="9525">
                   <a:solidFill>
                     <a:srgbClr val="000000"/>
                   </a:solidFill>
@@ -25425,7 +28272,7 @@
             </a:ln>
             <a:extLst>
               <a:ext uri="{91240B29-F687-4f45-9708-019B960494DF}">
-                <a14:hiddenLine xmlns:a14="http://schemas.microsoft.com/office/drawing/2010/main" xmlns="" w="9525">
+                <a14:hiddenLine xmlns="" xmlns:a14="http://schemas.microsoft.com/office/drawing/2010/main" w="9525">
                   <a:solidFill>
                     <a:srgbClr val="000000"/>
                   </a:solidFill>
@@ -25565,7 +28412,7 @@
           <a:p>
             <a:fld id="{B76943AF-B946-47F7-8510-2C710F5C29B5}" type="datetimeFigureOut">
               <a:rPr lang="en-US" smtClean="0"/>
-              <a:t>03-Jan-18</a:t>
+              <a:t>04-Jan-18</a:t>
             </a:fld>
             <a:endParaRPr lang="en-US" dirty="0"/>
           </a:p>
@@ -25831,7 +28678,7 @@
           <a:p>
             <a:fld id="{B76943AF-B946-47F7-8510-2C710F5C29B5}" type="datetimeFigureOut">
               <a:rPr lang="en-US" smtClean="0"/>
-              <a:t>03-Jan-18</a:t>
+              <a:t>04-Jan-18</a:t>
             </a:fld>
             <a:endParaRPr lang="en-US" dirty="0"/>
           </a:p>
@@ -26027,7 +28874,7 @@
           <a:p>
             <a:fld id="{B76943AF-B946-47F7-8510-2C710F5C29B5}" type="datetimeFigureOut">
               <a:rPr lang="en-US" smtClean="0"/>
-              <a:t>03-Jan-18</a:t>
+              <a:t>04-Jan-18</a:t>
             </a:fld>
             <a:endParaRPr lang="en-US" dirty="0"/>
           </a:p>
@@ -26290,7 +29137,7 @@
           <a:p>
             <a:fld id="{B76943AF-B946-47F7-8510-2C710F5C29B5}" type="datetimeFigureOut">
               <a:rPr lang="en-US" smtClean="0"/>
-              <a:t>03-Jan-18</a:t>
+              <a:t>04-Jan-18</a:t>
             </a:fld>
             <a:endParaRPr lang="en-US" dirty="0"/>
           </a:p>
@@ -26769,7 +29616,7 @@
           <a:p>
             <a:fld id="{B76943AF-B946-47F7-8510-2C710F5C29B5}" type="datetimeFigureOut">
               <a:rPr lang="en-US" smtClean="0"/>
-              <a:t>03-Jan-18</a:t>
+              <a:t>04-Jan-18</a:t>
             </a:fld>
             <a:endParaRPr lang="en-US" dirty="0"/>
           </a:p>
@@ -27315,7 +30162,7 @@
           <a:p>
             <a:fld id="{B76943AF-B946-47F7-8510-2C710F5C29B5}" type="datetimeFigureOut">
               <a:rPr lang="en-US" smtClean="0"/>
-              <a:t>03-Jan-18</a:t>
+              <a:t>04-Jan-18</a:t>
             </a:fld>
             <a:endParaRPr lang="en-US" dirty="0"/>
           </a:p>
@@ -28032,7 +30879,7 @@
           <a:p>
             <a:fld id="{B76943AF-B946-47F7-8510-2C710F5C29B5}" type="datetimeFigureOut">
               <a:rPr lang="en-US" smtClean="0"/>
-              <a:t>03-Jan-18</a:t>
+              <a:t>04-Jan-18</a:t>
             </a:fld>
             <a:endParaRPr lang="en-US" dirty="0"/>
           </a:p>
@@ -28202,7 +31049,7 @@
           <a:p>
             <a:fld id="{B76943AF-B946-47F7-8510-2C710F5C29B5}" type="datetimeFigureOut">
               <a:rPr lang="en-US" smtClean="0"/>
-              <a:t>03-Jan-18</a:t>
+              <a:t>04-Jan-18</a:t>
             </a:fld>
             <a:endParaRPr lang="en-US" dirty="0"/>
           </a:p>
@@ -28382,7 +31229,7 @@
           <a:p>
             <a:fld id="{B76943AF-B946-47F7-8510-2C710F5C29B5}" type="datetimeFigureOut">
               <a:rPr lang="en-US" smtClean="0"/>
-              <a:t>03-Jan-18</a:t>
+              <a:t>04-Jan-18</a:t>
             </a:fld>
             <a:endParaRPr lang="en-US" dirty="0"/>
           </a:p>
@@ -28552,7 +31399,7 @@
           <a:p>
             <a:fld id="{B76943AF-B946-47F7-8510-2C710F5C29B5}" type="datetimeFigureOut">
               <a:rPr lang="en-US" smtClean="0"/>
-              <a:t>03-Jan-18</a:t>
+              <a:t>04-Jan-18</a:t>
             </a:fld>
             <a:endParaRPr lang="en-US" dirty="0"/>
           </a:p>
@@ -28847,7 +31694,7 @@
           <a:p>
             <a:fld id="{B76943AF-B946-47F7-8510-2C710F5C29B5}" type="datetimeFigureOut">
               <a:rPr lang="en-US" smtClean="0"/>
-              <a:t>03-Jan-18</a:t>
+              <a:t>04-Jan-18</a:t>
             </a:fld>
             <a:endParaRPr lang="en-US" dirty="0"/>
           </a:p>
@@ -29079,7 +31926,7 @@
           <a:p>
             <a:fld id="{B76943AF-B946-47F7-8510-2C710F5C29B5}" type="datetimeFigureOut">
               <a:rPr lang="en-US" smtClean="0"/>
-              <a:t>03-Jan-18</a:t>
+              <a:t>04-Jan-18</a:t>
             </a:fld>
             <a:endParaRPr lang="en-US" dirty="0"/>
           </a:p>
@@ -29460,7 +32307,7 @@
           <a:p>
             <a:fld id="{B76943AF-B946-47F7-8510-2C710F5C29B5}" type="datetimeFigureOut">
               <a:rPr lang="en-US" smtClean="0"/>
-              <a:t>03-Jan-18</a:t>
+              <a:t>04-Jan-18</a:t>
             </a:fld>
             <a:endParaRPr lang="en-US" dirty="0"/>
           </a:p>
@@ -29578,7 +32425,7 @@
           <a:p>
             <a:fld id="{B76943AF-B946-47F7-8510-2C710F5C29B5}" type="datetimeFigureOut">
               <a:rPr lang="en-US" smtClean="0"/>
-              <a:t>03-Jan-18</a:t>
+              <a:t>04-Jan-18</a:t>
             </a:fld>
             <a:endParaRPr lang="en-US" dirty="0"/>
           </a:p>
@@ -29673,7 +32520,7 @@
           <a:p>
             <a:fld id="{B76943AF-B946-47F7-8510-2C710F5C29B5}" type="datetimeFigureOut">
               <a:rPr lang="en-US" smtClean="0"/>
-              <a:t>03-Jan-18</a:t>
+              <a:t>04-Jan-18</a:t>
             </a:fld>
             <a:endParaRPr lang="en-US" dirty="0"/>
           </a:p>
@@ -29922,7 +32769,7 @@
           <a:p>
             <a:fld id="{B76943AF-B946-47F7-8510-2C710F5C29B5}" type="datetimeFigureOut">
               <a:rPr lang="en-US" smtClean="0"/>
-              <a:t>03-Jan-18</a:t>
+              <a:t>04-Jan-18</a:t>
             </a:fld>
             <a:endParaRPr lang="en-US" dirty="0"/>
           </a:p>
@@ -30201,7 +33048,7 @@
           <a:p>
             <a:fld id="{B76943AF-B946-47F7-8510-2C710F5C29B5}" type="datetimeFigureOut">
               <a:rPr lang="en-US" smtClean="0"/>
-              <a:t>03-Jan-18</a:t>
+              <a:t>04-Jan-18</a:t>
             </a:fld>
             <a:endParaRPr lang="en-US" dirty="0"/>
           </a:p>
@@ -30360,7 +33207,7 @@
               </a:ln>
               <a:extLst>
                 <a:ext uri="{91240B29-F687-4f45-9708-019B960494DF}">
-                  <a14:hiddenLine xmlns:a14="http://schemas.microsoft.com/office/drawing/2010/main" xmlns="" w="9525">
+                  <a14:hiddenLine xmlns="" xmlns:a14="http://schemas.microsoft.com/office/drawing/2010/main" w="9525">
                     <a:solidFill>
                       <a:srgbClr val="000000"/>
                     </a:solidFill>
@@ -30450,7 +33297,7 @@
               </a:ln>
               <a:extLst>
                 <a:ext uri="{91240B29-F687-4f45-9708-019B960494DF}">
-                  <a14:hiddenLine xmlns:a14="http://schemas.microsoft.com/office/drawing/2010/main" xmlns="" w="9525">
+                  <a14:hiddenLine xmlns="" xmlns:a14="http://schemas.microsoft.com/office/drawing/2010/main" w="9525">
                     <a:solidFill>
                       <a:srgbClr val="000000"/>
                     </a:solidFill>
@@ -30540,7 +33387,7 @@
               </a:ln>
               <a:extLst>
                 <a:ext uri="{91240B29-F687-4f45-9708-019B960494DF}">
-                  <a14:hiddenLine xmlns:a14="http://schemas.microsoft.com/office/drawing/2010/main" xmlns="" w="9525">
+                  <a14:hiddenLine xmlns="" xmlns:a14="http://schemas.microsoft.com/office/drawing/2010/main" w="9525">
                     <a:solidFill>
                       <a:srgbClr val="000000"/>
                     </a:solidFill>
@@ -30602,7 +33449,7 @@
               </a:ln>
               <a:extLst>
                 <a:ext uri="{91240B29-F687-4f45-9708-019B960494DF}">
-                  <a14:hiddenLine xmlns:a14="http://schemas.microsoft.com/office/drawing/2010/main" xmlns="" w="9525">
+                  <a14:hiddenLine xmlns="" xmlns:a14="http://schemas.microsoft.com/office/drawing/2010/main" w="9525">
                     <a:solidFill>
                       <a:srgbClr val="000000"/>
                     </a:solidFill>
@@ -30692,7 +33539,7 @@
               </a:ln>
               <a:extLst>
                 <a:ext uri="{91240B29-F687-4f45-9708-019B960494DF}">
-                  <a14:hiddenLine xmlns:a14="http://schemas.microsoft.com/office/drawing/2010/main" xmlns="" w="9525">
+                  <a14:hiddenLine xmlns="" xmlns:a14="http://schemas.microsoft.com/office/drawing/2010/main" w="9525">
                     <a:solidFill>
                       <a:srgbClr val="000000"/>
                     </a:solidFill>
@@ -30754,7 +33601,7 @@
               </a:ln>
               <a:extLst>
                 <a:ext uri="{91240B29-F687-4f45-9708-019B960494DF}">
-                  <a14:hiddenLine xmlns:a14="http://schemas.microsoft.com/office/drawing/2010/main" xmlns="" w="9525">
+                  <a14:hiddenLine xmlns="" xmlns:a14="http://schemas.microsoft.com/office/drawing/2010/main" w="9525">
                     <a:solidFill>
                       <a:srgbClr val="000000"/>
                     </a:solidFill>
@@ -30816,7 +33663,7 @@
               </a:ln>
               <a:extLst>
                 <a:ext uri="{91240B29-F687-4f45-9708-019B960494DF}">
-                  <a14:hiddenLine xmlns:a14="http://schemas.microsoft.com/office/drawing/2010/main" xmlns="" w="9525">
+                  <a14:hiddenLine xmlns="" xmlns:a14="http://schemas.microsoft.com/office/drawing/2010/main" w="9525">
                     <a:solidFill>
                       <a:srgbClr val="000000"/>
                     </a:solidFill>
@@ -30906,7 +33753,7 @@
               </a:ln>
               <a:extLst>
                 <a:ext uri="{91240B29-F687-4f45-9708-019B960494DF}">
-                  <a14:hiddenLine xmlns:a14="http://schemas.microsoft.com/office/drawing/2010/main" xmlns="" w="9525">
+                  <a14:hiddenLine xmlns="" xmlns:a14="http://schemas.microsoft.com/office/drawing/2010/main" w="9525">
                     <a:solidFill>
                       <a:srgbClr val="000000"/>
                     </a:solidFill>
@@ -30996,7 +33843,7 @@
               </a:ln>
               <a:extLst>
                 <a:ext uri="{91240B29-F687-4f45-9708-019B960494DF}">
-                  <a14:hiddenLine xmlns:a14="http://schemas.microsoft.com/office/drawing/2010/main" xmlns="" w="9525">
+                  <a14:hiddenLine xmlns="" xmlns:a14="http://schemas.microsoft.com/office/drawing/2010/main" w="9525">
                     <a:solidFill>
                       <a:srgbClr val="000000"/>
                     </a:solidFill>
@@ -31058,7 +33905,7 @@
               </a:ln>
               <a:extLst>
                 <a:ext uri="{91240B29-F687-4f45-9708-019B960494DF}">
-                  <a14:hiddenLine xmlns:a14="http://schemas.microsoft.com/office/drawing/2010/main" xmlns="" w="9525">
+                  <a14:hiddenLine xmlns="" xmlns:a14="http://schemas.microsoft.com/office/drawing/2010/main" w="9525">
                     <a:solidFill>
                       <a:srgbClr val="000000"/>
                     </a:solidFill>
@@ -31168,7 +34015,7 @@
               </a:ln>
               <a:extLst>
                 <a:ext uri="{91240B29-F687-4f45-9708-019B960494DF}">
-                  <a14:hiddenLine xmlns:a14="http://schemas.microsoft.com/office/drawing/2010/main" xmlns="" w="9525">
+                  <a14:hiddenLine xmlns="" xmlns:a14="http://schemas.microsoft.com/office/drawing/2010/main" w="9525">
                     <a:solidFill>
                       <a:srgbClr val="000000"/>
                     </a:solidFill>
@@ -31252,7 +34099,7 @@
               </a:ln>
               <a:extLst>
                 <a:ext uri="{91240B29-F687-4f45-9708-019B960494DF}">
-                  <a14:hiddenLine xmlns:a14="http://schemas.microsoft.com/office/drawing/2010/main" xmlns="" w="9525">
+                  <a14:hiddenLine xmlns="" xmlns:a14="http://schemas.microsoft.com/office/drawing/2010/main" w="9525">
                     <a:solidFill>
                       <a:srgbClr val="000000"/>
                     </a:solidFill>
@@ -31314,7 +34161,7 @@
               </a:ln>
               <a:extLst>
                 <a:ext uri="{91240B29-F687-4f45-9708-019B960494DF}">
-                  <a14:hiddenLine xmlns:a14="http://schemas.microsoft.com/office/drawing/2010/main" xmlns="" w="9525">
+                  <a14:hiddenLine xmlns="" xmlns:a14="http://schemas.microsoft.com/office/drawing/2010/main" w="9525">
                     <a:solidFill>
                       <a:srgbClr val="000000"/>
                     </a:solidFill>
@@ -31376,7 +34223,7 @@
               </a:ln>
               <a:extLst>
                 <a:ext uri="{91240B29-F687-4f45-9708-019B960494DF}">
-                  <a14:hiddenLine xmlns:a14="http://schemas.microsoft.com/office/drawing/2010/main" xmlns="" w="9525">
+                  <a14:hiddenLine xmlns="" xmlns:a14="http://schemas.microsoft.com/office/drawing/2010/main" w="9525">
                     <a:solidFill>
                       <a:srgbClr val="000000"/>
                     </a:solidFill>
@@ -31466,7 +34313,7 @@
               </a:ln>
               <a:extLst>
                 <a:ext uri="{91240B29-F687-4f45-9708-019B960494DF}">
-                  <a14:hiddenLine xmlns:a14="http://schemas.microsoft.com/office/drawing/2010/main" xmlns="" w="9525">
+                  <a14:hiddenLine xmlns="" xmlns:a14="http://schemas.microsoft.com/office/drawing/2010/main" w="9525">
                     <a:solidFill>
                       <a:srgbClr val="000000"/>
                     </a:solidFill>
@@ -31500,7 +34347,7 @@
               </a:ln>
               <a:extLst>
                 <a:ext uri="{91240B29-F687-4f45-9708-019B960494DF}">
-                  <a14:hiddenLine xmlns:a14="http://schemas.microsoft.com/office/drawing/2010/main" xmlns="" w="9525">
+                  <a14:hiddenLine xmlns="" xmlns:a14="http://schemas.microsoft.com/office/drawing/2010/main" w="9525">
                     <a:solidFill>
                       <a:srgbClr val="000000"/>
                     </a:solidFill>
@@ -31565,7 +34412,7 @@
               </a:ln>
               <a:extLst>
                 <a:ext uri="{91240B29-F687-4f45-9708-019B960494DF}">
-                  <a14:hiddenLine xmlns:a14="http://schemas.microsoft.com/office/drawing/2010/main" xmlns="" w="9525">
+                  <a14:hiddenLine xmlns="" xmlns:a14="http://schemas.microsoft.com/office/drawing/2010/main" w="9525">
                     <a:solidFill>
                       <a:srgbClr val="000000"/>
                     </a:solidFill>
@@ -31655,7 +34502,7 @@
               </a:ln>
               <a:extLst>
                 <a:ext uri="{91240B29-F687-4f45-9708-019B960494DF}">
-                  <a14:hiddenLine xmlns:a14="http://schemas.microsoft.com/office/drawing/2010/main" xmlns="" w="9525">
+                  <a14:hiddenLine xmlns="" xmlns:a14="http://schemas.microsoft.com/office/drawing/2010/main" w="9525">
                     <a:solidFill>
                       <a:srgbClr val="000000"/>
                     </a:solidFill>
@@ -31717,7 +34564,7 @@
               </a:ln>
               <a:extLst>
                 <a:ext uri="{91240B29-F687-4f45-9708-019B960494DF}">
-                  <a14:hiddenLine xmlns:a14="http://schemas.microsoft.com/office/drawing/2010/main" xmlns="" w="9525">
+                  <a14:hiddenLine xmlns="" xmlns:a14="http://schemas.microsoft.com/office/drawing/2010/main" w="9525">
                     <a:solidFill>
                       <a:srgbClr val="000000"/>
                     </a:solidFill>
@@ -31807,7 +34654,7 @@
               </a:ln>
               <a:extLst>
                 <a:ext uri="{91240B29-F687-4f45-9708-019B960494DF}">
-                  <a14:hiddenLine xmlns:a14="http://schemas.microsoft.com/office/drawing/2010/main" xmlns="" w="9525">
+                  <a14:hiddenLine xmlns="" xmlns:a14="http://schemas.microsoft.com/office/drawing/2010/main" w="9525">
                     <a:solidFill>
                       <a:srgbClr val="000000"/>
                     </a:solidFill>
@@ -31872,7 +34719,7 @@
               </a:ln>
               <a:extLst>
                 <a:ext uri="{91240B29-F687-4f45-9708-019B960494DF}">
-                  <a14:hiddenLine xmlns:a14="http://schemas.microsoft.com/office/drawing/2010/main" xmlns="" w="9525">
+                  <a14:hiddenLine xmlns="" xmlns:a14="http://schemas.microsoft.com/office/drawing/2010/main" w="9525">
                     <a:solidFill>
                       <a:srgbClr val="000000"/>
                     </a:solidFill>
@@ -31934,7 +34781,7 @@
               </a:ln>
               <a:extLst>
                 <a:ext uri="{91240B29-F687-4f45-9708-019B960494DF}">
-                  <a14:hiddenLine xmlns:a14="http://schemas.microsoft.com/office/drawing/2010/main" xmlns="" w="9525">
+                  <a14:hiddenLine xmlns="" xmlns:a14="http://schemas.microsoft.com/office/drawing/2010/main" w="9525">
                     <a:solidFill>
                       <a:srgbClr val="000000"/>
                     </a:solidFill>
@@ -32024,7 +34871,7 @@
               </a:ln>
               <a:extLst>
                 <a:ext uri="{91240B29-F687-4f45-9708-019B960494DF}">
-                  <a14:hiddenLine xmlns:a14="http://schemas.microsoft.com/office/drawing/2010/main" xmlns="" w="9525">
+                  <a14:hiddenLine xmlns="" xmlns:a14="http://schemas.microsoft.com/office/drawing/2010/main" w="9525">
                     <a:solidFill>
                       <a:srgbClr val="000000"/>
                     </a:solidFill>
@@ -32114,7 +34961,7 @@
               </a:ln>
               <a:extLst>
                 <a:ext uri="{91240B29-F687-4f45-9708-019B960494DF}">
-                  <a14:hiddenLine xmlns:a14="http://schemas.microsoft.com/office/drawing/2010/main" xmlns="" w="9525">
+                  <a14:hiddenLine xmlns="" xmlns:a14="http://schemas.microsoft.com/office/drawing/2010/main" w="9525">
                     <a:solidFill>
                       <a:srgbClr val="000000"/>
                     </a:solidFill>
@@ -32179,7 +35026,7 @@
               </a:ln>
               <a:extLst>
                 <a:ext uri="{91240B29-F687-4f45-9708-019B960494DF}">
-                  <a14:hiddenLine xmlns:a14="http://schemas.microsoft.com/office/drawing/2010/main" xmlns="" w="9525">
+                  <a14:hiddenLine xmlns="" xmlns:a14="http://schemas.microsoft.com/office/drawing/2010/main" w="9525">
                     <a:solidFill>
                       <a:srgbClr val="000000"/>
                     </a:solidFill>
@@ -32299,7 +35146,7 @@
               </a:ln>
               <a:extLst>
                 <a:ext uri="{91240B29-F687-4f45-9708-019B960494DF}">
-                  <a14:hiddenLine xmlns:a14="http://schemas.microsoft.com/office/drawing/2010/main" xmlns="" w="9525">
+                  <a14:hiddenLine xmlns="" xmlns:a14="http://schemas.microsoft.com/office/drawing/2010/main" w="9525">
                     <a:solidFill>
                       <a:srgbClr val="000000"/>
                     </a:solidFill>
@@ -32397,7 +35244,7 @@
               </a:ln>
               <a:extLst>
                 <a:ext uri="{91240B29-F687-4f45-9708-019B960494DF}">
-                  <a14:hiddenLine xmlns:a14="http://schemas.microsoft.com/office/drawing/2010/main" xmlns="" w="9525">
+                  <a14:hiddenLine xmlns="" xmlns:a14="http://schemas.microsoft.com/office/drawing/2010/main" w="9525">
                     <a:solidFill>
                       <a:srgbClr val="000000"/>
                     </a:solidFill>
@@ -32512,7 +35359,7 @@
               </a:ln>
               <a:extLst>
                 <a:ext uri="{91240B29-F687-4f45-9708-019B960494DF}">
-                  <a14:hiddenLine xmlns:a14="http://schemas.microsoft.com/office/drawing/2010/main" xmlns="" w="9525">
+                  <a14:hiddenLine xmlns="" xmlns:a14="http://schemas.microsoft.com/office/drawing/2010/main" w="9525">
                     <a:solidFill>
                       <a:srgbClr val="000000"/>
                     </a:solidFill>
@@ -32602,7 +35449,7 @@
               </a:ln>
               <a:extLst>
                 <a:ext uri="{91240B29-F687-4f45-9708-019B960494DF}">
-                  <a14:hiddenLine xmlns:a14="http://schemas.microsoft.com/office/drawing/2010/main" xmlns="" w="9525">
+                  <a14:hiddenLine xmlns="" xmlns:a14="http://schemas.microsoft.com/office/drawing/2010/main" w="9525">
                     <a:solidFill>
                       <a:srgbClr val="000000"/>
                     </a:solidFill>
@@ -32667,7 +35514,7 @@
               </a:ln>
               <a:extLst>
                 <a:ext uri="{91240B29-F687-4f45-9708-019B960494DF}">
-                  <a14:hiddenLine xmlns:a14="http://schemas.microsoft.com/office/drawing/2010/main" xmlns="" w="9525">
+                  <a14:hiddenLine xmlns="" xmlns:a14="http://schemas.microsoft.com/office/drawing/2010/main" w="9525">
                     <a:solidFill>
                       <a:srgbClr val="000000"/>
                     </a:solidFill>
@@ -32757,7 +35604,7 @@
               </a:ln>
               <a:extLst>
                 <a:ext uri="{91240B29-F687-4f45-9708-019B960494DF}">
-                  <a14:hiddenLine xmlns:a14="http://schemas.microsoft.com/office/drawing/2010/main" xmlns="" w="9525">
+                  <a14:hiddenLine xmlns="" xmlns:a14="http://schemas.microsoft.com/office/drawing/2010/main" w="9525">
                     <a:solidFill>
                       <a:srgbClr val="000000"/>
                     </a:solidFill>
@@ -32825,7 +35672,7 @@
               </a:ln>
               <a:extLst>
                 <a:ext uri="{91240B29-F687-4f45-9708-019B960494DF}">
-                  <a14:hiddenLine xmlns:a14="http://schemas.microsoft.com/office/drawing/2010/main" xmlns="" w="9525">
+                  <a14:hiddenLine xmlns="" xmlns:a14="http://schemas.microsoft.com/office/drawing/2010/main" w="9525">
                     <a:solidFill>
                       <a:srgbClr val="000000"/>
                     </a:solidFill>
@@ -32915,7 +35762,7 @@
               </a:ln>
               <a:extLst>
                 <a:ext uri="{91240B29-F687-4f45-9708-019B960494DF}">
-                  <a14:hiddenLine xmlns:a14="http://schemas.microsoft.com/office/drawing/2010/main" xmlns="" w="9525">
+                  <a14:hiddenLine xmlns="" xmlns:a14="http://schemas.microsoft.com/office/drawing/2010/main" w="9525">
                     <a:solidFill>
                       <a:srgbClr val="000000"/>
                     </a:solidFill>
@@ -32983,7 +35830,7 @@
               </a:ln>
               <a:extLst>
                 <a:ext uri="{91240B29-F687-4f45-9708-019B960494DF}">
-                  <a14:hiddenLine xmlns:a14="http://schemas.microsoft.com/office/drawing/2010/main" xmlns="" w="9525">
+                  <a14:hiddenLine xmlns="" xmlns:a14="http://schemas.microsoft.com/office/drawing/2010/main" w="9525">
                     <a:solidFill>
                       <a:srgbClr val="000000"/>
                     </a:solidFill>
@@ -33073,7 +35920,7 @@
               </a:ln>
               <a:extLst>
                 <a:ext uri="{91240B29-F687-4f45-9708-019B960494DF}">
-                  <a14:hiddenLine xmlns:a14="http://schemas.microsoft.com/office/drawing/2010/main" xmlns="" w="9525">
+                  <a14:hiddenLine xmlns="" xmlns:a14="http://schemas.microsoft.com/office/drawing/2010/main" w="9525">
                     <a:solidFill>
                       <a:srgbClr val="000000"/>
                     </a:solidFill>
@@ -33107,7 +35954,7 @@
               </a:ln>
               <a:extLst>
                 <a:ext uri="{91240B29-F687-4f45-9708-019B960494DF}">
-                  <a14:hiddenLine xmlns:a14="http://schemas.microsoft.com/office/drawing/2010/main" xmlns="" w="9525">
+                  <a14:hiddenLine xmlns="" xmlns:a14="http://schemas.microsoft.com/office/drawing/2010/main" w="9525">
                     <a:solidFill>
                       <a:srgbClr val="000000"/>
                     </a:solidFill>
@@ -33247,7 +36094,7 @@
           <a:p>
             <a:fld id="{B76943AF-B946-47F7-8510-2C710F5C29B5}" type="datetimeFigureOut">
               <a:rPr lang="en-US" smtClean="0"/>
-              <a:t>03-Jan-18</a:t>
+              <a:t>04-Jan-18</a:t>
             </a:fld>
             <a:endParaRPr lang="en-US" dirty="0"/>
           </a:p>
@@ -36096,6 +38943,28 @@
             </a:r>
             <a:endParaRPr lang="pl-PL" dirty="0"/>
           </a:p>
+          <a:p>
+            <a:r>
+              <a:rPr lang="pl-PL" dirty="0"/>
+              <a:t>EOS </a:t>
+            </a:r>
+            <a:r>
+              <a:rPr lang="pl-PL" dirty="0" err="1"/>
+              <a:t>itself</a:t>
+            </a:r>
+            <a:r>
+              <a:rPr lang="pl-PL" dirty="0"/>
+              <a:t> </a:t>
+            </a:r>
+            <a:r>
+              <a:rPr lang="pl-PL" dirty="0" err="1"/>
+              <a:t>is</a:t>
+            </a:r>
+            <a:r>
+              <a:rPr lang="pl-PL" dirty="0"/>
+              <a:t> a dApp</a:t>
+            </a:r>
+          </a:p>
         </p:txBody>
       </p:sp>
       <p:sp>
@@ -36690,6 +39559,109 @@
                                           <p:spTgt spid="3">
                                             <p:txEl>
                                               <p:pRg st="5" end="5"/>
+                                            </p:txEl>
+                                          </p:spTgt>
+                                        </p:tgtEl>
+                                        <p:attrNameLst>
+                                          <p:attrName>ppt_y</p:attrName>
+                                        </p:attrNameLst>
+                                      </p:cBhvr>
+                                      <p:tavLst>
+                                        <p:tav tm="0">
+                                          <p:val>
+                                            <p:strVal val="1+#ppt_h/2"/>
+                                          </p:val>
+                                        </p:tav>
+                                        <p:tav tm="100000">
+                                          <p:val>
+                                            <p:strVal val="#ppt_y"/>
+                                          </p:val>
+                                        </p:tav>
+                                      </p:tavLst>
+                                    </p:anim>
+                                  </p:childTnLst>
+                                </p:cTn>
+                              </p:par>
+                            </p:childTnLst>
+                          </p:cTn>
+                        </p:par>
+                      </p:childTnLst>
+                    </p:cTn>
+                  </p:par>
+                  <p:par>
+                    <p:cTn id="33" fill="hold">
+                      <p:stCondLst>
+                        <p:cond delay="indefinite"/>
+                      </p:stCondLst>
+                      <p:childTnLst>
+                        <p:par>
+                          <p:cTn id="34" fill="hold">
+                            <p:stCondLst>
+                              <p:cond delay="0"/>
+                            </p:stCondLst>
+                            <p:childTnLst>
+                              <p:par>
+                                <p:cTn id="35" presetID="2" presetClass="entr" presetSubtype="4" fill="hold" grpId="0" nodeType="clickEffect">
+                                  <p:stCondLst>
+                                    <p:cond delay="0"/>
+                                  </p:stCondLst>
+                                  <p:childTnLst>
+                                    <p:set>
+                                      <p:cBhvr>
+                                        <p:cTn id="36" dur="1" fill="hold">
+                                          <p:stCondLst>
+                                            <p:cond delay="0"/>
+                                          </p:stCondLst>
+                                        </p:cTn>
+                                        <p:tgtEl>
+                                          <p:spTgt spid="3">
+                                            <p:txEl>
+                                              <p:pRg st="6" end="6"/>
+                                            </p:txEl>
+                                          </p:spTgt>
+                                        </p:tgtEl>
+                                        <p:attrNameLst>
+                                          <p:attrName>style.visibility</p:attrName>
+                                        </p:attrNameLst>
+                                      </p:cBhvr>
+                                      <p:to>
+                                        <p:strVal val="visible"/>
+                                      </p:to>
+                                    </p:set>
+                                    <p:anim calcmode="lin" valueType="num">
+                                      <p:cBhvr additive="base">
+                                        <p:cTn id="37" dur="500" fill="hold"/>
+                                        <p:tgtEl>
+                                          <p:spTgt spid="3">
+                                            <p:txEl>
+                                              <p:pRg st="6" end="6"/>
+                                            </p:txEl>
+                                          </p:spTgt>
+                                        </p:tgtEl>
+                                        <p:attrNameLst>
+                                          <p:attrName>ppt_x</p:attrName>
+                                        </p:attrNameLst>
+                                      </p:cBhvr>
+                                      <p:tavLst>
+                                        <p:tav tm="0">
+                                          <p:val>
+                                            <p:strVal val="#ppt_x"/>
+                                          </p:val>
+                                        </p:tav>
+                                        <p:tav tm="100000">
+                                          <p:val>
+                                            <p:strVal val="#ppt_x"/>
+                                          </p:val>
+                                        </p:tav>
+                                      </p:tavLst>
+                                    </p:anim>
+                                    <p:anim calcmode="lin" valueType="num">
+                                      <p:cBhvr additive="base">
+                                        <p:cTn id="38" dur="500" fill="hold"/>
+                                        <p:tgtEl>
+                                          <p:spTgt spid="3">
+                                            <p:txEl>
+                                              <p:pRg st="6" end="6"/>
                                             </p:txEl>
                                           </p:spTgt>
                                         </p:tgtEl>
@@ -37460,6 +40432,13 @@
             </a:r>
             <a:endParaRPr lang="pl-PL" dirty="0"/>
           </a:p>
+          <a:p>
+            <a:r>
+              <a:rPr lang="en-US" dirty="0"/>
+              <a:t>You can monetize your app any way you want</a:t>
+            </a:r>
+            <a:endParaRPr lang="pl-PL" dirty="0"/>
+          </a:p>
         </p:txBody>
       </p:sp>
       <p:sp>
@@ -37696,6 +40675,109 @@
                                           <p:spTgt spid="3">
                                             <p:txEl>
                                               <p:pRg st="1" end="1"/>
+                                            </p:txEl>
+                                          </p:spTgt>
+                                        </p:tgtEl>
+                                        <p:attrNameLst>
+                                          <p:attrName>ppt_y</p:attrName>
+                                        </p:attrNameLst>
+                                      </p:cBhvr>
+                                      <p:tavLst>
+                                        <p:tav tm="0">
+                                          <p:val>
+                                            <p:strVal val="1+#ppt_h/2"/>
+                                          </p:val>
+                                        </p:tav>
+                                        <p:tav tm="100000">
+                                          <p:val>
+                                            <p:strVal val="#ppt_y"/>
+                                          </p:val>
+                                        </p:tav>
+                                      </p:tavLst>
+                                    </p:anim>
+                                  </p:childTnLst>
+                                </p:cTn>
+                              </p:par>
+                            </p:childTnLst>
+                          </p:cTn>
+                        </p:par>
+                      </p:childTnLst>
+                    </p:cTn>
+                  </p:par>
+                  <p:par>
+                    <p:cTn id="15" fill="hold">
+                      <p:stCondLst>
+                        <p:cond delay="indefinite"/>
+                      </p:stCondLst>
+                      <p:childTnLst>
+                        <p:par>
+                          <p:cTn id="16" fill="hold">
+                            <p:stCondLst>
+                              <p:cond delay="0"/>
+                            </p:stCondLst>
+                            <p:childTnLst>
+                              <p:par>
+                                <p:cTn id="17" presetID="2" presetClass="entr" presetSubtype="4" fill="hold" grpId="0" nodeType="clickEffect">
+                                  <p:stCondLst>
+                                    <p:cond delay="0"/>
+                                  </p:stCondLst>
+                                  <p:childTnLst>
+                                    <p:set>
+                                      <p:cBhvr>
+                                        <p:cTn id="18" dur="1" fill="hold">
+                                          <p:stCondLst>
+                                            <p:cond delay="0"/>
+                                          </p:stCondLst>
+                                        </p:cTn>
+                                        <p:tgtEl>
+                                          <p:spTgt spid="3">
+                                            <p:txEl>
+                                              <p:pRg st="2" end="2"/>
+                                            </p:txEl>
+                                          </p:spTgt>
+                                        </p:tgtEl>
+                                        <p:attrNameLst>
+                                          <p:attrName>style.visibility</p:attrName>
+                                        </p:attrNameLst>
+                                      </p:cBhvr>
+                                      <p:to>
+                                        <p:strVal val="visible"/>
+                                      </p:to>
+                                    </p:set>
+                                    <p:anim calcmode="lin" valueType="num">
+                                      <p:cBhvr additive="base">
+                                        <p:cTn id="19" dur="500" fill="hold"/>
+                                        <p:tgtEl>
+                                          <p:spTgt spid="3">
+                                            <p:txEl>
+                                              <p:pRg st="2" end="2"/>
+                                            </p:txEl>
+                                          </p:spTgt>
+                                        </p:tgtEl>
+                                        <p:attrNameLst>
+                                          <p:attrName>ppt_x</p:attrName>
+                                        </p:attrNameLst>
+                                      </p:cBhvr>
+                                      <p:tavLst>
+                                        <p:tav tm="0">
+                                          <p:val>
+                                            <p:strVal val="#ppt_x"/>
+                                          </p:val>
+                                        </p:tav>
+                                        <p:tav tm="100000">
+                                          <p:val>
+                                            <p:strVal val="#ppt_x"/>
+                                          </p:val>
+                                        </p:tav>
+                                      </p:tavLst>
+                                    </p:anim>
+                                    <p:anim calcmode="lin" valueType="num">
+                                      <p:cBhvr additive="base">
+                                        <p:cTn id="20" dur="500" fill="hold"/>
+                                        <p:tgtEl>
+                                          <p:spTgt spid="3">
+                                            <p:txEl>
+                                              <p:pRg st="2" end="2"/>
                                             </p:txEl>
                                           </p:spTgt>
                                         </p:tgtEl>
@@ -40430,7 +43512,7 @@
             <p:ph idx="1"/>
             <p:extLst>
               <p:ext uri="{D42A27DB-BD31-4B8C-83A1-F6EECF244321}">
-                <p14:modId xmlns:p14="http://schemas.microsoft.com/office/powerpoint/2010/main" val="4166431692"/>
+                <p14:modId xmlns:p14="http://schemas.microsoft.com/office/powerpoint/2010/main" val="2466059845"/>
               </p:ext>
             </p:extLst>
           </p:nvPr>
@@ -41892,6 +44974,435 @@
           <a:lstStyle/>
           <a:p>
             <a:r>
+              <a:rPr lang="pl-PL" dirty="0" err="1"/>
+              <a:t>Could</a:t>
+            </a:r>
+            <a:r>
+              <a:rPr lang="pl-PL" dirty="0"/>
+              <a:t> </a:t>
+            </a:r>
+            <a:r>
+              <a:rPr lang="pl-PL" dirty="0" err="1"/>
+              <a:t>Bitshares</a:t>
+            </a:r>
+            <a:r>
+              <a:rPr lang="pl-PL" dirty="0"/>
+              <a:t> &amp; </a:t>
+            </a:r>
+            <a:r>
+              <a:rPr lang="pl-PL" dirty="0" err="1"/>
+              <a:t>Steem</a:t>
+            </a:r>
+            <a:r>
+              <a:rPr lang="pl-PL" dirty="0"/>
+              <a:t> be </a:t>
+            </a:r>
+            <a:r>
+              <a:rPr lang="pl-PL" dirty="0" err="1"/>
+              <a:t>Hosted</a:t>
+            </a:r>
+            <a:r>
+              <a:rPr lang="pl-PL" dirty="0"/>
+              <a:t> on </a:t>
+            </a:r>
+            <a:r>
+              <a:rPr lang="pl-PL" dirty="0" err="1"/>
+              <a:t>any</a:t>
+            </a:r>
+            <a:r>
+              <a:rPr lang="pl-PL" dirty="0"/>
+              <a:t> </a:t>
+            </a:r>
+            <a:r>
+              <a:rPr lang="pl-PL" dirty="0" err="1"/>
+              <a:t>existing</a:t>
+            </a:r>
+            <a:r>
+              <a:rPr lang="pl-PL" dirty="0"/>
+              <a:t> smart-</a:t>
+            </a:r>
+            <a:r>
+              <a:rPr lang="pl-PL" dirty="0" err="1"/>
+              <a:t>contract</a:t>
+            </a:r>
+            <a:r>
+              <a:rPr lang="pl-PL" dirty="0"/>
+              <a:t> platform</a:t>
+            </a:r>
+            <a:r>
+              <a:rPr lang="en-US" dirty="0"/>
+              <a:t>?</a:t>
+            </a:r>
+          </a:p>
+        </p:txBody>
+      </p:sp>
+      <p:sp>
+        <p:nvSpPr>
+          <p:cNvPr id="3" name="Content Placeholder 2">
+            <a:extLst>
+              <a:ext uri="{FF2B5EF4-FFF2-40B4-BE49-F238E27FC236}">
+                <a16:creationId xmlns:a16="http://schemas.microsoft.com/office/drawing/2014/main" id="{00906E7F-591F-4542-8A01-48B68EE0C7A8}"/>
+              </a:ext>
+            </a:extLst>
+          </p:cNvPr>
+          <p:cNvSpPr>
+            <a:spLocks noGrp="1"/>
+          </p:cNvSpPr>
+          <p:nvPr>
+            <p:ph idx="1"/>
+          </p:nvPr>
+        </p:nvSpPr>
+        <p:spPr>
+          <a:xfrm>
+            <a:off x="1361752" y="2249487"/>
+            <a:ext cx="9905999" cy="3373272"/>
+          </a:xfrm>
+        </p:spPr>
+        <p:txBody>
+          <a:bodyPr/>
+          <a:lstStyle/>
+          <a:p>
+            <a:r>
+              <a:rPr lang="pl-PL" dirty="0"/>
+              <a:t>Not </a:t>
+            </a:r>
+            <a:r>
+              <a:rPr lang="pl-PL" dirty="0" err="1"/>
+              <a:t>enough</a:t>
+            </a:r>
+            <a:r>
+              <a:rPr lang="pl-PL" dirty="0"/>
+              <a:t> </a:t>
+            </a:r>
+            <a:r>
+              <a:rPr lang="pl-PL" dirty="0" err="1"/>
+              <a:t>processing</a:t>
+            </a:r>
+            <a:r>
+              <a:rPr lang="pl-PL" dirty="0"/>
+              <a:t> </a:t>
+            </a:r>
+            <a:r>
+              <a:rPr lang="pl-PL" dirty="0" err="1"/>
+              <a:t>power</a:t>
+            </a:r>
+            <a:endParaRPr lang="pl-PL" dirty="0"/>
+          </a:p>
+          <a:p>
+            <a:r>
+              <a:rPr lang="pl-PL" dirty="0"/>
+              <a:t>Business model </a:t>
+            </a:r>
+            <a:r>
+              <a:rPr lang="pl-PL" dirty="0" err="1"/>
+              <a:t>impossible</a:t>
+            </a:r>
+            <a:r>
+              <a:rPr lang="pl-PL" dirty="0"/>
+              <a:t> to be </a:t>
+            </a:r>
+            <a:r>
+              <a:rPr lang="pl-PL" dirty="0" err="1"/>
+              <a:t>implemented</a:t>
+            </a:r>
+            <a:endParaRPr lang="pl-PL" dirty="0"/>
+          </a:p>
+        </p:txBody>
+      </p:sp>
+    </p:spTree>
+    <p:extLst>
+      <p:ext uri="{BB962C8B-B14F-4D97-AF65-F5344CB8AC3E}">
+        <p14:creationId xmlns:p14="http://schemas.microsoft.com/office/powerpoint/2010/main" val="3427272656"/>
+      </p:ext>
+    </p:extLst>
+  </p:cSld>
+  <p:clrMapOvr>
+    <a:masterClrMapping/>
+  </p:clrMapOvr>
+  <p:transition spd="slow">
+    <p:randomBar dir="vert"/>
+  </p:transition>
+  <p:timing>
+    <p:tnLst>
+      <p:par>
+        <p:cTn id="1" dur="indefinite" restart="never" nodeType="tmRoot">
+          <p:childTnLst>
+            <p:seq concurrent="1" nextAc="seek">
+              <p:cTn id="2" dur="indefinite" nodeType="mainSeq">
+                <p:childTnLst>
+                  <p:par>
+                    <p:cTn id="3" fill="hold">
+                      <p:stCondLst>
+                        <p:cond delay="indefinite"/>
+                      </p:stCondLst>
+                      <p:childTnLst>
+                        <p:par>
+                          <p:cTn id="4" fill="hold">
+                            <p:stCondLst>
+                              <p:cond delay="0"/>
+                            </p:stCondLst>
+                            <p:childTnLst>
+                              <p:par>
+                                <p:cTn id="5" presetID="2" presetClass="entr" presetSubtype="4" fill="hold" grpId="0" nodeType="clickEffect">
+                                  <p:stCondLst>
+                                    <p:cond delay="0"/>
+                                  </p:stCondLst>
+                                  <p:childTnLst>
+                                    <p:set>
+                                      <p:cBhvr>
+                                        <p:cTn id="6" dur="1" fill="hold">
+                                          <p:stCondLst>
+                                            <p:cond delay="0"/>
+                                          </p:stCondLst>
+                                        </p:cTn>
+                                        <p:tgtEl>
+                                          <p:spTgt spid="3">
+                                            <p:txEl>
+                                              <p:pRg st="0" end="0"/>
+                                            </p:txEl>
+                                          </p:spTgt>
+                                        </p:tgtEl>
+                                        <p:attrNameLst>
+                                          <p:attrName>style.visibility</p:attrName>
+                                        </p:attrNameLst>
+                                      </p:cBhvr>
+                                      <p:to>
+                                        <p:strVal val="visible"/>
+                                      </p:to>
+                                    </p:set>
+                                    <p:anim calcmode="lin" valueType="num">
+                                      <p:cBhvr additive="base">
+                                        <p:cTn id="7" dur="500" fill="hold"/>
+                                        <p:tgtEl>
+                                          <p:spTgt spid="3">
+                                            <p:txEl>
+                                              <p:pRg st="0" end="0"/>
+                                            </p:txEl>
+                                          </p:spTgt>
+                                        </p:tgtEl>
+                                        <p:attrNameLst>
+                                          <p:attrName>ppt_x</p:attrName>
+                                        </p:attrNameLst>
+                                      </p:cBhvr>
+                                      <p:tavLst>
+                                        <p:tav tm="0">
+                                          <p:val>
+                                            <p:strVal val="#ppt_x"/>
+                                          </p:val>
+                                        </p:tav>
+                                        <p:tav tm="100000">
+                                          <p:val>
+                                            <p:strVal val="#ppt_x"/>
+                                          </p:val>
+                                        </p:tav>
+                                      </p:tavLst>
+                                    </p:anim>
+                                    <p:anim calcmode="lin" valueType="num">
+                                      <p:cBhvr additive="base">
+                                        <p:cTn id="8" dur="500" fill="hold"/>
+                                        <p:tgtEl>
+                                          <p:spTgt spid="3">
+                                            <p:txEl>
+                                              <p:pRg st="0" end="0"/>
+                                            </p:txEl>
+                                          </p:spTgt>
+                                        </p:tgtEl>
+                                        <p:attrNameLst>
+                                          <p:attrName>ppt_y</p:attrName>
+                                        </p:attrNameLst>
+                                      </p:cBhvr>
+                                      <p:tavLst>
+                                        <p:tav tm="0">
+                                          <p:val>
+                                            <p:strVal val="1+#ppt_h/2"/>
+                                          </p:val>
+                                        </p:tav>
+                                        <p:tav tm="100000">
+                                          <p:val>
+                                            <p:strVal val="#ppt_y"/>
+                                          </p:val>
+                                        </p:tav>
+                                      </p:tavLst>
+                                    </p:anim>
+                                  </p:childTnLst>
+                                </p:cTn>
+                              </p:par>
+                            </p:childTnLst>
+                          </p:cTn>
+                        </p:par>
+                      </p:childTnLst>
+                    </p:cTn>
+                  </p:par>
+                  <p:par>
+                    <p:cTn id="9" fill="hold">
+                      <p:stCondLst>
+                        <p:cond delay="indefinite"/>
+                      </p:stCondLst>
+                      <p:childTnLst>
+                        <p:par>
+                          <p:cTn id="10" fill="hold">
+                            <p:stCondLst>
+                              <p:cond delay="0"/>
+                            </p:stCondLst>
+                            <p:childTnLst>
+                              <p:par>
+                                <p:cTn id="11" presetID="2" presetClass="entr" presetSubtype="4" fill="hold" grpId="0" nodeType="clickEffect">
+                                  <p:stCondLst>
+                                    <p:cond delay="0"/>
+                                  </p:stCondLst>
+                                  <p:childTnLst>
+                                    <p:set>
+                                      <p:cBhvr>
+                                        <p:cTn id="12" dur="1" fill="hold">
+                                          <p:stCondLst>
+                                            <p:cond delay="0"/>
+                                          </p:stCondLst>
+                                        </p:cTn>
+                                        <p:tgtEl>
+                                          <p:spTgt spid="3">
+                                            <p:txEl>
+                                              <p:pRg st="1" end="1"/>
+                                            </p:txEl>
+                                          </p:spTgt>
+                                        </p:tgtEl>
+                                        <p:attrNameLst>
+                                          <p:attrName>style.visibility</p:attrName>
+                                        </p:attrNameLst>
+                                      </p:cBhvr>
+                                      <p:to>
+                                        <p:strVal val="visible"/>
+                                      </p:to>
+                                    </p:set>
+                                    <p:anim calcmode="lin" valueType="num">
+                                      <p:cBhvr additive="base">
+                                        <p:cTn id="13" dur="500" fill="hold"/>
+                                        <p:tgtEl>
+                                          <p:spTgt spid="3">
+                                            <p:txEl>
+                                              <p:pRg st="1" end="1"/>
+                                            </p:txEl>
+                                          </p:spTgt>
+                                        </p:tgtEl>
+                                        <p:attrNameLst>
+                                          <p:attrName>ppt_x</p:attrName>
+                                        </p:attrNameLst>
+                                      </p:cBhvr>
+                                      <p:tavLst>
+                                        <p:tav tm="0">
+                                          <p:val>
+                                            <p:strVal val="#ppt_x"/>
+                                          </p:val>
+                                        </p:tav>
+                                        <p:tav tm="100000">
+                                          <p:val>
+                                            <p:strVal val="#ppt_x"/>
+                                          </p:val>
+                                        </p:tav>
+                                      </p:tavLst>
+                                    </p:anim>
+                                    <p:anim calcmode="lin" valueType="num">
+                                      <p:cBhvr additive="base">
+                                        <p:cTn id="14" dur="500" fill="hold"/>
+                                        <p:tgtEl>
+                                          <p:spTgt spid="3">
+                                            <p:txEl>
+                                              <p:pRg st="1" end="1"/>
+                                            </p:txEl>
+                                          </p:spTgt>
+                                        </p:tgtEl>
+                                        <p:attrNameLst>
+                                          <p:attrName>ppt_y</p:attrName>
+                                        </p:attrNameLst>
+                                      </p:cBhvr>
+                                      <p:tavLst>
+                                        <p:tav tm="0">
+                                          <p:val>
+                                            <p:strVal val="1+#ppt_h/2"/>
+                                          </p:val>
+                                        </p:tav>
+                                        <p:tav tm="100000">
+                                          <p:val>
+                                            <p:strVal val="#ppt_y"/>
+                                          </p:val>
+                                        </p:tav>
+                                      </p:tavLst>
+                                    </p:anim>
+                                  </p:childTnLst>
+                                </p:cTn>
+                              </p:par>
+                            </p:childTnLst>
+                          </p:cTn>
+                        </p:par>
+                      </p:childTnLst>
+                    </p:cTn>
+                  </p:par>
+                </p:childTnLst>
+              </p:cTn>
+              <p:prevCondLst>
+                <p:cond evt="onPrev" delay="0">
+                  <p:tgtEl>
+                    <p:sldTgt/>
+                  </p:tgtEl>
+                </p:cond>
+              </p:prevCondLst>
+              <p:nextCondLst>
+                <p:cond evt="onNext" delay="0">
+                  <p:tgtEl>
+                    <p:sldTgt/>
+                  </p:tgtEl>
+                </p:cond>
+              </p:nextCondLst>
+            </p:seq>
+          </p:childTnLst>
+        </p:cTn>
+      </p:par>
+    </p:tnLst>
+    <p:bldLst>
+      <p:bldP spid="3" grpId="0" build="p"/>
+    </p:bldLst>
+  </p:timing>
+</p:sld>
+</file>
+
+<file path=ppt/slides/slide27.xml><?xml version="1.0" encoding="utf-8"?>
+<p:sld xmlns:a="http://schemas.openxmlformats.org/drawingml/2006/main" xmlns:r="http://schemas.openxmlformats.org/officeDocument/2006/relationships" xmlns:p="http://schemas.openxmlformats.org/presentationml/2006/main">
+  <p:cSld>
+    <p:spTree>
+      <p:nvGrpSpPr>
+        <p:cNvPr id="1" name=""/>
+        <p:cNvGrpSpPr/>
+        <p:nvPr/>
+      </p:nvGrpSpPr>
+      <p:grpSpPr>
+        <a:xfrm>
+          <a:off x="0" y="0"/>
+          <a:ext cx="0" cy="0"/>
+          <a:chOff x="0" y="0"/>
+          <a:chExt cx="0" cy="0"/>
+        </a:xfrm>
+      </p:grpSpPr>
+      <p:sp>
+        <p:nvSpPr>
+          <p:cNvPr id="2" name="Title 1">
+            <a:extLst>
+              <a:ext uri="{FF2B5EF4-FFF2-40B4-BE49-F238E27FC236}">
+                <a16:creationId xmlns:a16="http://schemas.microsoft.com/office/drawing/2014/main" id="{641702F2-188F-4087-991C-EC62CE7DE077}"/>
+              </a:ext>
+            </a:extLst>
+          </p:cNvPr>
+          <p:cNvSpPr>
+            <a:spLocks noGrp="1"/>
+          </p:cNvSpPr>
+          <p:nvPr>
+            <p:ph type="title"/>
+          </p:nvPr>
+        </p:nvSpPr>
+        <p:spPr/>
+        <p:txBody>
+          <a:bodyPr/>
+          <a:lstStyle/>
+          <a:p>
+            <a:r>
               <a:rPr lang="en-US" dirty="0"/>
               <a:t>D</a:t>
             </a:r>
@@ -42079,13 +45590,13 @@
   <p:clrMapOvr>
     <a:masterClrMapping/>
   </p:clrMapOvr>
-  <mc:AlternateContent xmlns:mc="http://schemas.openxmlformats.org/markup-compatibility/2006">
-    <mc:Choice xmlns:p14="http://schemas.microsoft.com/office/powerpoint/2010/main" Requires="p14">
+  <mc:AlternateContent xmlns:mc="http://schemas.openxmlformats.org/markup-compatibility/2006" xmlns:p14="http://schemas.microsoft.com/office/powerpoint/2010/main">
+    <mc:Choice Requires="p14">
       <p:transition spd="slow" p14:dur="2500">
         <p:checker/>
       </p:transition>
     </mc:Choice>
-    <mc:Fallback>
+    <mc:Fallback xmlns="">
       <p:transition spd="slow">
         <p:checker/>
       </p:transition>
@@ -42215,7 +45726,7 @@
 </p:sld>
 </file>
 
-<file path=ppt/slides/slide27.xml><?xml version="1.0" encoding="utf-8"?>
+<file path=ppt/slides/slide28.xml><?xml version="1.0" encoding="utf-8"?>
 <p:sld xmlns:a="http://schemas.openxmlformats.org/drawingml/2006/main" xmlns:r="http://schemas.openxmlformats.org/officeDocument/2006/relationships" xmlns:p="http://schemas.openxmlformats.org/presentationml/2006/main">
   <p:cSld>
     <p:spTree>
@@ -42851,7 +46362,7 @@
 </p:sld>
 </file>
 
-<file path=ppt/slides/slide28.xml><?xml version="1.0" encoding="utf-8"?>
+<file path=ppt/slides/slide29.xml><?xml version="1.0" encoding="utf-8"?>
 <p:sld xmlns:a="http://schemas.openxmlformats.org/drawingml/2006/main" xmlns:r="http://schemas.openxmlformats.org/officeDocument/2006/relationships" xmlns:p="http://schemas.openxmlformats.org/presentationml/2006/main">
   <p:cSld>
     <p:spTree>
@@ -42995,7 +46506,406 @@
 </p:sld>
 </file>
 
-<file path=ppt/slides/slide29.xml><?xml version="1.0" encoding="utf-8"?>
+<file path=ppt/slides/slide3.xml><?xml version="1.0" encoding="utf-8"?>
+<p:sld xmlns:a="http://schemas.openxmlformats.org/drawingml/2006/main" xmlns:r="http://schemas.openxmlformats.org/officeDocument/2006/relationships" xmlns:p="http://schemas.openxmlformats.org/presentationml/2006/main">
+  <p:cSld>
+    <p:spTree>
+      <p:nvGrpSpPr>
+        <p:cNvPr id="1" name=""/>
+        <p:cNvGrpSpPr/>
+        <p:nvPr/>
+      </p:nvGrpSpPr>
+      <p:grpSpPr>
+        <a:xfrm>
+          <a:off x="0" y="0"/>
+          <a:ext cx="0" cy="0"/>
+          <a:chOff x="0" y="0"/>
+          <a:chExt cx="0" cy="0"/>
+        </a:xfrm>
+      </p:grpSpPr>
+      <p:sp>
+        <p:nvSpPr>
+          <p:cNvPr id="2" name="Title 1">
+            <a:extLst>
+              <a:ext uri="{FF2B5EF4-FFF2-40B4-BE49-F238E27FC236}">
+                <a16:creationId xmlns:a16="http://schemas.microsoft.com/office/drawing/2014/main" id="{15E89C6E-E7C0-4FEB-BB3A-5CD62A36F8E4}"/>
+              </a:ext>
+            </a:extLst>
+          </p:cNvPr>
+          <p:cNvSpPr>
+            <a:spLocks noGrp="1"/>
+          </p:cNvSpPr>
+          <p:nvPr>
+            <p:ph type="title"/>
+          </p:nvPr>
+        </p:nvSpPr>
+        <p:spPr/>
+        <p:txBody>
+          <a:bodyPr/>
+          <a:lstStyle/>
+          <a:p>
+            <a:r>
+              <a:rPr lang="pl-PL" dirty="0"/>
+              <a:t>BLOCKCHAIN Evolution</a:t>
+            </a:r>
+            <a:endParaRPr lang="en-US" dirty="0"/>
+          </a:p>
+        </p:txBody>
+      </p:sp>
+      <p:graphicFrame>
+        <p:nvGraphicFramePr>
+          <p:cNvPr id="5" name="Content Placeholder 4">
+            <a:extLst>
+              <a:ext uri="{FF2B5EF4-FFF2-40B4-BE49-F238E27FC236}">
+                <a16:creationId xmlns:a16="http://schemas.microsoft.com/office/drawing/2014/main" id="{387A02C2-F0F7-49FD-9322-4259EF1AE786}"/>
+              </a:ext>
+            </a:extLst>
+          </p:cNvPr>
+          <p:cNvGraphicFramePr>
+            <a:graphicFrameLocks noGrp="1"/>
+          </p:cNvGraphicFramePr>
+          <p:nvPr>
+            <p:ph idx="1"/>
+            <p:extLst>
+              <p:ext uri="{D42A27DB-BD31-4B8C-83A1-F6EECF244321}">
+                <p14:modId xmlns:p14="http://schemas.microsoft.com/office/powerpoint/2010/main" val="2455082816"/>
+              </p:ext>
+            </p:extLst>
+          </p:nvPr>
+        </p:nvGraphicFramePr>
+        <p:xfrm>
+          <a:off x="1361752" y="2313655"/>
+          <a:ext cx="9905999" cy="1815737"/>
+        </p:xfrm>
+        <a:graphic>
+          <a:graphicData uri="http://schemas.openxmlformats.org/drawingml/2006/diagram">
+            <dgm:relIds xmlns:dgm="http://schemas.openxmlformats.org/drawingml/2006/diagram" xmlns:r="http://schemas.openxmlformats.org/officeDocument/2006/relationships" r:dm="rId2" r:lo="rId3" r:qs="rId4" r:cs="rId5"/>
+          </a:graphicData>
+        </a:graphic>
+      </p:graphicFrame>
+    </p:spTree>
+    <p:extLst>
+      <p:ext uri="{BB962C8B-B14F-4D97-AF65-F5344CB8AC3E}">
+        <p14:creationId xmlns:p14="http://schemas.microsoft.com/office/powerpoint/2010/main" val="2472020034"/>
+      </p:ext>
+    </p:extLst>
+  </p:cSld>
+  <p:clrMapOvr>
+    <a:masterClrMapping/>
+  </p:clrMapOvr>
+  <p:transition spd="slow">
+    <p:randomBar dir="vert"/>
+  </p:transition>
+  <p:timing>
+    <p:tnLst>
+      <p:par>
+        <p:cTn id="1" dur="indefinite" restart="never" nodeType="tmRoot">
+          <p:childTnLst>
+            <p:seq concurrent="1" nextAc="seek">
+              <p:cTn id="2" dur="indefinite" nodeType="mainSeq">
+                <p:childTnLst>
+                  <p:par>
+                    <p:cTn id="3" fill="hold">
+                      <p:stCondLst>
+                        <p:cond delay="indefinite"/>
+                      </p:stCondLst>
+                      <p:childTnLst>
+                        <p:par>
+                          <p:cTn id="4" fill="hold">
+                            <p:stCondLst>
+                              <p:cond delay="0"/>
+                            </p:stCondLst>
+                            <p:childTnLst>
+                              <p:par>
+                                <p:cTn id="5" presetID="14" presetClass="entr" presetSubtype="10" fill="hold" grpId="0" nodeType="clickEffect">
+                                  <p:stCondLst>
+                                    <p:cond delay="0"/>
+                                  </p:stCondLst>
+                                  <p:childTnLst>
+                                    <p:set>
+                                      <p:cBhvr>
+                                        <p:cTn id="6" dur="1" fill="hold">
+                                          <p:stCondLst>
+                                            <p:cond delay="0"/>
+                                          </p:stCondLst>
+                                        </p:cTn>
+                                        <p:tgtEl>
+                                          <p:spTgt spid="5">
+                                            <p:graphicEl>
+                                              <a:dgm id="{E40EF4B3-8BA8-436A-B15B-C0F795B9ECAC}"/>
+                                            </p:graphicEl>
+                                          </p:spTgt>
+                                        </p:tgtEl>
+                                        <p:attrNameLst>
+                                          <p:attrName>style.visibility</p:attrName>
+                                        </p:attrNameLst>
+                                      </p:cBhvr>
+                                      <p:to>
+                                        <p:strVal val="visible"/>
+                                      </p:to>
+                                    </p:set>
+                                    <p:animEffect transition="in" filter="randombar(horizontal)">
+                                      <p:cBhvr>
+                                        <p:cTn id="7" dur="500"/>
+                                        <p:tgtEl>
+                                          <p:spTgt spid="5">
+                                            <p:graphicEl>
+                                              <a:dgm id="{E40EF4B3-8BA8-436A-B15B-C0F795B9ECAC}"/>
+                                            </p:graphicEl>
+                                          </p:spTgt>
+                                        </p:tgtEl>
+                                      </p:cBhvr>
+                                    </p:animEffect>
+                                  </p:childTnLst>
+                                </p:cTn>
+                              </p:par>
+                            </p:childTnLst>
+                          </p:cTn>
+                        </p:par>
+                      </p:childTnLst>
+                    </p:cTn>
+                  </p:par>
+                  <p:par>
+                    <p:cTn id="8" fill="hold">
+                      <p:stCondLst>
+                        <p:cond delay="indefinite"/>
+                      </p:stCondLst>
+                      <p:childTnLst>
+                        <p:par>
+                          <p:cTn id="9" fill="hold">
+                            <p:stCondLst>
+                              <p:cond delay="0"/>
+                            </p:stCondLst>
+                            <p:childTnLst>
+                              <p:par>
+                                <p:cTn id="10" presetID="14" presetClass="entr" presetSubtype="10" fill="hold" grpId="0" nodeType="clickEffect">
+                                  <p:stCondLst>
+                                    <p:cond delay="0"/>
+                                  </p:stCondLst>
+                                  <p:childTnLst>
+                                    <p:set>
+                                      <p:cBhvr>
+                                        <p:cTn id="11" dur="1" fill="hold">
+                                          <p:stCondLst>
+                                            <p:cond delay="0"/>
+                                          </p:stCondLst>
+                                        </p:cTn>
+                                        <p:tgtEl>
+                                          <p:spTgt spid="5">
+                                            <p:graphicEl>
+                                              <a:dgm id="{C3550AE3-EAA5-4345-96A2-2D49ABF0C995}"/>
+                                            </p:graphicEl>
+                                          </p:spTgt>
+                                        </p:tgtEl>
+                                        <p:attrNameLst>
+                                          <p:attrName>style.visibility</p:attrName>
+                                        </p:attrNameLst>
+                                      </p:cBhvr>
+                                      <p:to>
+                                        <p:strVal val="visible"/>
+                                      </p:to>
+                                    </p:set>
+                                    <p:animEffect transition="in" filter="randombar(horizontal)">
+                                      <p:cBhvr>
+                                        <p:cTn id="12" dur="500"/>
+                                        <p:tgtEl>
+                                          <p:spTgt spid="5">
+                                            <p:graphicEl>
+                                              <a:dgm id="{C3550AE3-EAA5-4345-96A2-2D49ABF0C995}"/>
+                                            </p:graphicEl>
+                                          </p:spTgt>
+                                        </p:tgtEl>
+                                      </p:cBhvr>
+                                    </p:animEffect>
+                                  </p:childTnLst>
+                                </p:cTn>
+                              </p:par>
+                              <p:par>
+                                <p:cTn id="13" presetID="14" presetClass="entr" presetSubtype="10" fill="hold" grpId="0" nodeType="withEffect">
+                                  <p:stCondLst>
+                                    <p:cond delay="0"/>
+                                  </p:stCondLst>
+                                  <p:childTnLst>
+                                    <p:set>
+                                      <p:cBhvr>
+                                        <p:cTn id="14" dur="1" fill="hold">
+                                          <p:stCondLst>
+                                            <p:cond delay="0"/>
+                                          </p:stCondLst>
+                                        </p:cTn>
+                                        <p:tgtEl>
+                                          <p:spTgt spid="5">
+                                            <p:graphicEl>
+                                              <a:dgm id="{8D6DEFCB-1384-46AE-A406-C24CBCF29DBA}"/>
+                                            </p:graphicEl>
+                                          </p:spTgt>
+                                        </p:tgtEl>
+                                        <p:attrNameLst>
+                                          <p:attrName>style.visibility</p:attrName>
+                                        </p:attrNameLst>
+                                      </p:cBhvr>
+                                      <p:to>
+                                        <p:strVal val="visible"/>
+                                      </p:to>
+                                    </p:set>
+                                    <p:animEffect transition="in" filter="randombar(horizontal)">
+                                      <p:cBhvr>
+                                        <p:cTn id="15" dur="500"/>
+                                        <p:tgtEl>
+                                          <p:spTgt spid="5">
+                                            <p:graphicEl>
+                                              <a:dgm id="{8D6DEFCB-1384-46AE-A406-C24CBCF29DBA}"/>
+                                            </p:graphicEl>
+                                          </p:spTgt>
+                                        </p:tgtEl>
+                                      </p:cBhvr>
+                                    </p:animEffect>
+                                  </p:childTnLst>
+                                </p:cTn>
+                              </p:par>
+                            </p:childTnLst>
+                          </p:cTn>
+                        </p:par>
+                      </p:childTnLst>
+                    </p:cTn>
+                  </p:par>
+                  <p:par>
+                    <p:cTn id="16" fill="hold">
+                      <p:stCondLst>
+                        <p:cond delay="indefinite"/>
+                      </p:stCondLst>
+                      <p:childTnLst>
+                        <p:par>
+                          <p:cTn id="17" fill="hold">
+                            <p:stCondLst>
+                              <p:cond delay="0"/>
+                            </p:stCondLst>
+                            <p:childTnLst>
+                              <p:par>
+                                <p:cTn id="18" presetID="14" presetClass="entr" presetSubtype="10" fill="hold" grpId="0" nodeType="clickEffect">
+                                  <p:stCondLst>
+                                    <p:cond delay="0"/>
+                                  </p:stCondLst>
+                                  <p:childTnLst>
+                                    <p:set>
+                                      <p:cBhvr>
+                                        <p:cTn id="19" dur="1" fill="hold">
+                                          <p:stCondLst>
+                                            <p:cond delay="0"/>
+                                          </p:stCondLst>
+                                        </p:cTn>
+                                        <p:tgtEl>
+                                          <p:spTgt spid="5">
+                                            <p:graphicEl>
+                                              <a:dgm id="{D9CD9F60-125D-422C-A4B2-7AB9DC41F197}"/>
+                                            </p:graphicEl>
+                                          </p:spTgt>
+                                        </p:tgtEl>
+                                        <p:attrNameLst>
+                                          <p:attrName>style.visibility</p:attrName>
+                                        </p:attrNameLst>
+                                      </p:cBhvr>
+                                      <p:to>
+                                        <p:strVal val="visible"/>
+                                      </p:to>
+                                    </p:set>
+                                    <p:animEffect transition="in" filter="randombar(horizontal)">
+                                      <p:cBhvr>
+                                        <p:cTn id="20" dur="500"/>
+                                        <p:tgtEl>
+                                          <p:spTgt spid="5">
+                                            <p:graphicEl>
+                                              <a:dgm id="{D9CD9F60-125D-422C-A4B2-7AB9DC41F197}"/>
+                                            </p:graphicEl>
+                                          </p:spTgt>
+                                        </p:tgtEl>
+                                      </p:cBhvr>
+                                    </p:animEffect>
+                                  </p:childTnLst>
+                                </p:cTn>
+                              </p:par>
+                              <p:par>
+                                <p:cTn id="21" presetID="14" presetClass="entr" presetSubtype="10" fill="hold" grpId="0" nodeType="withEffect">
+                                  <p:stCondLst>
+                                    <p:cond delay="0"/>
+                                  </p:stCondLst>
+                                  <p:childTnLst>
+                                    <p:set>
+                                      <p:cBhvr>
+                                        <p:cTn id="22" dur="1" fill="hold">
+                                          <p:stCondLst>
+                                            <p:cond delay="0"/>
+                                          </p:stCondLst>
+                                        </p:cTn>
+                                        <p:tgtEl>
+                                          <p:spTgt spid="5">
+                                            <p:graphicEl>
+                                              <a:dgm id="{904AA21A-6637-412F-8D19-6AEBE54B6CFC}"/>
+                                            </p:graphicEl>
+                                          </p:spTgt>
+                                        </p:tgtEl>
+                                        <p:attrNameLst>
+                                          <p:attrName>style.visibility</p:attrName>
+                                        </p:attrNameLst>
+                                      </p:cBhvr>
+                                      <p:to>
+                                        <p:strVal val="visible"/>
+                                      </p:to>
+                                    </p:set>
+                                    <p:animEffect transition="in" filter="randombar(horizontal)">
+                                      <p:cBhvr>
+                                        <p:cTn id="23" dur="500"/>
+                                        <p:tgtEl>
+                                          <p:spTgt spid="5">
+                                            <p:graphicEl>
+                                              <a:dgm id="{904AA21A-6637-412F-8D19-6AEBE54B6CFC}"/>
+                                            </p:graphicEl>
+                                          </p:spTgt>
+                                        </p:tgtEl>
+                                      </p:cBhvr>
+                                    </p:animEffect>
+                                  </p:childTnLst>
+                                </p:cTn>
+                              </p:par>
+                            </p:childTnLst>
+                          </p:cTn>
+                        </p:par>
+                      </p:childTnLst>
+                    </p:cTn>
+                  </p:par>
+                </p:childTnLst>
+              </p:cTn>
+              <p:prevCondLst>
+                <p:cond evt="onPrev" delay="0">
+                  <p:tgtEl>
+                    <p:sldTgt/>
+                  </p:tgtEl>
+                </p:cond>
+              </p:prevCondLst>
+              <p:nextCondLst>
+                <p:cond evt="onNext" delay="0">
+                  <p:tgtEl>
+                    <p:sldTgt/>
+                  </p:tgtEl>
+                </p:cond>
+              </p:nextCondLst>
+            </p:seq>
+          </p:childTnLst>
+        </p:cTn>
+      </p:par>
+    </p:tnLst>
+    <p:bldLst>
+      <p:bldGraphic spid="5" grpId="0">
+        <p:bldSub>
+          <a:bldDgm bld="one"/>
+        </p:bldSub>
+      </p:bldGraphic>
+    </p:bldLst>
+  </p:timing>
+</p:sld>
+</file>
+
+<file path=ppt/slides/slide30.xml><?xml version="1.0" encoding="utf-8"?>
 <p:sld xmlns:a="http://schemas.openxmlformats.org/drawingml/2006/main" xmlns:r="http://schemas.openxmlformats.org/officeDocument/2006/relationships" xmlns:p="http://schemas.openxmlformats.org/presentationml/2006/main">
   <p:cSld>
     <p:spTree>
@@ -43705,100 +47615,7 @@
 </p:sld>
 </file>
 
-<file path=ppt/slides/slide3.xml><?xml version="1.0" encoding="utf-8"?>
-<p:sld xmlns:a="http://schemas.openxmlformats.org/drawingml/2006/main" xmlns:r="http://schemas.openxmlformats.org/officeDocument/2006/relationships" xmlns:p="http://schemas.openxmlformats.org/presentationml/2006/main">
-  <p:cSld>
-    <p:spTree>
-      <p:nvGrpSpPr>
-        <p:cNvPr id="1" name=""/>
-        <p:cNvGrpSpPr/>
-        <p:nvPr/>
-      </p:nvGrpSpPr>
-      <p:grpSpPr>
-        <a:xfrm>
-          <a:off x="0" y="0"/>
-          <a:ext cx="0" cy="0"/>
-          <a:chOff x="0" y="0"/>
-          <a:chExt cx="0" cy="0"/>
-        </a:xfrm>
-      </p:grpSpPr>
-      <p:sp>
-        <p:nvSpPr>
-          <p:cNvPr id="2" name="Title 1">
-            <a:extLst>
-              <a:ext uri="{FF2B5EF4-FFF2-40B4-BE49-F238E27FC236}">
-                <a16:creationId xmlns:a16="http://schemas.microsoft.com/office/drawing/2014/main" id="{15E89C6E-E7C0-4FEB-BB3A-5CD62A36F8E4}"/>
-              </a:ext>
-            </a:extLst>
-          </p:cNvPr>
-          <p:cNvSpPr>
-            <a:spLocks noGrp="1"/>
-          </p:cNvSpPr>
-          <p:nvPr>
-            <p:ph type="title"/>
-          </p:nvPr>
-        </p:nvSpPr>
-        <p:spPr/>
-        <p:txBody>
-          <a:bodyPr/>
-          <a:lstStyle/>
-          <a:p>
-            <a:r>
-              <a:rPr lang="pl-PL" dirty="0"/>
-              <a:t>BLOCKCHAIN Evolution</a:t>
-            </a:r>
-            <a:endParaRPr lang="en-US" dirty="0"/>
-          </a:p>
-        </p:txBody>
-      </p:sp>
-      <p:graphicFrame>
-        <p:nvGraphicFramePr>
-          <p:cNvPr id="5" name="Content Placeholder 4">
-            <a:extLst>
-              <a:ext uri="{FF2B5EF4-FFF2-40B4-BE49-F238E27FC236}">
-                <a16:creationId xmlns:a16="http://schemas.microsoft.com/office/drawing/2014/main" id="{387A02C2-F0F7-49FD-9322-4259EF1AE786}"/>
-              </a:ext>
-            </a:extLst>
-          </p:cNvPr>
-          <p:cNvGraphicFramePr>
-            <a:graphicFrameLocks noGrp="1"/>
-          </p:cNvGraphicFramePr>
-          <p:nvPr>
-            <p:ph idx="1"/>
-            <p:extLst>
-              <p:ext uri="{D42A27DB-BD31-4B8C-83A1-F6EECF244321}">
-                <p14:modId xmlns:p14="http://schemas.microsoft.com/office/powerpoint/2010/main" val="2455082816"/>
-              </p:ext>
-            </p:extLst>
-          </p:nvPr>
-        </p:nvGraphicFramePr>
-        <p:xfrm>
-          <a:off x="1361752" y="2313655"/>
-          <a:ext cx="9905999" cy="1815737"/>
-        </p:xfrm>
-        <a:graphic>
-          <a:graphicData uri="http://schemas.openxmlformats.org/drawingml/2006/diagram">
-            <dgm:relIds xmlns:dgm="http://schemas.openxmlformats.org/drawingml/2006/diagram" xmlns:r="http://schemas.openxmlformats.org/officeDocument/2006/relationships" r:dm="rId2" r:lo="rId3" r:qs="rId4" r:cs="rId5"/>
-          </a:graphicData>
-        </a:graphic>
-      </p:graphicFrame>
-    </p:spTree>
-    <p:extLst>
-      <p:ext uri="{BB962C8B-B14F-4D97-AF65-F5344CB8AC3E}">
-        <p14:creationId xmlns:p14="http://schemas.microsoft.com/office/powerpoint/2010/main" val="2472020034"/>
-      </p:ext>
-    </p:extLst>
-  </p:cSld>
-  <p:clrMapOvr>
-    <a:masterClrMapping/>
-  </p:clrMapOvr>
-  <p:transition spd="slow">
-    <p:randomBar dir="vert"/>
-  </p:transition>
-</p:sld>
-</file>
-
-<file path=ppt/slides/slide30.xml><?xml version="1.0" encoding="utf-8"?>
+<file path=ppt/slides/slide31.xml><?xml version="1.0" encoding="utf-8"?>
 <p:sld xmlns:a="http://schemas.openxmlformats.org/drawingml/2006/main" xmlns:r="http://schemas.openxmlformats.org/officeDocument/2006/relationships" xmlns:p="http://schemas.openxmlformats.org/presentationml/2006/main">
   <p:cSld>
     <p:spTree>
@@ -44017,7 +47834,7 @@
 </p:sld>
 </file>
 
-<file path=ppt/slides/slide31.xml><?xml version="1.0" encoding="utf-8"?>
+<file path=ppt/slides/slide32.xml><?xml version="1.0" encoding="utf-8"?>
 <p:sld xmlns:a="http://schemas.openxmlformats.org/drawingml/2006/main" xmlns:r="http://schemas.openxmlformats.org/officeDocument/2006/relationships" xmlns:p="http://schemas.openxmlformats.org/presentationml/2006/main">
   <p:cSld>
     <p:spTree>
@@ -45624,7 +49441,7 @@
 </p:sld>
 </file>
 
-<file path=ppt/slides/slide32.xml><?xml version="1.0" encoding="utf-8"?>
+<file path=ppt/slides/slide33.xml><?xml version="1.0" encoding="utf-8"?>
 <p:sld xmlns:a="http://schemas.openxmlformats.org/drawingml/2006/main" xmlns:r="http://schemas.openxmlformats.org/officeDocument/2006/relationships" xmlns:p="http://schemas.openxmlformats.org/presentationml/2006/main">
   <p:cSld>
     <p:spTree>
@@ -46197,7 +50014,100 @@
 </p:sld>
 </file>
 
-<file path=ppt/slides/slide33.xml><?xml version="1.0" encoding="utf-8"?>
+<file path=ppt/slides/slide34.xml><?xml version="1.0" encoding="utf-8"?>
+<p:sld xmlns:a="http://schemas.openxmlformats.org/drawingml/2006/main" xmlns:r="http://schemas.openxmlformats.org/officeDocument/2006/relationships" xmlns:p="http://schemas.openxmlformats.org/presentationml/2006/main">
+  <p:cSld>
+    <p:spTree>
+      <p:nvGrpSpPr>
+        <p:cNvPr id="1" name=""/>
+        <p:cNvGrpSpPr/>
+        <p:nvPr/>
+      </p:nvGrpSpPr>
+      <p:grpSpPr>
+        <a:xfrm>
+          <a:off x="0" y="0"/>
+          <a:ext cx="0" cy="0"/>
+          <a:chOff x="0" y="0"/>
+          <a:chExt cx="0" cy="0"/>
+        </a:xfrm>
+      </p:grpSpPr>
+      <p:sp>
+        <p:nvSpPr>
+          <p:cNvPr id="2" name="Title 1">
+            <a:extLst>
+              <a:ext uri="{FF2B5EF4-FFF2-40B4-BE49-F238E27FC236}">
+                <a16:creationId xmlns:a16="http://schemas.microsoft.com/office/drawing/2014/main" id="{15E89C6E-E7C0-4FEB-BB3A-5CD62A36F8E4}"/>
+              </a:ext>
+            </a:extLst>
+          </p:cNvPr>
+          <p:cNvSpPr>
+            <a:spLocks noGrp="1"/>
+          </p:cNvSpPr>
+          <p:nvPr>
+            <p:ph type="title"/>
+          </p:nvPr>
+        </p:nvSpPr>
+        <p:spPr/>
+        <p:txBody>
+          <a:bodyPr/>
+          <a:lstStyle/>
+          <a:p>
+            <a:r>
+              <a:rPr lang="pl-PL" dirty="0"/>
+              <a:t>BLOCKCHAIN </a:t>
+            </a:r>
+            <a:r>
+              <a:rPr lang="pl-PL" dirty="0" err="1"/>
+              <a:t>Evolution</a:t>
+            </a:r>
+            <a:endParaRPr lang="en-US" dirty="0"/>
+          </a:p>
+        </p:txBody>
+      </p:sp>
+      <p:graphicFrame>
+        <p:nvGraphicFramePr>
+          <p:cNvPr id="5" name="Content Placeholder 4">
+            <a:extLst>
+              <a:ext uri="{FF2B5EF4-FFF2-40B4-BE49-F238E27FC236}">
+                <a16:creationId xmlns:a16="http://schemas.microsoft.com/office/drawing/2014/main" id="{387A02C2-F0F7-49FD-9322-4259EF1AE786}"/>
+              </a:ext>
+            </a:extLst>
+          </p:cNvPr>
+          <p:cNvGraphicFramePr>
+            <a:graphicFrameLocks noGrp="1"/>
+          </p:cNvGraphicFramePr>
+          <p:nvPr>
+            <p:ph idx="1"/>
+            <p:extLst/>
+          </p:nvPr>
+        </p:nvGraphicFramePr>
+        <p:xfrm>
+          <a:off x="1361752" y="2313655"/>
+          <a:ext cx="9905999" cy="1815737"/>
+        </p:xfrm>
+        <a:graphic>
+          <a:graphicData uri="http://schemas.openxmlformats.org/drawingml/2006/diagram">
+            <dgm:relIds xmlns:dgm="http://schemas.openxmlformats.org/drawingml/2006/diagram" xmlns:r="http://schemas.openxmlformats.org/officeDocument/2006/relationships" r:dm="rId2" r:lo="rId3" r:qs="rId4" r:cs="rId5"/>
+          </a:graphicData>
+        </a:graphic>
+      </p:graphicFrame>
+    </p:spTree>
+    <p:extLst>
+      <p:ext uri="{BB962C8B-B14F-4D97-AF65-F5344CB8AC3E}">
+        <p14:creationId xmlns:p14="http://schemas.microsoft.com/office/powerpoint/2010/main" val="2307488034"/>
+      </p:ext>
+    </p:extLst>
+  </p:cSld>
+  <p:clrMapOvr>
+    <a:masterClrMapping/>
+  </p:clrMapOvr>
+  <p:transition spd="slow">
+    <p:randomBar dir="vert"/>
+  </p:transition>
+</p:sld>
+</file>
+
+<file path=ppt/slides/slide35.xml><?xml version="1.0" encoding="utf-8"?>
 <p:sld xmlns:a="http://schemas.openxmlformats.org/drawingml/2006/main" xmlns:r="http://schemas.openxmlformats.org/officeDocument/2006/relationships" xmlns:p="http://schemas.openxmlformats.org/presentationml/2006/main">
   <p:cSld>
     <p:spTree>
@@ -46699,7 +50609,7 @@
 </p:sld>
 </file>
 
-<file path=ppt/slides/slide34.xml><?xml version="1.0" encoding="utf-8"?>
+<file path=ppt/slides/slide36.xml><?xml version="1.0" encoding="utf-8"?>
 <p:sld xmlns:a="http://schemas.openxmlformats.org/drawingml/2006/main" xmlns:r="http://schemas.openxmlformats.org/officeDocument/2006/relationships" xmlns:p="http://schemas.openxmlformats.org/presentationml/2006/main">
   <p:cSld>
     <p:spTree>
@@ -46823,7 +50733,7 @@
 </p:sld>
 </file>
 
-<file path=ppt/slides/slide35.xml><?xml version="1.0" encoding="utf-8"?>
+<file path=ppt/slides/slide37.xml><?xml version="1.0" encoding="utf-8"?>
 <p:sld xmlns:a="http://schemas.openxmlformats.org/drawingml/2006/main" xmlns:r="http://schemas.openxmlformats.org/officeDocument/2006/relationships" xmlns:p="http://schemas.openxmlformats.org/presentationml/2006/main">
   <p:cSld>
     <p:spTree>
